--- a/BarCampRoc.pptx
+++ b/BarCampRoc.pptx
@@ -6,28 +6,29 @@
     <p:sldMasterId id="2147483754" r:id="rId2"/>
   </p:sldMasterIdLst>
   <p:notesMasterIdLst>
-    <p:notesMasterId r:id="rId19"/>
+    <p:notesMasterId r:id="rId20"/>
   </p:notesMasterIdLst>
   <p:handoutMasterIdLst>
-    <p:handoutMasterId r:id="rId20"/>
+    <p:handoutMasterId r:id="rId21"/>
   </p:handoutMasterIdLst>
   <p:sldIdLst>
     <p:sldId id="320" r:id="rId3"/>
     <p:sldId id="327" r:id="rId4"/>
-    <p:sldId id="337" r:id="rId5"/>
-    <p:sldId id="336" r:id="rId6"/>
-    <p:sldId id="333" r:id="rId7"/>
-    <p:sldId id="335" r:id="rId8"/>
-    <p:sldId id="334" r:id="rId9"/>
-    <p:sldId id="324" r:id="rId10"/>
-    <p:sldId id="323" r:id="rId11"/>
-    <p:sldId id="328" r:id="rId12"/>
-    <p:sldId id="325" r:id="rId13"/>
-    <p:sldId id="326" r:id="rId14"/>
-    <p:sldId id="329" r:id="rId15"/>
-    <p:sldId id="331" r:id="rId16"/>
-    <p:sldId id="332" r:id="rId17"/>
-    <p:sldId id="330" r:id="rId18"/>
+    <p:sldId id="339" r:id="rId5"/>
+    <p:sldId id="337" r:id="rId6"/>
+    <p:sldId id="338" r:id="rId7"/>
+    <p:sldId id="336" r:id="rId8"/>
+    <p:sldId id="333" r:id="rId9"/>
+    <p:sldId id="335" r:id="rId10"/>
+    <p:sldId id="334" r:id="rId11"/>
+    <p:sldId id="324" r:id="rId12"/>
+    <p:sldId id="328" r:id="rId13"/>
+    <p:sldId id="323" r:id="rId14"/>
+    <p:sldId id="326" r:id="rId15"/>
+    <p:sldId id="329" r:id="rId16"/>
+    <p:sldId id="331" r:id="rId17"/>
+    <p:sldId id="332" r:id="rId18"/>
+    <p:sldId id="330" r:id="rId19"/>
   </p:sldIdLst>
   <p:sldSz cx="9144000" cy="6858000" type="screen4x3"/>
   <p:notesSz cx="6858000" cy="9144000"/>
@@ -250,7 +251,7 @@
               <a:pPr>
                 <a:defRPr/>
               </a:pPr>
-              <a:t>10/27/11</a:t>
+              <a:t>10/28/11</a:t>
             </a:fld>
             <a:endParaRPr lang="en-US"/>
           </a:p>
@@ -433,7 +434,7 @@
               <a:pPr>
                 <a:defRPr/>
               </a:pPr>
-              <a:t>10/27/11</a:t>
+              <a:t>10/28/11</a:t>
             </a:fld>
             <a:endParaRPr lang="en-US"/>
           </a:p>
@@ -930,7 +931,7 @@
               <a:pPr>
                 <a:defRPr/>
               </a:pPr>
-              <a:t>3</a:t>
+              <a:t>4</a:t>
             </a:fld>
             <a:endParaRPr lang="en-US"/>
           </a:p>
@@ -1051,7 +1052,7 @@
               <a:pPr>
                 <a:defRPr/>
               </a:pPr>
-              <a:t>4</a:t>
+              <a:t>6</a:t>
             </a:fld>
             <a:endParaRPr lang="en-US"/>
           </a:p>
@@ -1147,7 +1148,7 @@
               <a:pPr>
                 <a:defRPr/>
               </a:pPr>
-              <a:t>5</a:t>
+              <a:t>7</a:t>
             </a:fld>
             <a:endParaRPr lang="en-US"/>
           </a:p>
@@ -1237,7 +1238,7 @@
               <a:pPr>
                 <a:defRPr/>
               </a:pPr>
-              <a:t>8</a:t>
+              <a:t>10</a:t>
             </a:fld>
             <a:endParaRPr lang="en-US"/>
           </a:p>
@@ -1360,7 +1361,7 @@
               <a:pPr>
                 <a:defRPr/>
               </a:pPr>
-              <a:t>9</a:t>
+              <a:t>12</a:t>
             </a:fld>
             <a:endParaRPr lang="en-US"/>
           </a:p>
@@ -1473,7 +1474,7 @@
               <a:pPr>
                 <a:defRPr/>
               </a:pPr>
-              <a:t>12</a:t>
+              <a:t>13</a:t>
             </a:fld>
             <a:endParaRPr lang="en-US"/>
           </a:p>
@@ -1567,7 +1568,7 @@
               <a:pPr>
                 <a:defRPr/>
               </a:pPr>
-              <a:t>13</a:t>
+              <a:t>14</a:t>
             </a:fld>
             <a:endParaRPr lang="en-US"/>
           </a:p>
@@ -2221,7 +2222,7 @@
               <a:pPr>
                 <a:defRPr/>
               </a:pPr>
-              <a:t>10/27/11</a:t>
+              <a:t>10/28/11</a:t>
             </a:fld>
             <a:endParaRPr lang="en-US"/>
           </a:p>
@@ -2418,7 +2419,7 @@
               <a:pPr>
                 <a:defRPr/>
               </a:pPr>
-              <a:t>10/27/11</a:t>
+              <a:t>10/28/11</a:t>
             </a:fld>
             <a:endParaRPr lang="en-US"/>
           </a:p>
@@ -2625,7 +2626,7 @@
               <a:pPr>
                 <a:defRPr/>
               </a:pPr>
-              <a:t>10/27/11</a:t>
+              <a:t>10/28/11</a:t>
             </a:fld>
             <a:endParaRPr lang="en-US"/>
           </a:p>
@@ -2894,7 +2895,7 @@
               <a:pPr>
                 <a:defRPr/>
               </a:pPr>
-              <a:t>10/27/11</a:t>
+              <a:t>10/28/11</a:t>
             </a:fld>
             <a:endParaRPr lang="en-US"/>
           </a:p>
@@ -3091,7 +3092,7 @@
               <a:pPr>
                 <a:defRPr/>
               </a:pPr>
-              <a:t>10/27/11</a:t>
+              <a:t>10/28/11</a:t>
             </a:fld>
             <a:endParaRPr lang="en-US"/>
           </a:p>
@@ -3364,7 +3365,7 @@
               <a:pPr>
                 <a:defRPr/>
               </a:pPr>
-              <a:t>10/27/11</a:t>
+              <a:t>10/28/11</a:t>
             </a:fld>
             <a:endParaRPr lang="en-US"/>
           </a:p>
@@ -3679,7 +3680,7 @@
               <a:pPr>
                 <a:defRPr/>
               </a:pPr>
-              <a:t>10/27/11</a:t>
+              <a:t>10/28/11</a:t>
             </a:fld>
             <a:endParaRPr lang="en-US"/>
           </a:p>
@@ -4128,7 +4129,7 @@
               <a:pPr>
                 <a:defRPr/>
               </a:pPr>
-              <a:t>10/27/11</a:t>
+              <a:t>10/28/11</a:t>
             </a:fld>
             <a:endParaRPr lang="en-US"/>
           </a:p>
@@ -4273,7 +4274,7 @@
               <a:pPr>
                 <a:defRPr/>
               </a:pPr>
-              <a:t>10/27/11</a:t>
+              <a:t>10/28/11</a:t>
             </a:fld>
             <a:endParaRPr lang="en-US"/>
           </a:p>
@@ -4395,7 +4396,7 @@
               <a:pPr>
                 <a:defRPr/>
               </a:pPr>
-              <a:t>10/27/11</a:t>
+              <a:t>10/28/11</a:t>
             </a:fld>
             <a:endParaRPr lang="en-US"/>
           </a:p>
@@ -5102,7 +5103,7 @@
               <a:pPr>
                 <a:defRPr/>
               </a:pPr>
-              <a:t>10/27/11</a:t>
+              <a:t>10/28/11</a:t>
             </a:fld>
             <a:endParaRPr lang="en-US"/>
           </a:p>
@@ -5385,7 +5386,7 @@
               <a:pPr>
                 <a:defRPr/>
               </a:pPr>
-              <a:t>10/27/11</a:t>
+              <a:t>10/28/11</a:t>
             </a:fld>
             <a:endParaRPr lang="en-US"/>
           </a:p>
@@ -5582,7 +5583,7 @@
               <a:pPr>
                 <a:defRPr/>
               </a:pPr>
-              <a:t>10/27/11</a:t>
+              <a:t>10/28/11</a:t>
             </a:fld>
             <a:endParaRPr lang="en-US"/>
           </a:p>
@@ -5789,7 +5790,7 @@
               <a:pPr>
                 <a:defRPr/>
               </a:pPr>
-              <a:t>10/27/11</a:t>
+              <a:t>10/28/11</a:t>
             </a:fld>
             <a:endParaRPr lang="en-US"/>
           </a:p>
@@ -6007,7 +6008,7 @@
               <a:pPr>
                 <a:defRPr/>
               </a:pPr>
-              <a:t>10/27/11</a:t>
+              <a:t>10/28/11</a:t>
             </a:fld>
             <a:endParaRPr lang="en-US"/>
           </a:p>
@@ -6313,7 +6314,7 @@
               <a:pPr>
                 <a:defRPr/>
               </a:pPr>
-              <a:t>10/27/11</a:t>
+              <a:t>10/28/11</a:t>
             </a:fld>
             <a:endParaRPr lang="en-US"/>
           </a:p>
@@ -6637,7 +6638,7 @@
               <a:pPr>
                 <a:defRPr/>
               </a:pPr>
-              <a:t>10/27/11</a:t>
+              <a:t>10/28/11</a:t>
             </a:fld>
             <a:endParaRPr lang="en-US"/>
           </a:p>
@@ -7086,7 +7087,7 @@
               <a:pPr>
                 <a:defRPr/>
               </a:pPr>
-              <a:t>10/27/11</a:t>
+              <a:t>10/28/11</a:t>
             </a:fld>
             <a:endParaRPr lang="en-US"/>
           </a:p>
@@ -7231,7 +7232,7 @@
               <a:pPr>
                 <a:defRPr/>
               </a:pPr>
-              <a:t>10/27/11</a:t>
+              <a:t>10/28/11</a:t>
             </a:fld>
             <a:endParaRPr lang="en-US"/>
           </a:p>
@@ -7417,7 +7418,7 @@
               <a:pPr>
                 <a:defRPr/>
               </a:pPr>
-              <a:t>10/27/11</a:t>
+              <a:t>10/28/11</a:t>
             </a:fld>
             <a:endParaRPr lang="en-US"/>
           </a:p>
@@ -7721,7 +7722,7 @@
               <a:pPr>
                 <a:defRPr/>
               </a:pPr>
-              <a:t>10/27/11</a:t>
+              <a:t>10/28/11</a:t>
             </a:fld>
             <a:endParaRPr lang="en-US"/>
           </a:p>
@@ -8110,7 +8111,7 @@
               <a:pPr>
                 <a:defRPr/>
               </a:pPr>
-              <a:t>10/27/11</a:t>
+              <a:t>10/28/11</a:t>
             </a:fld>
             <a:endParaRPr lang="en-US"/>
           </a:p>
@@ -9082,7 +9083,7 @@
               <a:pPr>
                 <a:defRPr/>
               </a:pPr>
-              <a:t>10/27/11</a:t>
+              <a:t>10/28/11</a:t>
             </a:fld>
             <a:endParaRPr lang="en-US"/>
           </a:p>
@@ -10233,3656 +10234,6 @@
           <a:p>
             <a:r>
               <a:rPr lang="en-US" dirty="0" smtClean="0"/>
-              <a:t>Demo</a:t>
-            </a:r>
-            <a:endParaRPr lang="en-US" dirty="0"/>
-          </a:p>
-        </p:txBody>
-      </p:sp>
-      <p:sp>
-        <p:nvSpPr>
-          <p:cNvPr id="3" name="Content Placeholder 2"/>
-          <p:cNvSpPr>
-            <a:spLocks noGrp="1"/>
-          </p:cNvSpPr>
-          <p:nvPr>
-            <p:ph idx="1"/>
-          </p:nvPr>
-        </p:nvSpPr>
-        <p:spPr/>
-        <p:txBody>
-          <a:bodyPr/>
-          <a:lstStyle/>
-          <a:p>
-            <a:endParaRPr lang="en-US" sz="1600" b="1" dirty="0" smtClean="0">
-              <a:solidFill>
-                <a:srgbClr val="0000C0"/>
-              </a:solidFill>
-              <a:highlight>
-                <a:srgbClr val="FFFFFF"/>
-              </a:highlight>
-              <a:latin typeface="Monaco"/>
-            </a:endParaRPr>
-          </a:p>
-          <a:p>
-            <a:endParaRPr lang="en-US" sz="1600" b="1" dirty="0">
-              <a:solidFill>
-                <a:srgbClr val="0000C0"/>
-              </a:solidFill>
-              <a:highlight>
-                <a:srgbClr val="FFFFFF"/>
-              </a:highlight>
-              <a:latin typeface="Monaco"/>
-            </a:endParaRPr>
-          </a:p>
-          <a:p>
-            <a:r>
-              <a:rPr lang="en-US" sz="1600" b="1" dirty="0" err="1" smtClean="0">
-                <a:solidFill>
-                  <a:srgbClr val="0000C0"/>
-                </a:solidFill>
-                <a:highlight>
-                  <a:srgbClr val="FFFFFF"/>
-                </a:highlight>
-                <a:latin typeface="Monaco"/>
-              </a:rPr>
-              <a:t>var</a:t>
-            </a:r>
-            <a:r>
-              <a:rPr lang="en-US" sz="1600" b="1" dirty="0" smtClean="0">
-                <a:solidFill>
-                  <a:srgbClr val="0000C0"/>
-                </a:solidFill>
-                <a:highlight>
-                  <a:srgbClr val="FFFFFF"/>
-                </a:highlight>
-                <a:latin typeface="Monaco"/>
-              </a:rPr>
-              <a:t> </a:t>
-            </a:r>
-            <a:r>
-              <a:rPr lang="en-US" sz="1600" b="1" dirty="0">
-                <a:highlight>
-                  <a:srgbClr val="FFFFFF"/>
-                </a:highlight>
-                <a:latin typeface="Monaco"/>
-              </a:rPr>
-              <a:t>map </a:t>
-            </a:r>
-            <a:r>
-              <a:rPr lang="en-US" sz="1600" b="1" dirty="0">
-                <a:solidFill>
-                  <a:srgbClr val="5C5C5C"/>
-                </a:solidFill>
-                <a:highlight>
-                  <a:srgbClr val="FFFFFF"/>
-                </a:highlight>
-                <a:latin typeface="Monaco"/>
-              </a:rPr>
-              <a:t>= </a:t>
-            </a:r>
-            <a:r>
-              <a:rPr lang="en-US" sz="1600" b="1" dirty="0" err="1">
-                <a:highlight>
-                  <a:srgbClr val="FFFFFF"/>
-                </a:highlight>
-                <a:latin typeface="Monaco"/>
-              </a:rPr>
-              <a:t>Ti.Map.createView</a:t>
-            </a:r>
-            <a:r>
-              <a:rPr lang="en-US" sz="1600" b="1" dirty="0">
-                <a:highlight>
-                  <a:srgbClr val="FFFFFF"/>
-                </a:highlight>
-                <a:latin typeface="Monaco"/>
-              </a:rPr>
-              <a:t>({</a:t>
-            </a:r>
-          </a:p>
-          <a:p>
-            <a:r>
-              <a:rPr lang="en-US" sz="1600" dirty="0">
-                <a:highlight>
-                  <a:srgbClr val="FFFFFF"/>
-                </a:highlight>
-                <a:latin typeface="Monaco"/>
-              </a:rPr>
-              <a:t>	region: {</a:t>
-            </a:r>
-          </a:p>
-          <a:p>
-            <a:r>
-              <a:rPr lang="en-US" sz="1600" dirty="0">
-                <a:highlight>
-                  <a:srgbClr val="FFFFFF"/>
-                </a:highlight>
-                <a:latin typeface="Monaco"/>
-              </a:rPr>
-              <a:t>		latitude:</a:t>
-            </a:r>
-            <a:r>
-              <a:rPr lang="en-US" sz="1600" dirty="0">
-                <a:solidFill>
-                  <a:srgbClr val="004080"/>
-                </a:solidFill>
-                <a:highlight>
-                  <a:srgbClr val="FFFFFF"/>
-                </a:highlight>
-                <a:latin typeface="Monaco"/>
-              </a:rPr>
-              <a:t>43.082602</a:t>
-            </a:r>
-            <a:r>
-              <a:rPr lang="en-US" sz="1600" dirty="0">
-                <a:highlight>
-                  <a:srgbClr val="FFFFFF"/>
-                </a:highlight>
-                <a:latin typeface="Monaco"/>
-              </a:rPr>
-              <a:t>,</a:t>
-            </a:r>
-          </a:p>
-          <a:p>
-            <a:r>
-              <a:rPr lang="en-US" sz="1600" dirty="0">
-                <a:highlight>
-                  <a:srgbClr val="FFFFFF"/>
-                </a:highlight>
-                <a:latin typeface="Monaco"/>
-              </a:rPr>
-              <a:t>		longitude:</a:t>
-            </a:r>
-            <a:r>
-              <a:rPr lang="en-US" sz="1600" dirty="0">
-                <a:solidFill>
-                  <a:srgbClr val="5C5C5C"/>
-                </a:solidFill>
-                <a:highlight>
-                  <a:srgbClr val="FFFFFF"/>
-                </a:highlight>
-                <a:latin typeface="Monaco"/>
-              </a:rPr>
-              <a:t>-</a:t>
-            </a:r>
-            <a:r>
-              <a:rPr lang="en-US" sz="1600" dirty="0">
-                <a:solidFill>
-                  <a:srgbClr val="004080"/>
-                </a:solidFill>
-                <a:highlight>
-                  <a:srgbClr val="FFFFFF"/>
-                </a:highlight>
-                <a:latin typeface="Monaco"/>
-              </a:rPr>
-              <a:t>77.676859</a:t>
-            </a:r>
-            <a:r>
-              <a:rPr lang="en-US" sz="1600" dirty="0">
-                <a:highlight>
-                  <a:srgbClr val="FFFFFF"/>
-                </a:highlight>
-                <a:latin typeface="Monaco"/>
-              </a:rPr>
-              <a:t>,</a:t>
-            </a:r>
-          </a:p>
-          <a:p>
-            <a:r>
-              <a:rPr lang="en-US" sz="1600" dirty="0">
-                <a:highlight>
-                  <a:srgbClr val="FFFFFF"/>
-                </a:highlight>
-                <a:latin typeface="Monaco"/>
-              </a:rPr>
-              <a:t>		latitudeDelta:</a:t>
-            </a:r>
-            <a:r>
-              <a:rPr lang="en-US" sz="1600" dirty="0">
-                <a:solidFill>
-                  <a:srgbClr val="004080"/>
-                </a:solidFill>
-                <a:highlight>
-                  <a:srgbClr val="FFFFFF"/>
-                </a:highlight>
-                <a:latin typeface="Monaco"/>
-              </a:rPr>
-              <a:t>0.01</a:t>
-            </a:r>
-            <a:r>
-              <a:rPr lang="en-US" sz="1600" dirty="0">
-                <a:highlight>
-                  <a:srgbClr val="FFFFFF"/>
-                </a:highlight>
-                <a:latin typeface="Monaco"/>
-              </a:rPr>
-              <a:t>,</a:t>
-            </a:r>
-          </a:p>
-          <a:p>
-            <a:r>
-              <a:rPr lang="en-US" sz="1600" dirty="0">
-                <a:highlight>
-                  <a:srgbClr val="FFFFFF"/>
-                </a:highlight>
-                <a:latin typeface="Monaco"/>
-              </a:rPr>
-              <a:t>		longitudeDelta:</a:t>
-            </a:r>
-            <a:r>
-              <a:rPr lang="en-US" sz="1600" dirty="0">
-                <a:solidFill>
-                  <a:srgbClr val="004080"/>
-                </a:solidFill>
-                <a:highlight>
-                  <a:srgbClr val="FFFFFF"/>
-                </a:highlight>
-                <a:latin typeface="Monaco"/>
-              </a:rPr>
-              <a:t>0.01</a:t>
-            </a:r>
-            <a:r>
-              <a:rPr lang="en-US" sz="1600" dirty="0">
-                <a:highlight>
-                  <a:srgbClr val="FFFFFF"/>
-                </a:highlight>
-                <a:latin typeface="Monaco"/>
-              </a:rPr>
-              <a:t>},</a:t>
-            </a:r>
-          </a:p>
-          <a:p>
-            <a:r>
-              <a:rPr lang="en-US" sz="1600" dirty="0">
-                <a:highlight>
-                  <a:srgbClr val="FFFFFF"/>
-                </a:highlight>
-                <a:latin typeface="Monaco"/>
-              </a:rPr>
-              <a:t>	</a:t>
-            </a:r>
-            <a:r>
-              <a:rPr lang="en-US" sz="1600" dirty="0" err="1">
-                <a:highlight>
-                  <a:srgbClr val="FFFFFF"/>
-                </a:highlight>
-                <a:latin typeface="Monaco"/>
-              </a:rPr>
-              <a:t>animate:</a:t>
-            </a:r>
-            <a:r>
-              <a:rPr lang="en-US" sz="1600" dirty="0" err="1">
-                <a:solidFill>
-                  <a:srgbClr val="800040"/>
-                </a:solidFill>
-                <a:highlight>
-                  <a:srgbClr val="FFFFFF"/>
-                </a:highlight>
-                <a:latin typeface="Monaco"/>
-              </a:rPr>
-              <a:t>true</a:t>
-            </a:r>
-            <a:r>
-              <a:rPr lang="en-US" sz="1600" dirty="0">
-                <a:highlight>
-                  <a:srgbClr val="FFFFFF"/>
-                </a:highlight>
-                <a:latin typeface="Monaco"/>
-              </a:rPr>
-              <a:t>,</a:t>
-            </a:r>
-          </a:p>
-          <a:p>
-            <a:r>
-              <a:rPr lang="en-US" sz="1600" dirty="0">
-                <a:highlight>
-                  <a:srgbClr val="FFFFFF"/>
-                </a:highlight>
-                <a:latin typeface="Monaco"/>
-              </a:rPr>
-              <a:t>	</a:t>
-            </a:r>
-            <a:r>
-              <a:rPr lang="en-US" sz="1600" dirty="0" err="1" smtClean="0">
-                <a:highlight>
-                  <a:srgbClr val="FFFFFF"/>
-                </a:highlight>
-                <a:latin typeface="Monaco"/>
-              </a:rPr>
-              <a:t>regionFit:</a:t>
-            </a:r>
-            <a:r>
-              <a:rPr lang="en-US" sz="1600" dirty="0" err="1" smtClean="0">
-                <a:solidFill>
-                  <a:srgbClr val="800040"/>
-                </a:solidFill>
-                <a:highlight>
-                  <a:srgbClr val="FFFFFF"/>
-                </a:highlight>
-                <a:latin typeface="Monaco"/>
-              </a:rPr>
-              <a:t>true</a:t>
-            </a:r>
-            <a:endParaRPr lang="en-US" sz="1600" dirty="0">
-              <a:highlight>
-                <a:srgbClr val="FFFFFF"/>
-              </a:highlight>
-              <a:latin typeface="Monaco"/>
-            </a:endParaRPr>
-          </a:p>
-          <a:p>
-            <a:r>
-              <a:rPr lang="en-US" sz="1600" dirty="0">
-                <a:highlight>
-                  <a:srgbClr val="FFFFFF"/>
-                </a:highlight>
-                <a:latin typeface="Monaco"/>
-              </a:rPr>
-              <a:t>})</a:t>
-            </a:r>
-            <a:r>
-              <a:rPr lang="en-US" sz="1600" dirty="0">
-                <a:solidFill>
-                  <a:srgbClr val="5C5C5C"/>
-                </a:solidFill>
-                <a:highlight>
-                  <a:srgbClr val="FFFFFF"/>
-                </a:highlight>
-                <a:latin typeface="Monaco"/>
-              </a:rPr>
-              <a:t>;</a:t>
-            </a:r>
-          </a:p>
-          <a:p>
-            <a:endParaRPr lang="en-US" dirty="0"/>
-          </a:p>
-        </p:txBody>
-      </p:sp>
-      <p:pic>
-        <p:nvPicPr>
-          <p:cNvPr id="4" name="Picture 3" descr="Screen shot 2011-10-26 at 2.09.28 PM.png"/>
-          <p:cNvPicPr>
-            <a:picLocks noChangeAspect="1"/>
-          </p:cNvPicPr>
-          <p:nvPr/>
-        </p:nvPicPr>
-        <p:blipFill>
-          <a:blip r:embed="rId2">
-            <a:extLst>
-              <a:ext uri="{28A0092B-C50C-407E-A947-70E740481C1C}">
-                <a14:useLocalDpi xmlns:a14="http://schemas.microsoft.com/office/drawing/2010/main" val="0"/>
-              </a:ext>
-            </a:extLst>
-          </a:blip>
-          <a:stretch>
-            <a:fillRect/>
-          </a:stretch>
-        </p:blipFill>
-        <p:spPr>
-          <a:xfrm>
-            <a:off x="5413564" y="173790"/>
-            <a:ext cx="3216183" cy="6042526"/>
-          </a:xfrm>
-          <a:prstGeom prst="rect">
-            <a:avLst/>
-          </a:prstGeom>
-          <a:ln>
-            <a:noFill/>
-          </a:ln>
-          <a:effectLst>
-            <a:outerShdw blurRad="292100" dist="139700" dir="2700000" algn="tl" rotWithShape="0">
-              <a:srgbClr val="333333">
-                <a:alpha val="65000"/>
-              </a:srgbClr>
-            </a:outerShdw>
-          </a:effectLst>
-        </p:spPr>
-      </p:pic>
-    </p:spTree>
-    <p:extLst>
-      <p:ext uri="{BB962C8B-B14F-4D97-AF65-F5344CB8AC3E}">
-        <p14:creationId xmlns:p14="http://schemas.microsoft.com/office/powerpoint/2010/main" val="3457804726"/>
-      </p:ext>
-    </p:extLst>
-  </p:cSld>
-  <p:clrMapOvr>
-    <a:masterClrMapping/>
-  </p:clrMapOvr>
-  <p:timing>
-    <p:tnLst>
-      <p:par>
-        <p:cTn xmlns:p14="http://schemas.microsoft.com/office/powerpoint/2010/main" id="1" dur="indefinite" restart="never" nodeType="tmRoot"/>
-      </p:par>
-    </p:tnLst>
-  </p:timing>
-</p:sld>
-</file>
-
-<file path=ppt/slides/slide11.xml><?xml version="1.0" encoding="utf-8"?>
-<p:sld xmlns:a="http://schemas.openxmlformats.org/drawingml/2006/main" xmlns:r="http://schemas.openxmlformats.org/officeDocument/2006/relationships" xmlns:p="http://schemas.openxmlformats.org/presentationml/2006/main">
-  <p:cSld>
-    <p:spTree>
-      <p:nvGrpSpPr>
-        <p:cNvPr id="1" name=""/>
-        <p:cNvGrpSpPr/>
-        <p:nvPr/>
-      </p:nvGrpSpPr>
-      <p:grpSpPr>
-        <a:xfrm>
-          <a:off x="0" y="0"/>
-          <a:ext cx="0" cy="0"/>
-          <a:chOff x="0" y="0"/>
-          <a:chExt cx="0" cy="0"/>
-        </a:xfrm>
-      </p:grpSpPr>
-      <p:sp>
-        <p:nvSpPr>
-          <p:cNvPr id="2" name="Title 1"/>
-          <p:cNvSpPr>
-            <a:spLocks noGrp="1"/>
-          </p:cNvSpPr>
-          <p:nvPr>
-            <p:ph type="title"/>
-          </p:nvPr>
-        </p:nvSpPr>
-        <p:spPr/>
-        <p:txBody>
-          <a:bodyPr/>
-          <a:lstStyle/>
-          <a:p>
-            <a:r>
-              <a:rPr lang="en-US" dirty="0" smtClean="0"/>
-              <a:t>Titanium key facts</a:t>
-            </a:r>
-            <a:endParaRPr lang="en-US" dirty="0"/>
-          </a:p>
-        </p:txBody>
-      </p:sp>
-      <p:sp>
-        <p:nvSpPr>
-          <p:cNvPr id="3" name="Content Placeholder 2"/>
-          <p:cNvSpPr>
-            <a:spLocks noGrp="1"/>
-          </p:cNvSpPr>
-          <p:nvPr>
-            <p:ph idx="1"/>
-          </p:nvPr>
-        </p:nvSpPr>
-        <p:spPr/>
-        <p:txBody>
-          <a:bodyPr/>
-          <a:lstStyle/>
-          <a:p>
-            <a:r>
-              <a:rPr lang="en-US" dirty="0" smtClean="0"/>
-              <a:t>Open source (Apache 2.0)</a:t>
-            </a:r>
-          </a:p>
-          <a:p>
-            <a:endParaRPr lang="en-US" dirty="0"/>
-          </a:p>
-          <a:p>
-            <a:r>
-              <a:rPr lang="en-US" dirty="0" smtClean="0"/>
-              <a:t>200,000+ developers / 27,000 apps “in the wild”</a:t>
-            </a:r>
-          </a:p>
-          <a:p>
-            <a:endParaRPr lang="en-US" dirty="0"/>
-          </a:p>
-          <a:p>
-            <a:r>
-              <a:rPr lang="en-US" dirty="0" smtClean="0"/>
-              <a:t>Mobile: </a:t>
-            </a:r>
-            <a:r>
-              <a:rPr lang="en-US" dirty="0" err="1" smtClean="0"/>
-              <a:t>iOS</a:t>
-            </a:r>
-            <a:r>
-              <a:rPr lang="en-US" dirty="0" smtClean="0"/>
-              <a:t>, Android, Blackberry (beta)</a:t>
-            </a:r>
-          </a:p>
-          <a:p>
-            <a:endParaRPr lang="en-US" dirty="0"/>
-          </a:p>
-          <a:p>
-            <a:r>
-              <a:rPr lang="en-US" dirty="0" smtClean="0"/>
-              <a:t>Desktop: Windows, OS X, Linux</a:t>
-            </a:r>
-          </a:p>
-          <a:p>
-            <a:endParaRPr lang="en-US" dirty="0"/>
-          </a:p>
-          <a:p>
-            <a:r>
-              <a:rPr lang="en-US" dirty="0" smtClean="0"/>
-              <a:t>Pro services, SLA support, modules marketplace, training</a:t>
-            </a:r>
-          </a:p>
-        </p:txBody>
-      </p:sp>
-    </p:spTree>
-    <p:extLst>
-      <p:ext uri="{BB962C8B-B14F-4D97-AF65-F5344CB8AC3E}">
-        <p14:creationId xmlns:p14="http://schemas.microsoft.com/office/powerpoint/2010/main" val="1323601165"/>
-      </p:ext>
-    </p:extLst>
-  </p:cSld>
-  <p:clrMapOvr>
-    <a:masterClrMapping/>
-  </p:clrMapOvr>
-</p:sld>
-</file>
-
-<file path=ppt/slides/slide12.xml><?xml version="1.0" encoding="utf-8"?>
-<p:sld xmlns:a="http://schemas.openxmlformats.org/drawingml/2006/main" xmlns:r="http://schemas.openxmlformats.org/officeDocument/2006/relationships" xmlns:p="http://schemas.openxmlformats.org/presentationml/2006/main">
-  <p:cSld>
-    <p:spTree>
-      <p:nvGrpSpPr>
-        <p:cNvPr id="1" name=""/>
-        <p:cNvGrpSpPr/>
-        <p:nvPr/>
-      </p:nvGrpSpPr>
-      <p:grpSpPr>
-        <a:xfrm>
-          <a:off x="0" y="0"/>
-          <a:ext cx="0" cy="0"/>
-          <a:chOff x="0" y="0"/>
-          <a:chExt cx="0" cy="0"/>
-        </a:xfrm>
-      </p:grpSpPr>
-      <p:sp>
-        <p:nvSpPr>
-          <p:cNvPr id="2" name="Title 1"/>
-          <p:cNvSpPr>
-            <a:spLocks noGrp="1"/>
-          </p:cNvSpPr>
-          <p:nvPr>
-            <p:ph type="title"/>
-          </p:nvPr>
-        </p:nvSpPr>
-        <p:spPr/>
-        <p:txBody>
-          <a:bodyPr/>
-          <a:lstStyle/>
-          <a:p>
-            <a:r>
-              <a:rPr lang="en-US" dirty="0" smtClean="0"/>
-              <a:t>Powered by Titanium</a:t>
-            </a:r>
-            <a:endParaRPr lang="en-US" dirty="0"/>
-          </a:p>
-        </p:txBody>
-      </p:sp>
-      <p:sp>
-        <p:nvSpPr>
-          <p:cNvPr id="3" name="Content Placeholder 2"/>
-          <p:cNvSpPr>
-            <a:spLocks noGrp="1"/>
-          </p:cNvSpPr>
-          <p:nvPr>
-            <p:ph idx="1"/>
-          </p:nvPr>
-        </p:nvSpPr>
-        <p:spPr/>
-        <p:txBody>
-          <a:bodyPr/>
-          <a:lstStyle/>
-          <a:p>
-            <a:pPr marL="0" indent="0" eaLnBrk="1" hangingPunct="1">
-              <a:defRPr/>
-            </a:pPr>
-            <a:r>
-              <a:rPr lang="en-US" b="1" dirty="0">
-                <a:solidFill>
-                  <a:schemeClr val="accent5">
-                    <a:lumMod val="75000"/>
-                  </a:schemeClr>
-                </a:solidFill>
-                <a:ea typeface="ＭＳ Ｐゴシック" charset="-128"/>
-                <a:cs typeface="ＭＳ Ｐゴシック" charset="-128"/>
-              </a:rPr>
-              <a:t>Applications:</a:t>
-            </a:r>
-          </a:p>
-          <a:p>
-            <a:pPr>
-              <a:buFont typeface="Arial" charset="0"/>
-              <a:buChar char="•"/>
-              <a:defRPr/>
-            </a:pPr>
-            <a:r>
-              <a:rPr lang="en-US" sz="2000" dirty="0">
-                <a:ea typeface="ＭＳ Ｐゴシック" charset="-128"/>
-                <a:cs typeface="ＭＳ Ｐゴシック" charset="-128"/>
-              </a:rPr>
-              <a:t> NBC apps</a:t>
-            </a:r>
-          </a:p>
-          <a:p>
-            <a:pPr>
-              <a:buFont typeface="Arial" charset="0"/>
-              <a:buChar char="•"/>
-              <a:defRPr/>
-            </a:pPr>
-            <a:r>
-              <a:rPr lang="en-US" sz="2000" dirty="0">
-                <a:ea typeface="ＭＳ Ｐゴシック" charset="-128"/>
-                <a:cs typeface="ＭＳ Ｐゴシック" charset="-128"/>
-              </a:rPr>
-              <a:t> NYS Senate</a:t>
-            </a:r>
-          </a:p>
-          <a:p>
-            <a:pPr>
-              <a:buFont typeface="Arial" charset="0"/>
-              <a:buChar char="•"/>
-              <a:defRPr/>
-            </a:pPr>
-            <a:r>
-              <a:rPr lang="en-US" sz="2000" dirty="0">
-                <a:ea typeface="ＭＳ Ｐゴシック" charset="-128"/>
-                <a:cs typeface="ＭＳ Ｐゴシック" charset="-128"/>
-              </a:rPr>
-              <a:t> </a:t>
-            </a:r>
-            <a:r>
-              <a:rPr lang="en-US" sz="2000" dirty="0" err="1">
-                <a:ea typeface="ＭＳ Ｐゴシック" charset="-128"/>
-                <a:cs typeface="ＭＳ Ｐゴシック" charset="-128"/>
-              </a:rPr>
-              <a:t>Wunderlist</a:t>
-            </a:r>
-            <a:endParaRPr lang="en-US" sz="2000" dirty="0">
-              <a:ea typeface="ＭＳ Ｐゴシック" charset="-128"/>
-              <a:cs typeface="ＭＳ Ｐゴシック" charset="-128"/>
-            </a:endParaRPr>
-          </a:p>
-          <a:p>
-            <a:pPr>
-              <a:buFont typeface="Arial" charset="0"/>
-              <a:buChar char="•"/>
-              <a:defRPr/>
-            </a:pPr>
-            <a:r>
-              <a:rPr lang="en-US" sz="2000" dirty="0">
-                <a:ea typeface="ＭＳ Ｐゴシック" charset="-128"/>
-                <a:cs typeface="ＭＳ Ｐゴシック" charset="-128"/>
-              </a:rPr>
-              <a:t> </a:t>
-            </a:r>
-            <a:r>
-              <a:rPr lang="en-US" sz="2000" dirty="0" err="1">
-                <a:ea typeface="ＭＳ Ｐゴシック" charset="-128"/>
-                <a:cs typeface="ＭＳ Ｐゴシック" charset="-128"/>
-              </a:rPr>
-              <a:t>GetGlue</a:t>
-            </a:r>
-            <a:endParaRPr lang="en-US" sz="2000" dirty="0">
-              <a:ea typeface="ＭＳ Ｐゴシック" charset="-128"/>
-              <a:cs typeface="ＭＳ Ｐゴシック" charset="-128"/>
-            </a:endParaRPr>
-          </a:p>
-          <a:p>
-            <a:pPr marL="0" indent="0" eaLnBrk="1" hangingPunct="1">
-              <a:spcBef>
-                <a:spcPts val="1224"/>
-              </a:spcBef>
-              <a:defRPr/>
-            </a:pPr>
-            <a:r>
-              <a:rPr lang="en-US" b="1" dirty="0">
-                <a:solidFill>
-                  <a:schemeClr val="accent5">
-                    <a:lumMod val="75000"/>
-                  </a:schemeClr>
-                </a:solidFill>
-                <a:ea typeface="ＭＳ Ｐゴシック" charset="-128"/>
-                <a:cs typeface="ＭＳ Ｐゴシック" charset="-128"/>
-              </a:rPr>
-              <a:t>Companies:</a:t>
-            </a:r>
-          </a:p>
-          <a:p>
-            <a:pPr>
-              <a:buFont typeface="Arial" charset="0"/>
-              <a:buChar char="•"/>
-              <a:defRPr/>
-            </a:pPr>
-            <a:r>
-              <a:rPr lang="en-US" sz="2000" dirty="0">
-                <a:ea typeface="ＭＳ Ｐゴシック" charset="-128"/>
-                <a:cs typeface="ＭＳ Ｐゴシック" charset="-128"/>
-              </a:rPr>
-              <a:t> Kellogg’s</a:t>
-            </a:r>
-          </a:p>
-          <a:p>
-            <a:pPr>
-              <a:buFont typeface="Arial" charset="0"/>
-              <a:buChar char="•"/>
-              <a:defRPr/>
-            </a:pPr>
-            <a:r>
-              <a:rPr lang="en-US" sz="2000" dirty="0">
-                <a:ea typeface="ＭＳ Ｐゴシック" charset="-128"/>
-                <a:cs typeface="ＭＳ Ｐゴシック" charset="-128"/>
-              </a:rPr>
-              <a:t> NBC/Universal</a:t>
-            </a:r>
-          </a:p>
-          <a:p>
-            <a:pPr>
-              <a:buFont typeface="Arial" charset="0"/>
-              <a:buChar char="•"/>
-              <a:defRPr/>
-            </a:pPr>
-            <a:r>
-              <a:rPr lang="en-US" sz="2000" dirty="0">
-                <a:ea typeface="ＭＳ Ｐゴシック" charset="-128"/>
-                <a:cs typeface="ＭＳ Ｐゴシック" charset="-128"/>
-              </a:rPr>
-              <a:t> eBay and PayPal</a:t>
-            </a:r>
-          </a:p>
-          <a:p>
-            <a:pPr>
-              <a:buFont typeface="Arial" charset="0"/>
-              <a:buChar char="•"/>
-              <a:defRPr/>
-            </a:pPr>
-            <a:r>
-              <a:rPr lang="en-US" sz="2000" dirty="0">
-                <a:ea typeface="ＭＳ Ｐゴシック" charset="-128"/>
-                <a:cs typeface="ＭＳ Ｐゴシック" charset="-128"/>
-              </a:rPr>
-              <a:t> Anheuser Busch</a:t>
-            </a:r>
-          </a:p>
-          <a:p>
-            <a:pPr>
-              <a:buFont typeface="Arial" charset="0"/>
-              <a:buChar char="•"/>
-              <a:defRPr/>
-            </a:pPr>
-            <a:r>
-              <a:rPr lang="en-US" sz="2000" dirty="0">
-                <a:ea typeface="ＭＳ Ｐゴシック" charset="-128"/>
-                <a:cs typeface="ＭＳ Ｐゴシック" charset="-128"/>
-              </a:rPr>
-              <a:t> Jaguar</a:t>
-            </a:r>
-          </a:p>
-          <a:p>
-            <a:pPr>
-              <a:buFont typeface="Arial" charset="0"/>
-              <a:buChar char="•"/>
-              <a:defRPr/>
-            </a:pPr>
-            <a:r>
-              <a:rPr lang="en-US" sz="2000" dirty="0">
-                <a:ea typeface="ＭＳ Ｐゴシック" charset="-128"/>
-                <a:cs typeface="ＭＳ Ｐゴシック" charset="-128"/>
-              </a:rPr>
-              <a:t> … and many more</a:t>
-            </a:r>
-          </a:p>
-          <a:p>
-            <a:endParaRPr lang="en-US" dirty="0"/>
-          </a:p>
-        </p:txBody>
-      </p:sp>
-      <p:grpSp>
-        <p:nvGrpSpPr>
-          <p:cNvPr id="7" name="Group 6"/>
-          <p:cNvGrpSpPr/>
-          <p:nvPr/>
-        </p:nvGrpSpPr>
-        <p:grpSpPr>
-          <a:xfrm>
-            <a:off x="4358268" y="1510636"/>
-            <a:ext cx="4137308" cy="4625472"/>
-            <a:chOff x="4407486" y="967372"/>
-            <a:chExt cx="4614862" cy="5159375"/>
-          </a:xfrm>
-        </p:grpSpPr>
-        <p:pic>
-          <p:nvPicPr>
-            <p:cNvPr id="4" name="Picture 3"/>
-            <p:cNvPicPr>
-              <a:picLocks noChangeAspect="1"/>
-            </p:cNvPicPr>
-            <p:nvPr/>
-          </p:nvPicPr>
-          <p:blipFill rotWithShape="1">
-            <a:blip r:embed="rId3"/>
-            <a:srcRect r="45985" b="13721"/>
-            <a:stretch/>
-          </p:blipFill>
-          <p:spPr>
-            <a:xfrm>
-              <a:off x="5093286" y="3770897"/>
-              <a:ext cx="1935162" cy="2355850"/>
-            </a:xfrm>
-            <a:prstGeom prst="rect">
-              <a:avLst/>
-            </a:prstGeom>
-            <a:ln>
-              <a:noFill/>
-            </a:ln>
-            <a:effectLst>
-              <a:outerShdw blurRad="292100" dist="139700" dir="2700000" algn="tl" rotWithShape="0">
-                <a:srgbClr val="333333">
-                  <a:alpha val="65000"/>
-                </a:srgbClr>
-              </a:outerShdw>
-            </a:effectLst>
-          </p:spPr>
-        </p:pic>
-        <p:pic>
-          <p:nvPicPr>
-            <p:cNvPr id="5" name="Picture 2"/>
-            <p:cNvPicPr>
-              <a:picLocks noChangeAspect="1"/>
-            </p:cNvPicPr>
-            <p:nvPr/>
-          </p:nvPicPr>
-          <p:blipFill>
-            <a:blip r:embed="rId4">
-              <a:extLst>
-                <a:ext uri="{28A0092B-C50C-407E-A947-70E740481C1C}">
-                  <a14:useLocalDpi xmlns:a14="http://schemas.microsoft.com/office/drawing/2010/main" val="0"/>
-                </a:ext>
-              </a:extLst>
-            </a:blip>
-            <a:srcRect/>
-            <a:stretch>
-              <a:fillRect/>
-            </a:stretch>
-          </p:blipFill>
-          <p:spPr bwMode="auto">
-            <a:xfrm>
-              <a:off x="4407486" y="967372"/>
-              <a:ext cx="4614862" cy="3086100"/>
-            </a:xfrm>
-            <a:prstGeom prst="rect">
-              <a:avLst/>
-            </a:prstGeom>
-            <a:noFill/>
-            <a:ln>
-              <a:noFill/>
-            </a:ln>
-            <a:extLst>
-              <a:ext uri="{909E8E84-426E-40dd-AFC4-6F175D3DCCD1}">
-                <a14:hiddenFill xmlns:a14="http://schemas.microsoft.com/office/drawing/2010/main">
-                  <a:solidFill>
-                    <a:srgbClr val="FFFFFF"/>
-                  </a:solidFill>
-                </a14:hiddenFill>
-              </a:ext>
-              <a:ext uri="{91240B29-F687-4f45-9708-019B960494DF}">
-                <a14:hiddenLine xmlns:a14="http://schemas.microsoft.com/office/drawing/2010/main" w="9525">
-                  <a:solidFill>
-                    <a:srgbClr val="000000"/>
-                  </a:solidFill>
-                  <a:miter lim="800000"/>
-                  <a:headEnd/>
-                  <a:tailEnd/>
-                </a14:hiddenLine>
-              </a:ext>
-            </a:extLst>
-          </p:spPr>
-        </p:pic>
-        <p:pic>
-          <p:nvPicPr>
-            <p:cNvPr id="6" name="Picture 5"/>
-            <p:cNvPicPr>
-              <a:picLocks noChangeAspect="1"/>
-            </p:cNvPicPr>
-            <p:nvPr/>
-          </p:nvPicPr>
-          <p:blipFill>
-            <a:blip r:embed="rId5"/>
-            <a:stretch>
-              <a:fillRect/>
-            </a:stretch>
-          </p:blipFill>
-          <p:spPr>
-            <a:xfrm>
-              <a:off x="7028448" y="3656597"/>
-              <a:ext cx="1502833" cy="2254250"/>
-            </a:xfrm>
-            <a:prstGeom prst="roundRect">
-              <a:avLst>
-                <a:gd name="adj" fmla="val 8594"/>
-              </a:avLst>
-            </a:prstGeom>
-            <a:solidFill>
-              <a:srgbClr val="FFFFFF">
-                <a:shade val="85000"/>
-              </a:srgbClr>
-            </a:solidFill>
-            <a:ln>
-              <a:noFill/>
-            </a:ln>
-            <a:effectLst>
-              <a:reflection blurRad="12700" stA="38000" endPos="28000" dist="5000" dir="5400000" sy="-100000" algn="bl" rotWithShape="0"/>
-            </a:effectLst>
-          </p:spPr>
-        </p:pic>
-      </p:grpSp>
-    </p:spTree>
-    <p:extLst>
-      <p:ext uri="{BB962C8B-B14F-4D97-AF65-F5344CB8AC3E}">
-        <p14:creationId xmlns:p14="http://schemas.microsoft.com/office/powerpoint/2010/main" val="733568148"/>
-      </p:ext>
-    </p:extLst>
-  </p:cSld>
-  <p:clrMapOvr>
-    <a:masterClrMapping/>
-  </p:clrMapOvr>
-</p:sld>
-</file>
-
-<file path=ppt/slides/slide13.xml><?xml version="1.0" encoding="utf-8"?>
-<p:sld xmlns:a="http://schemas.openxmlformats.org/drawingml/2006/main" xmlns:r="http://schemas.openxmlformats.org/officeDocument/2006/relationships" xmlns:p="http://schemas.openxmlformats.org/presentationml/2006/main">
-  <p:cSld>
-    <p:spTree>
-      <p:nvGrpSpPr>
-        <p:cNvPr id="1" name=""/>
-        <p:cNvGrpSpPr/>
-        <p:nvPr/>
-      </p:nvGrpSpPr>
-      <p:grpSpPr>
-        <a:xfrm>
-          <a:off x="0" y="0"/>
-          <a:ext cx="0" cy="0"/>
-          <a:chOff x="0" y="0"/>
-          <a:chExt cx="0" cy="0"/>
-        </a:xfrm>
-      </p:grpSpPr>
-      <p:sp>
-        <p:nvSpPr>
-          <p:cNvPr id="2" name="Title 1"/>
-          <p:cNvSpPr>
-            <a:spLocks noGrp="1"/>
-          </p:cNvSpPr>
-          <p:nvPr>
-            <p:ph type="title"/>
-          </p:nvPr>
-        </p:nvSpPr>
-        <p:spPr/>
-        <p:txBody>
-          <a:bodyPr/>
-          <a:lstStyle/>
-          <a:p>
-            <a:r>
-              <a:rPr lang="en-US" dirty="0" smtClean="0"/>
-              <a:t>Let’s talk money</a:t>
-            </a:r>
-            <a:endParaRPr lang="en-US" dirty="0"/>
-          </a:p>
-        </p:txBody>
-      </p:sp>
-      <p:sp>
-        <p:nvSpPr>
-          <p:cNvPr id="3" name="Content Placeholder 2"/>
-          <p:cNvSpPr>
-            <a:spLocks noGrp="1"/>
-          </p:cNvSpPr>
-          <p:nvPr>
-            <p:ph idx="1"/>
-          </p:nvPr>
-        </p:nvSpPr>
-        <p:spPr/>
-        <p:txBody>
-          <a:bodyPr/>
-          <a:lstStyle/>
-          <a:p>
-            <a:r>
-              <a:rPr lang="en-US" dirty="0" smtClean="0"/>
-              <a:t>Free to download, use, and publish your apps</a:t>
-            </a:r>
-          </a:p>
-          <a:p>
-            <a:endParaRPr lang="en-US" dirty="0"/>
-          </a:p>
-          <a:p>
-            <a:r>
-              <a:rPr lang="en-US" dirty="0" smtClean="0"/>
-              <a:t>Subscription plans</a:t>
-            </a:r>
-          </a:p>
-          <a:p>
-            <a:pPr lvl="1"/>
-            <a:r>
-              <a:rPr lang="en-US" dirty="0" smtClean="0"/>
-              <a:t>Indie, Professional, &amp; Enterprise</a:t>
-            </a:r>
-          </a:p>
-          <a:p>
-            <a:endParaRPr lang="en-US" dirty="0"/>
-          </a:p>
-          <a:p>
-            <a:r>
-              <a:rPr lang="en-US" dirty="0" smtClean="0"/>
-              <a:t>Modules Marketplace</a:t>
-            </a:r>
-          </a:p>
-          <a:p>
-            <a:endParaRPr lang="en-US" dirty="0" smtClean="0"/>
-          </a:p>
-          <a:p>
-            <a:endParaRPr lang="en-US" dirty="0"/>
-          </a:p>
-          <a:p>
-            <a:pPr algn="ctr"/>
-            <a:r>
-              <a:rPr lang="en-US" sz="2000" dirty="0">
-                <a:solidFill>
-                  <a:srgbClr val="0000FF"/>
-                </a:solidFill>
-              </a:rPr>
-              <a:t>http://</a:t>
-            </a:r>
-            <a:r>
-              <a:rPr lang="en-US" sz="2000" dirty="0" err="1">
-                <a:solidFill>
-                  <a:srgbClr val="0000FF"/>
-                </a:solidFill>
-              </a:rPr>
-              <a:t>www.appcelerator.com</a:t>
-            </a:r>
-            <a:r>
-              <a:rPr lang="en-US" sz="2000" dirty="0">
-                <a:solidFill>
-                  <a:srgbClr val="0000FF"/>
-                </a:solidFill>
-              </a:rPr>
-              <a:t>/products/plans-pricing/</a:t>
-            </a:r>
-          </a:p>
-        </p:txBody>
-      </p:sp>
-    </p:spTree>
-    <p:extLst>
-      <p:ext uri="{BB962C8B-B14F-4D97-AF65-F5344CB8AC3E}">
-        <p14:creationId xmlns:p14="http://schemas.microsoft.com/office/powerpoint/2010/main" val="3542491362"/>
-      </p:ext>
-    </p:extLst>
-  </p:cSld>
-  <p:clrMapOvr>
-    <a:masterClrMapping/>
-  </p:clrMapOvr>
-</p:sld>
-</file>
-
-<file path=ppt/slides/slide14.xml><?xml version="1.0" encoding="utf-8"?>
-<p:sld xmlns:a="http://schemas.openxmlformats.org/drawingml/2006/main" xmlns:r="http://schemas.openxmlformats.org/officeDocument/2006/relationships" xmlns:p="http://schemas.openxmlformats.org/presentationml/2006/main">
-  <p:cSld>
-    <p:spTree>
-      <p:nvGrpSpPr>
-        <p:cNvPr id="1" name=""/>
-        <p:cNvGrpSpPr/>
-        <p:nvPr/>
-      </p:nvGrpSpPr>
-      <p:grpSpPr>
-        <a:xfrm>
-          <a:off x="0" y="0"/>
-          <a:ext cx="0" cy="0"/>
-          <a:chOff x="0" y="0"/>
-          <a:chExt cx="0" cy="0"/>
-        </a:xfrm>
-      </p:grpSpPr>
-      <p:sp>
-        <p:nvSpPr>
-          <p:cNvPr id="2" name="Title 1"/>
-          <p:cNvSpPr>
-            <a:spLocks noGrp="1"/>
-          </p:cNvSpPr>
-          <p:nvPr>
-            <p:ph type="title"/>
-          </p:nvPr>
-        </p:nvSpPr>
-        <p:spPr/>
-        <p:txBody>
-          <a:bodyPr/>
-          <a:lstStyle/>
-          <a:p>
-            <a:r>
-              <a:rPr lang="en-US" dirty="0" smtClean="0"/>
-              <a:t>Titanium is not …</a:t>
-            </a:r>
-            <a:endParaRPr lang="en-US" dirty="0"/>
-          </a:p>
-        </p:txBody>
-      </p:sp>
-      <p:sp>
-        <p:nvSpPr>
-          <p:cNvPr id="3" name="Content Placeholder 2"/>
-          <p:cNvSpPr>
-            <a:spLocks noGrp="1"/>
-          </p:cNvSpPr>
-          <p:nvPr>
-            <p:ph idx="1"/>
-          </p:nvPr>
-        </p:nvSpPr>
-        <p:spPr/>
-        <p:txBody>
-          <a:bodyPr/>
-          <a:lstStyle/>
-          <a:p>
-            <a:r>
-              <a:rPr lang="en-US" dirty="0" smtClean="0"/>
-              <a:t>Just a wrapper around HTML5 content</a:t>
-            </a:r>
-          </a:p>
-          <a:p>
-            <a:pPr lvl="1"/>
-            <a:r>
-              <a:rPr lang="en-US" dirty="0" smtClean="0"/>
-              <a:t>(though you can certainly do that if you want)</a:t>
-            </a:r>
-          </a:p>
-          <a:p>
-            <a:endParaRPr lang="en-US" dirty="0"/>
-          </a:p>
-          <a:p>
-            <a:r>
-              <a:rPr lang="en-US" dirty="0" smtClean="0"/>
-              <a:t>A cross compiler</a:t>
-            </a:r>
-          </a:p>
-          <a:p>
-            <a:pPr lvl="1"/>
-            <a:r>
-              <a:rPr lang="en-US" dirty="0" smtClean="0"/>
-              <a:t>(it doesn’t create </a:t>
-            </a:r>
-            <a:r>
-              <a:rPr lang="en-US" dirty="0" err="1" smtClean="0"/>
-              <a:t>Obj</a:t>
-            </a:r>
-            <a:r>
-              <a:rPr lang="en-US" dirty="0" smtClean="0"/>
-              <a:t>-C / Java code for you)</a:t>
-            </a:r>
-          </a:p>
-          <a:p>
-            <a:endParaRPr lang="en-US" dirty="0" smtClean="0"/>
-          </a:p>
-          <a:p>
-            <a:r>
-              <a:rPr lang="en-US" dirty="0" smtClean="0"/>
-              <a:t>Going to do the programming for you</a:t>
-            </a:r>
-          </a:p>
-          <a:p>
-            <a:pPr lvl="1"/>
-            <a:r>
-              <a:rPr lang="en-US" dirty="0" smtClean="0"/>
-              <a:t>(moderate JavaScript and fundamental programming skills </a:t>
-            </a:r>
-            <a:br>
-              <a:rPr lang="en-US" dirty="0" smtClean="0"/>
-            </a:br>
-            <a:r>
-              <a:rPr lang="en-US" dirty="0" smtClean="0"/>
-              <a:t>are required)</a:t>
-            </a:r>
-            <a:endParaRPr lang="en-US" dirty="0"/>
-          </a:p>
-        </p:txBody>
-      </p:sp>
-    </p:spTree>
-    <p:extLst>
-      <p:ext uri="{BB962C8B-B14F-4D97-AF65-F5344CB8AC3E}">
-        <p14:creationId xmlns:p14="http://schemas.microsoft.com/office/powerpoint/2010/main" val="2588907633"/>
-      </p:ext>
-    </p:extLst>
-  </p:cSld>
-  <p:clrMapOvr>
-    <a:masterClrMapping/>
-  </p:clrMapOvr>
-</p:sld>
-</file>
-
-<file path=ppt/slides/slide15.xml><?xml version="1.0" encoding="utf-8"?>
-<p:sld xmlns:a="http://schemas.openxmlformats.org/drawingml/2006/main" xmlns:r="http://schemas.openxmlformats.org/officeDocument/2006/relationships" xmlns:p="http://schemas.openxmlformats.org/presentationml/2006/main">
-  <p:cSld>
-    <p:spTree>
-      <p:nvGrpSpPr>
-        <p:cNvPr id="1" name=""/>
-        <p:cNvGrpSpPr/>
-        <p:nvPr/>
-      </p:nvGrpSpPr>
-      <p:grpSpPr>
-        <a:xfrm>
-          <a:off x="0" y="0"/>
-          <a:ext cx="0" cy="0"/>
-          <a:chOff x="0" y="0"/>
-          <a:chExt cx="0" cy="0"/>
-        </a:xfrm>
-      </p:grpSpPr>
-      <p:sp>
-        <p:nvSpPr>
-          <p:cNvPr id="2" name="Title 1"/>
-          <p:cNvSpPr>
-            <a:spLocks noGrp="1"/>
-          </p:cNvSpPr>
-          <p:nvPr>
-            <p:ph type="title"/>
-          </p:nvPr>
-        </p:nvSpPr>
-        <p:spPr/>
-        <p:txBody>
-          <a:bodyPr/>
-          <a:lstStyle/>
-          <a:p>
-            <a:r>
-              <a:rPr lang="en-US" dirty="0" smtClean="0"/>
-              <a:t>Resources</a:t>
-            </a:r>
-            <a:endParaRPr lang="en-US" dirty="0"/>
-          </a:p>
-        </p:txBody>
-      </p:sp>
-      <p:sp>
-        <p:nvSpPr>
-          <p:cNvPr id="3" name="Content Placeholder 2"/>
-          <p:cNvSpPr>
-            <a:spLocks noGrp="1"/>
-          </p:cNvSpPr>
-          <p:nvPr>
-            <p:ph idx="1"/>
-          </p:nvPr>
-        </p:nvSpPr>
-        <p:spPr/>
-        <p:txBody>
-          <a:bodyPr/>
-          <a:lstStyle/>
-          <a:p>
-            <a:r>
-              <a:rPr lang="en-US" dirty="0" err="1" smtClean="0"/>
-              <a:t>wiki.appcelerator.org</a:t>
-            </a:r>
-            <a:endParaRPr lang="en-US" dirty="0" smtClean="0"/>
-          </a:p>
-          <a:p>
-            <a:endParaRPr lang="en-US" dirty="0"/>
-          </a:p>
-          <a:p>
-            <a:r>
-              <a:rPr lang="en-US" dirty="0" err="1" smtClean="0"/>
-              <a:t>developer.appcelerator.com</a:t>
-            </a:r>
-            <a:endParaRPr lang="en-US" dirty="0" smtClean="0"/>
-          </a:p>
-          <a:p>
-            <a:endParaRPr lang="en-US" dirty="0"/>
-          </a:p>
-          <a:p>
-            <a:r>
-              <a:rPr lang="en-US" dirty="0" smtClean="0"/>
-              <a:t>#</a:t>
-            </a:r>
-            <a:r>
-              <a:rPr lang="en-US" dirty="0" err="1" smtClean="0"/>
-              <a:t>titanium_app</a:t>
-            </a:r>
-            <a:r>
-              <a:rPr lang="en-US" dirty="0" smtClean="0"/>
-              <a:t> (</a:t>
-            </a:r>
-            <a:r>
-              <a:rPr lang="en-US" dirty="0" err="1" smtClean="0"/>
-              <a:t>irc.freenode.net</a:t>
-            </a:r>
-            <a:r>
-              <a:rPr lang="en-US" dirty="0" smtClean="0"/>
-              <a:t>)</a:t>
-            </a:r>
-          </a:p>
-          <a:p>
-            <a:endParaRPr lang="en-US" dirty="0"/>
-          </a:p>
-          <a:p>
-            <a:r>
-              <a:rPr lang="en-US" dirty="0" err="1" smtClean="0"/>
-              <a:t>meetup.com</a:t>
-            </a:r>
-            <a:r>
-              <a:rPr lang="en-US" dirty="0" smtClean="0"/>
-              <a:t>/</a:t>
-            </a:r>
-            <a:r>
-              <a:rPr lang="en-US" dirty="0" err="1" smtClean="0"/>
-              <a:t>TiRochester</a:t>
-            </a:r>
-            <a:endParaRPr lang="en-US" dirty="0"/>
-          </a:p>
-        </p:txBody>
-      </p:sp>
-    </p:spTree>
-    <p:extLst>
-      <p:ext uri="{BB962C8B-B14F-4D97-AF65-F5344CB8AC3E}">
-        <p14:creationId xmlns:p14="http://schemas.microsoft.com/office/powerpoint/2010/main" val="1012576307"/>
-      </p:ext>
-    </p:extLst>
-  </p:cSld>
-  <p:clrMapOvr>
-    <a:masterClrMapping/>
-  </p:clrMapOvr>
-</p:sld>
-</file>
-
-<file path=ppt/slides/slide16.xml><?xml version="1.0" encoding="utf-8"?>
-<p:sld xmlns:a="http://schemas.openxmlformats.org/drawingml/2006/main" xmlns:r="http://schemas.openxmlformats.org/officeDocument/2006/relationships" xmlns:p="http://schemas.openxmlformats.org/presentationml/2006/main">
-  <p:cSld>
-    <p:spTree>
-      <p:nvGrpSpPr>
-        <p:cNvPr id="1" name=""/>
-        <p:cNvGrpSpPr/>
-        <p:nvPr/>
-      </p:nvGrpSpPr>
-      <p:grpSpPr>
-        <a:xfrm>
-          <a:off x="0" y="0"/>
-          <a:ext cx="0" cy="0"/>
-          <a:chOff x="0" y="0"/>
-          <a:chExt cx="0" cy="0"/>
-        </a:xfrm>
-      </p:grpSpPr>
-      <p:sp>
-        <p:nvSpPr>
-          <p:cNvPr id="2" name="Title 1"/>
-          <p:cNvSpPr>
-            <a:spLocks noGrp="1"/>
-          </p:cNvSpPr>
-          <p:nvPr>
-            <p:ph type="title"/>
-          </p:nvPr>
-        </p:nvSpPr>
-        <p:spPr/>
-        <p:txBody>
-          <a:bodyPr/>
-          <a:lstStyle/>
-          <a:p>
-            <a:r>
-              <a:rPr lang="en-US" dirty="0" smtClean="0"/>
-              <a:t>Questions?</a:t>
-            </a:r>
-            <a:endParaRPr lang="en-US" dirty="0"/>
-          </a:p>
-        </p:txBody>
-      </p:sp>
-      <p:sp>
-        <p:nvSpPr>
-          <p:cNvPr id="3" name="Content Placeholder 2"/>
-          <p:cNvSpPr>
-            <a:spLocks noGrp="1"/>
-          </p:cNvSpPr>
-          <p:nvPr>
-            <p:ph idx="1"/>
-          </p:nvPr>
-        </p:nvSpPr>
-        <p:spPr>
-          <a:xfrm>
-            <a:off x="457200" y="1613560"/>
-            <a:ext cx="8229600" cy="2223177"/>
-          </a:xfrm>
-        </p:spPr>
-        <p:txBody>
-          <a:bodyPr/>
-          <a:lstStyle/>
-          <a:p>
-            <a:pPr algn="ctr"/>
-            <a:r>
-              <a:rPr lang="en-US" sz="11500" b="1" i="1" dirty="0" smtClean="0">
-                <a:latin typeface="Baskerville"/>
-                <a:cs typeface="Baskerville"/>
-              </a:rPr>
-              <a:t>Q&amp;A</a:t>
-            </a:r>
-            <a:endParaRPr lang="en-US" sz="11500" b="1" i="1" dirty="0">
-              <a:latin typeface="Baskerville"/>
-              <a:cs typeface="Baskerville"/>
-            </a:endParaRPr>
-          </a:p>
-        </p:txBody>
-      </p:sp>
-      <p:sp>
-        <p:nvSpPr>
-          <p:cNvPr id="4" name="Content Placeholder 2"/>
-          <p:cNvSpPr txBox="1">
-            <a:spLocks/>
-          </p:cNvSpPr>
-          <p:nvPr/>
-        </p:nvSpPr>
-        <p:spPr bwMode="auto">
-          <a:xfrm>
-            <a:off x="467895" y="4571691"/>
-            <a:ext cx="8208210" cy="1584325"/>
-          </a:xfrm>
-          <a:prstGeom prst="rect">
-            <a:avLst/>
-          </a:prstGeom>
-          <a:noFill/>
-          <a:ln>
-            <a:noFill/>
-          </a:ln>
-          <a:extLst>
-            <a:ext uri="{909E8E84-426E-40dd-AFC4-6F175D3DCCD1}">
-              <a14:hiddenFill xmlns:a14="http://schemas.microsoft.com/office/drawing/2010/main">
-                <a:solidFill>
-                  <a:srgbClr val="FFFFFF"/>
-                </a:solidFill>
-              </a14:hiddenFill>
-            </a:ext>
-            <a:ext uri="{91240B29-F687-4f45-9708-019B960494DF}">
-              <a14:hiddenLine xmlns:a14="http://schemas.microsoft.com/office/drawing/2010/main" w="9525">
-                <a:solidFill>
-                  <a:srgbClr val="000000"/>
-                </a:solidFill>
-                <a:miter lim="800000"/>
-                <a:headEnd/>
-                <a:tailEnd/>
-              </a14:hiddenLine>
-            </a:ext>
-          </a:extLst>
-        </p:spPr>
-        <p:txBody>
-          <a:bodyPr/>
-          <a:lstStyle>
-            <a:lvl1pPr eaLnBrk="0" hangingPunct="0">
-              <a:defRPr sz="2400">
-                <a:solidFill>
-                  <a:schemeClr val="tx1"/>
-                </a:solidFill>
-                <a:latin typeface="Trebuchet MS" charset="0"/>
-                <a:ea typeface="ＭＳ Ｐゴシック" charset="0"/>
-                <a:cs typeface="ＭＳ Ｐゴシック" charset="0"/>
-              </a:defRPr>
-            </a:lvl1pPr>
-            <a:lvl2pPr marL="742950" indent="-285750" eaLnBrk="0" hangingPunct="0">
-              <a:defRPr sz="2400">
-                <a:solidFill>
-                  <a:schemeClr val="tx1"/>
-                </a:solidFill>
-                <a:latin typeface="Trebuchet MS" charset="0"/>
-                <a:ea typeface="ＭＳ Ｐゴシック" charset="0"/>
-              </a:defRPr>
-            </a:lvl2pPr>
-            <a:lvl3pPr marL="1143000" indent="-228600" eaLnBrk="0" hangingPunct="0">
-              <a:defRPr sz="2400">
-                <a:solidFill>
-                  <a:schemeClr val="tx1"/>
-                </a:solidFill>
-                <a:latin typeface="Trebuchet MS" charset="0"/>
-                <a:ea typeface="ＭＳ Ｐゴシック" charset="0"/>
-              </a:defRPr>
-            </a:lvl3pPr>
-            <a:lvl4pPr marL="1600200" indent="-228600" eaLnBrk="0" hangingPunct="0">
-              <a:defRPr sz="2400">
-                <a:solidFill>
-                  <a:schemeClr val="tx1"/>
-                </a:solidFill>
-                <a:latin typeface="Trebuchet MS" charset="0"/>
-                <a:ea typeface="ＭＳ Ｐゴシック" charset="0"/>
-              </a:defRPr>
-            </a:lvl4pPr>
-            <a:lvl5pPr marL="2057400" indent="-228600" eaLnBrk="0" hangingPunct="0">
-              <a:defRPr sz="2400">
-                <a:solidFill>
-                  <a:schemeClr val="tx1"/>
-                </a:solidFill>
-                <a:latin typeface="Trebuchet MS" charset="0"/>
-                <a:ea typeface="ＭＳ Ｐゴシック" charset="0"/>
-              </a:defRPr>
-            </a:lvl5pPr>
-            <a:lvl6pPr marL="2514600" indent="-228600" eaLnBrk="0" fontAlgn="base" hangingPunct="0">
-              <a:spcBef>
-                <a:spcPct val="0"/>
-              </a:spcBef>
-              <a:spcAft>
-                <a:spcPct val="0"/>
-              </a:spcAft>
-              <a:defRPr sz="2400">
-                <a:solidFill>
-                  <a:schemeClr val="tx1"/>
-                </a:solidFill>
-                <a:latin typeface="Trebuchet MS" charset="0"/>
-                <a:ea typeface="ＭＳ Ｐゴシック" charset="0"/>
-              </a:defRPr>
-            </a:lvl6pPr>
-            <a:lvl7pPr marL="2971800" indent="-228600" eaLnBrk="0" fontAlgn="base" hangingPunct="0">
-              <a:spcBef>
-                <a:spcPct val="0"/>
-              </a:spcBef>
-              <a:spcAft>
-                <a:spcPct val="0"/>
-              </a:spcAft>
-              <a:defRPr sz="2400">
-                <a:solidFill>
-                  <a:schemeClr val="tx1"/>
-                </a:solidFill>
-                <a:latin typeface="Trebuchet MS" charset="0"/>
-                <a:ea typeface="ＭＳ Ｐゴシック" charset="0"/>
-              </a:defRPr>
-            </a:lvl7pPr>
-            <a:lvl8pPr marL="3429000" indent="-228600" eaLnBrk="0" fontAlgn="base" hangingPunct="0">
-              <a:spcBef>
-                <a:spcPct val="0"/>
-              </a:spcBef>
-              <a:spcAft>
-                <a:spcPct val="0"/>
-              </a:spcAft>
-              <a:defRPr sz="2400">
-                <a:solidFill>
-                  <a:schemeClr val="tx1"/>
-                </a:solidFill>
-                <a:latin typeface="Trebuchet MS" charset="0"/>
-                <a:ea typeface="ＭＳ Ｐゴシック" charset="0"/>
-              </a:defRPr>
-            </a:lvl8pPr>
-            <a:lvl9pPr marL="3886200" indent="-228600" eaLnBrk="0" fontAlgn="base" hangingPunct="0">
-              <a:spcBef>
-                <a:spcPct val="0"/>
-              </a:spcBef>
-              <a:spcAft>
-                <a:spcPct val="0"/>
-              </a:spcAft>
-              <a:defRPr sz="2400">
-                <a:solidFill>
-                  <a:schemeClr val="tx1"/>
-                </a:solidFill>
-                <a:latin typeface="Trebuchet MS" charset="0"/>
-                <a:ea typeface="ＭＳ Ｐゴシック" charset="0"/>
-              </a:defRPr>
-            </a:lvl9pPr>
-          </a:lstStyle>
-          <a:p>
-            <a:pPr algn="ctr">
-              <a:lnSpc>
-                <a:spcPct val="80000"/>
-              </a:lnSpc>
-              <a:spcBef>
-                <a:spcPct val="20000"/>
-              </a:spcBef>
-              <a:buFont typeface="Arial" charset="0"/>
-              <a:buNone/>
-            </a:pPr>
-            <a:r>
-              <a:rPr lang="en-US" sz="2800" b="1" dirty="0" smtClean="0">
-                <a:solidFill>
-                  <a:schemeClr val="accent6"/>
-                </a:solidFill>
-                <a:ea typeface="ヒラギノ角ゴ Pro W3" charset="0"/>
-                <a:cs typeface="ヒラギノ角ゴ Pro W3" charset="0"/>
-              </a:rPr>
-              <a:t>Tim Poulsen </a:t>
-            </a:r>
-            <a:endParaRPr lang="en-US" sz="2800" b="1" dirty="0">
-              <a:solidFill>
-                <a:schemeClr val="accent6"/>
-              </a:solidFill>
-              <a:ea typeface="ヒラギノ角ゴ Pro W3" charset="0"/>
-              <a:cs typeface="ヒラギノ角ゴ Pro W3" charset="0"/>
-            </a:endParaRPr>
-          </a:p>
-          <a:p>
-            <a:pPr algn="ctr">
-              <a:lnSpc>
-                <a:spcPct val="80000"/>
-              </a:lnSpc>
-              <a:spcBef>
-                <a:spcPct val="20000"/>
-              </a:spcBef>
-              <a:buFont typeface="Arial" charset="0"/>
-              <a:buNone/>
-            </a:pPr>
-            <a:r>
-              <a:rPr lang="en-US" sz="1800" dirty="0" smtClean="0">
-                <a:solidFill>
-                  <a:schemeClr val="accent6"/>
-                </a:solidFill>
-                <a:ea typeface="ヒラギノ角ゴ Pro W3" charset="0"/>
-                <a:cs typeface="ヒラギノ角ゴ Pro W3" charset="0"/>
-              </a:rPr>
-              <a:t>Trainer &amp; Curriculum Developer, Appcelerator</a:t>
-            </a:r>
-            <a:r>
-              <a:rPr lang="en-US" sz="1800" dirty="0">
-                <a:solidFill>
-                  <a:schemeClr val="accent6"/>
-                </a:solidFill>
-                <a:ea typeface="ヒラギノ角ゴ Pro W3" charset="0"/>
-                <a:cs typeface="ヒラギノ角ゴ Pro W3" charset="0"/>
-              </a:rPr>
-              <a:t>, Inc</a:t>
-            </a:r>
-            <a:r>
-              <a:rPr lang="en-US" sz="1800" dirty="0" smtClean="0">
-                <a:solidFill>
-                  <a:schemeClr val="accent6"/>
-                </a:solidFill>
-                <a:ea typeface="ヒラギノ角ゴ Pro W3" charset="0"/>
-                <a:cs typeface="ヒラギノ角ゴ Pro W3" charset="0"/>
-              </a:rPr>
-              <a:t>.</a:t>
-            </a:r>
-          </a:p>
-          <a:p>
-            <a:pPr algn="ctr">
-              <a:lnSpc>
-                <a:spcPct val="80000"/>
-              </a:lnSpc>
-              <a:spcBef>
-                <a:spcPct val="20000"/>
-              </a:spcBef>
-              <a:buFont typeface="Arial" charset="0"/>
-              <a:buNone/>
-            </a:pPr>
-            <a:r>
-              <a:rPr lang="en-US" sz="1800" dirty="0" smtClean="0">
-                <a:solidFill>
-                  <a:srgbClr val="800002"/>
-                </a:solidFill>
-                <a:ea typeface="ヒラギノ角ゴ Pro W3" charset="0"/>
-                <a:cs typeface="ヒラギノ角ゴ Pro W3" charset="0"/>
-              </a:rPr>
-              <a:t>tpoulsen@appcelerator.com</a:t>
-            </a:r>
-          </a:p>
-          <a:p>
-            <a:pPr algn="ctr">
-              <a:lnSpc>
-                <a:spcPct val="80000"/>
-              </a:lnSpc>
-              <a:spcBef>
-                <a:spcPct val="20000"/>
-              </a:spcBef>
-              <a:buFont typeface="Arial" charset="0"/>
-              <a:buNone/>
-            </a:pPr>
-            <a:r>
-              <a:rPr lang="en-US" sz="1800" dirty="0" smtClean="0">
-                <a:solidFill>
-                  <a:srgbClr val="800002"/>
-                </a:solidFill>
-                <a:ea typeface="ヒラギノ角ゴ Pro W3" charset="0"/>
-                <a:cs typeface="ヒラギノ角ゴ Pro W3" charset="0"/>
-              </a:rPr>
-              <a:t>@</a:t>
-            </a:r>
-            <a:r>
-              <a:rPr lang="en-US" sz="1800" dirty="0" err="1" smtClean="0">
-                <a:solidFill>
-                  <a:srgbClr val="800002"/>
-                </a:solidFill>
-                <a:ea typeface="ヒラギノ角ゴ Pro W3" charset="0"/>
-                <a:cs typeface="ヒラギノ角ゴ Pro W3" charset="0"/>
-              </a:rPr>
-              <a:t>skypanther</a:t>
-            </a:r>
-            <a:endParaRPr lang="en-US" sz="1800" dirty="0">
-              <a:solidFill>
-                <a:srgbClr val="800002"/>
-              </a:solidFill>
-              <a:ea typeface="ヒラギノ角ゴ Pro W3" charset="0"/>
-              <a:cs typeface="ヒラギノ角ゴ Pro W3" charset="0"/>
-            </a:endParaRPr>
-          </a:p>
-          <a:p>
-            <a:pPr>
-              <a:lnSpc>
-                <a:spcPct val="80000"/>
-              </a:lnSpc>
-              <a:spcBef>
-                <a:spcPct val="20000"/>
-              </a:spcBef>
-              <a:buFont typeface="Arial" charset="0"/>
-              <a:buNone/>
-            </a:pPr>
-            <a:endParaRPr lang="en-US" sz="1400" dirty="0">
-              <a:solidFill>
-                <a:schemeClr val="accent6"/>
-              </a:solidFill>
-              <a:ea typeface="ヒラギノ角ゴ Pro W3" charset="0"/>
-              <a:cs typeface="ヒラギノ角ゴ Pro W3" charset="0"/>
-            </a:endParaRPr>
-          </a:p>
-          <a:p>
-            <a:pPr>
-              <a:lnSpc>
-                <a:spcPct val="80000"/>
-              </a:lnSpc>
-              <a:spcBef>
-                <a:spcPct val="20000"/>
-              </a:spcBef>
-              <a:buFont typeface="Arial" charset="0"/>
-              <a:buNone/>
-            </a:pPr>
-            <a:r>
-              <a:rPr lang="en-US" sz="1400" dirty="0" smtClean="0">
-                <a:solidFill>
-                  <a:schemeClr val="accent6"/>
-                </a:solidFill>
-                <a:ea typeface="ヒラギノ角ゴ Pro W3" charset="0"/>
-                <a:cs typeface="ヒラギノ角ゴ Pro W3" charset="0"/>
-              </a:rPr>
-              <a:t> </a:t>
-            </a:r>
-            <a:endParaRPr lang="en-US" sz="1400" dirty="0">
-              <a:solidFill>
-                <a:schemeClr val="accent6"/>
-              </a:solidFill>
-              <a:ea typeface="ヒラギノ角ゴ Pro W3" charset="0"/>
-              <a:cs typeface="ヒラギノ角ゴ Pro W3" charset="0"/>
-            </a:endParaRPr>
-          </a:p>
-        </p:txBody>
-      </p:sp>
-    </p:spTree>
-    <p:extLst>
-      <p:ext uri="{BB962C8B-B14F-4D97-AF65-F5344CB8AC3E}">
-        <p14:creationId xmlns:p14="http://schemas.microsoft.com/office/powerpoint/2010/main" val="1598613307"/>
-      </p:ext>
-    </p:extLst>
-  </p:cSld>
-  <p:clrMapOvr>
-    <a:masterClrMapping/>
-  </p:clrMapOvr>
-</p:sld>
-</file>
-
-<file path=ppt/slides/slide2.xml><?xml version="1.0" encoding="utf-8"?>
-<p:sld xmlns:a="http://schemas.openxmlformats.org/drawingml/2006/main" xmlns:r="http://schemas.openxmlformats.org/officeDocument/2006/relationships" xmlns:p="http://schemas.openxmlformats.org/presentationml/2006/main">
-  <p:cSld>
-    <p:spTree>
-      <p:nvGrpSpPr>
-        <p:cNvPr id="1" name=""/>
-        <p:cNvGrpSpPr/>
-        <p:nvPr/>
-      </p:nvGrpSpPr>
-      <p:grpSpPr>
-        <a:xfrm>
-          <a:off x="0" y="0"/>
-          <a:ext cx="0" cy="0"/>
-          <a:chOff x="0" y="0"/>
-          <a:chExt cx="0" cy="0"/>
-        </a:xfrm>
-      </p:grpSpPr>
-      <p:sp>
-        <p:nvSpPr>
-          <p:cNvPr id="2" name="Title 1"/>
-          <p:cNvSpPr>
-            <a:spLocks noGrp="1"/>
-          </p:cNvSpPr>
-          <p:nvPr>
-            <p:ph type="title"/>
-          </p:nvPr>
-        </p:nvSpPr>
-        <p:spPr/>
-        <p:txBody>
-          <a:bodyPr/>
-          <a:lstStyle/>
-          <a:p>
-            <a:r>
-              <a:rPr lang="en-US" sz="3000" dirty="0" smtClean="0"/>
-              <a:t>Titanium helps developers build apps that…</a:t>
-            </a:r>
-            <a:endParaRPr lang="en-US" sz="3000" dirty="0"/>
-          </a:p>
-        </p:txBody>
-      </p:sp>
-      <p:sp>
-        <p:nvSpPr>
-          <p:cNvPr id="3" name="Content Placeholder 2"/>
-          <p:cNvSpPr>
-            <a:spLocks noGrp="1"/>
-          </p:cNvSpPr>
-          <p:nvPr>
-            <p:ph idx="1"/>
-          </p:nvPr>
-        </p:nvSpPr>
-        <p:spPr/>
-        <p:txBody>
-          <a:bodyPr/>
-          <a:lstStyle/>
-          <a:p>
-            <a:r>
-              <a:rPr lang="en-US" dirty="0" smtClean="0"/>
-              <a:t>Run cross-platform</a:t>
-            </a:r>
-          </a:p>
-          <a:p>
-            <a:endParaRPr lang="en-US" dirty="0"/>
-          </a:p>
-          <a:p>
-            <a:r>
-              <a:rPr lang="en-US" dirty="0"/>
-              <a:t>Look, feel, and perform native</a:t>
-            </a:r>
-          </a:p>
-          <a:p>
-            <a:endParaRPr lang="en-US" dirty="0" smtClean="0"/>
-          </a:p>
-          <a:p>
-            <a:r>
-              <a:rPr lang="en-US" dirty="0" smtClean="0"/>
-              <a:t>Leverage </a:t>
-            </a:r>
-            <a:r>
-              <a:rPr lang="en-US" dirty="0" smtClean="0"/>
-              <a:t>common skill sets</a:t>
-            </a:r>
-          </a:p>
-          <a:p>
-            <a:endParaRPr lang="en-US" dirty="0"/>
-          </a:p>
-          <a:p>
-            <a:r>
-              <a:rPr lang="en-US" dirty="0" smtClean="0"/>
-              <a:t>Fit well in the native app </a:t>
-            </a:r>
-            <a:r>
-              <a:rPr lang="en-US" dirty="0" smtClean="0"/>
-              <a:t>ecosystem</a:t>
-            </a:r>
-          </a:p>
-          <a:p>
-            <a:endParaRPr lang="en-US" dirty="0"/>
-          </a:p>
-          <a:p>
-            <a:r>
-              <a:rPr lang="en-US" dirty="0"/>
-              <a:t>Work offline, yet interact with the </a:t>
-            </a:r>
-            <a:r>
-              <a:rPr lang="en-US" dirty="0" smtClean="0"/>
-              <a:t>world</a:t>
-            </a:r>
-            <a:endParaRPr lang="en-US" dirty="0"/>
-          </a:p>
-        </p:txBody>
-      </p:sp>
-      <p:pic>
-        <p:nvPicPr>
-          <p:cNvPr id="4" name="Picture 2"/>
-          <p:cNvPicPr>
-            <a:picLocks noChangeAspect="1"/>
-          </p:cNvPicPr>
-          <p:nvPr/>
-        </p:nvPicPr>
-        <p:blipFill>
-          <a:blip r:embed="rId3">
-            <a:extLst>
-              <a:ext uri="{28A0092B-C50C-407E-A947-70E740481C1C}">
-                <a14:useLocalDpi xmlns:a14="http://schemas.microsoft.com/office/drawing/2010/main" val="0"/>
-              </a:ext>
-            </a:extLst>
-          </a:blip>
-          <a:srcRect/>
-          <a:stretch>
-            <a:fillRect/>
-          </a:stretch>
-        </p:blipFill>
-        <p:spPr bwMode="auto">
-          <a:xfrm>
-            <a:off x="5131803" y="1553064"/>
-            <a:ext cx="3746500" cy="2540000"/>
-          </a:xfrm>
-          <a:prstGeom prst="rect">
-            <a:avLst/>
-          </a:prstGeom>
-          <a:noFill/>
-          <a:ln>
-            <a:noFill/>
-          </a:ln>
-          <a:extLst>
-            <a:ext uri="{909E8E84-426E-40dd-AFC4-6F175D3DCCD1}">
-              <a14:hiddenFill xmlns:a14="http://schemas.microsoft.com/office/drawing/2010/main">
-                <a:solidFill>
-                  <a:srgbClr val="FFFFFF"/>
-                </a:solidFill>
-              </a14:hiddenFill>
-            </a:ext>
-            <a:ext uri="{91240B29-F687-4f45-9708-019B960494DF}">
-              <a14:hiddenLine xmlns:a14="http://schemas.microsoft.com/office/drawing/2010/main" w="9525">
-                <a:solidFill>
-                  <a:srgbClr val="000000"/>
-                </a:solidFill>
-                <a:miter lim="800000"/>
-                <a:headEnd/>
-                <a:tailEnd/>
-              </a14:hiddenLine>
-            </a:ext>
-          </a:extLst>
-        </p:spPr>
-      </p:pic>
-    </p:spTree>
-    <p:extLst>
-      <p:ext uri="{BB962C8B-B14F-4D97-AF65-F5344CB8AC3E}">
-        <p14:creationId xmlns:p14="http://schemas.microsoft.com/office/powerpoint/2010/main" val="3726847747"/>
-      </p:ext>
-    </p:extLst>
-  </p:cSld>
-  <p:clrMapOvr>
-    <a:masterClrMapping/>
-  </p:clrMapOvr>
-  <p:timing>
-    <p:tnLst>
-      <p:par>
-        <p:cTn xmlns:p14="http://schemas.microsoft.com/office/powerpoint/2010/main" id="1" dur="indefinite" restart="never" nodeType="tmRoot"/>
-      </p:par>
-    </p:tnLst>
-  </p:timing>
-</p:sld>
-</file>
-
-<file path=ppt/slides/slide3.xml><?xml version="1.0" encoding="utf-8"?>
-<p:sld xmlns:a="http://schemas.openxmlformats.org/drawingml/2006/main" xmlns:r="http://schemas.openxmlformats.org/officeDocument/2006/relationships" xmlns:p="http://schemas.openxmlformats.org/presentationml/2006/main">
-  <p:cSld>
-    <p:spTree>
-      <p:nvGrpSpPr>
-        <p:cNvPr id="1" name=""/>
-        <p:cNvGrpSpPr/>
-        <p:nvPr/>
-      </p:nvGrpSpPr>
-      <p:grpSpPr>
-        <a:xfrm>
-          <a:off x="0" y="0"/>
-          <a:ext cx="0" cy="0"/>
-          <a:chOff x="0" y="0"/>
-          <a:chExt cx="0" cy="0"/>
-        </a:xfrm>
-      </p:grpSpPr>
-      <p:pic>
-        <p:nvPicPr>
-          <p:cNvPr id="7" name="Picture 6"/>
-          <p:cNvPicPr>
-            <a:picLocks noChangeAspect="1"/>
-          </p:cNvPicPr>
-          <p:nvPr/>
-        </p:nvPicPr>
-        <p:blipFill>
-          <a:blip r:embed="rId3"/>
-          <a:stretch>
-            <a:fillRect/>
-          </a:stretch>
-        </p:blipFill>
-        <p:spPr>
-          <a:xfrm rot="174399">
-            <a:off x="4186320" y="1577473"/>
-            <a:ext cx="4472116" cy="4573337"/>
-          </a:xfrm>
-          <a:prstGeom prst="rect">
-            <a:avLst/>
-          </a:prstGeom>
-        </p:spPr>
-      </p:pic>
-      <p:pic>
-        <p:nvPicPr>
-          <p:cNvPr id="11" name="Picture 10" descr="blackberry.png"/>
-          <p:cNvPicPr>
-            <a:picLocks noChangeAspect="1"/>
-          </p:cNvPicPr>
-          <p:nvPr/>
-        </p:nvPicPr>
-        <p:blipFill>
-          <a:blip r:embed="rId4">
-            <a:extLst>
-              <a:ext uri="{28A0092B-C50C-407E-A947-70E740481C1C}">
-                <a14:useLocalDpi xmlns:a14="http://schemas.microsoft.com/office/drawing/2010/main" val="0"/>
-              </a:ext>
-            </a:extLst>
-          </a:blip>
-          <a:stretch>
-            <a:fillRect/>
-          </a:stretch>
-        </p:blipFill>
-        <p:spPr>
-          <a:xfrm rot="21203771">
-            <a:off x="1005454" y="3533081"/>
-            <a:ext cx="1813613" cy="2641184"/>
-          </a:xfrm>
-          <a:prstGeom prst="rect">
-            <a:avLst/>
-          </a:prstGeom>
-        </p:spPr>
-      </p:pic>
-      <p:pic>
-        <p:nvPicPr>
-          <p:cNvPr id="9" name="Picture 8"/>
-          <p:cNvPicPr>
-            <a:picLocks noChangeAspect="1"/>
-          </p:cNvPicPr>
-          <p:nvPr/>
-        </p:nvPicPr>
-        <p:blipFill rotWithShape="1">
-          <a:blip r:embed="rId5"/>
-          <a:srcRect t="16945" b="16222"/>
-          <a:stretch/>
-        </p:blipFill>
-        <p:spPr>
-          <a:xfrm rot="353001">
-            <a:off x="1136717" y="1765871"/>
-            <a:ext cx="3217207" cy="2150179"/>
-          </a:xfrm>
-          <a:prstGeom prst="rect">
-            <a:avLst/>
-          </a:prstGeom>
-        </p:spPr>
-      </p:pic>
-      <p:sp>
-        <p:nvSpPr>
-          <p:cNvPr id="2" name="Title 1"/>
-          <p:cNvSpPr>
-            <a:spLocks noGrp="1"/>
-          </p:cNvSpPr>
-          <p:nvPr>
-            <p:ph type="title"/>
-          </p:nvPr>
-        </p:nvSpPr>
-        <p:spPr/>
-        <p:txBody>
-          <a:bodyPr/>
-          <a:lstStyle/>
-          <a:p>
-            <a:r>
-              <a:rPr lang="en-US" dirty="0" smtClean="0"/>
-              <a:t>Titanium is cross platform</a:t>
-            </a:r>
-            <a:endParaRPr lang="en-US" dirty="0"/>
-          </a:p>
-        </p:txBody>
-      </p:sp>
-      <p:pic>
-        <p:nvPicPr>
-          <p:cNvPr id="10" name="Picture 9" descr="droid.png"/>
-          <p:cNvPicPr>
-            <a:picLocks noChangeAspect="1"/>
-          </p:cNvPicPr>
-          <p:nvPr/>
-        </p:nvPicPr>
-        <p:blipFill>
-          <a:blip r:embed="rId6">
-            <a:extLst>
-              <a:ext uri="{28A0092B-C50C-407E-A947-70E740481C1C}">
-                <a14:useLocalDpi xmlns:a14="http://schemas.microsoft.com/office/drawing/2010/main" val="0"/>
-              </a:ext>
-            </a:extLst>
-          </a:blip>
-          <a:stretch>
-            <a:fillRect/>
-          </a:stretch>
-        </p:blipFill>
-        <p:spPr>
-          <a:xfrm rot="21144931">
-            <a:off x="2733900" y="3246768"/>
-            <a:ext cx="1385766" cy="2378997"/>
-          </a:xfrm>
-          <a:prstGeom prst="rect">
-            <a:avLst/>
-          </a:prstGeom>
-        </p:spPr>
-      </p:pic>
-    </p:spTree>
-    <p:extLst>
-      <p:ext uri="{BB962C8B-B14F-4D97-AF65-F5344CB8AC3E}">
-        <p14:creationId xmlns:p14="http://schemas.microsoft.com/office/powerpoint/2010/main" val="2984514641"/>
-      </p:ext>
-    </p:extLst>
-  </p:cSld>
-  <p:clrMapOvr>
-    <a:masterClrMapping/>
-  </p:clrMapOvr>
-</p:sld>
-</file>
-
-<file path=ppt/slides/slide4.xml><?xml version="1.0" encoding="utf-8"?>
-<p:sld xmlns:a="http://schemas.openxmlformats.org/drawingml/2006/main" xmlns:r="http://schemas.openxmlformats.org/officeDocument/2006/relationships" xmlns:p="http://schemas.openxmlformats.org/presentationml/2006/main">
-  <p:cSld>
-    <p:spTree>
-      <p:nvGrpSpPr>
-        <p:cNvPr id="1" name=""/>
-        <p:cNvGrpSpPr/>
-        <p:nvPr/>
-      </p:nvGrpSpPr>
-      <p:grpSpPr>
-        <a:xfrm>
-          <a:off x="0" y="0"/>
-          <a:ext cx="0" cy="0"/>
-          <a:chOff x="0" y="0"/>
-          <a:chExt cx="0" cy="0"/>
-        </a:xfrm>
-      </p:grpSpPr>
-      <p:sp>
-        <p:nvSpPr>
-          <p:cNvPr id="2" name="Title 1"/>
-          <p:cNvSpPr>
-            <a:spLocks noGrp="1"/>
-          </p:cNvSpPr>
-          <p:nvPr>
-            <p:ph type="title"/>
-          </p:nvPr>
-        </p:nvSpPr>
-        <p:spPr/>
-        <p:txBody>
-          <a:bodyPr/>
-          <a:lstStyle/>
-          <a:p>
-            <a:r>
-              <a:rPr lang="en-US" dirty="0" smtClean="0"/>
-              <a:t>Titanium exposes native controls</a:t>
-            </a:r>
-            <a:endParaRPr lang="en-US" dirty="0"/>
-          </a:p>
-        </p:txBody>
-      </p:sp>
-      <p:pic>
-        <p:nvPicPr>
-          <p:cNvPr id="5" name="Picture 4" descr="Screen shot 2011-10-27 at 1.38.14 PM.png"/>
-          <p:cNvPicPr>
-            <a:picLocks noChangeAspect="1"/>
-          </p:cNvPicPr>
-          <p:nvPr/>
-        </p:nvPicPr>
-        <p:blipFill>
-          <a:blip r:embed="rId3">
-            <a:extLst>
-              <a:ext uri="{28A0092B-C50C-407E-A947-70E740481C1C}">
-                <a14:useLocalDpi xmlns:a14="http://schemas.microsoft.com/office/drawing/2010/main" val="0"/>
-              </a:ext>
-            </a:extLst>
-          </a:blip>
-          <a:stretch>
-            <a:fillRect/>
-          </a:stretch>
-        </p:blipFill>
-        <p:spPr>
-          <a:xfrm>
-            <a:off x="4391202" y="1376947"/>
-            <a:ext cx="2775026" cy="5213684"/>
-          </a:xfrm>
-          <a:prstGeom prst="rect">
-            <a:avLst/>
-          </a:prstGeom>
-        </p:spPr>
-      </p:pic>
-      <p:pic>
-        <p:nvPicPr>
-          <p:cNvPr id="6" name="Picture 5" descr="Screen shot 2011-10-27 at 1.39.48 PM.png"/>
-          <p:cNvPicPr>
-            <a:picLocks noChangeAspect="1"/>
-          </p:cNvPicPr>
-          <p:nvPr/>
-        </p:nvPicPr>
-        <p:blipFill>
-          <a:blip r:embed="rId4">
-            <a:extLst>
-              <a:ext uri="{28A0092B-C50C-407E-A947-70E740481C1C}">
-                <a14:useLocalDpi xmlns:a14="http://schemas.microsoft.com/office/drawing/2010/main" val="0"/>
-              </a:ext>
-            </a:extLst>
-          </a:blip>
-          <a:stretch>
-            <a:fillRect/>
-          </a:stretch>
-        </p:blipFill>
-        <p:spPr>
-          <a:xfrm>
-            <a:off x="1704150" y="1376947"/>
-            <a:ext cx="2775026" cy="5213684"/>
-          </a:xfrm>
-          <a:prstGeom prst="rect">
-            <a:avLst/>
-          </a:prstGeom>
-        </p:spPr>
-      </p:pic>
-      <p:sp>
-        <p:nvSpPr>
-          <p:cNvPr id="7" name="Up Ribbon 6"/>
-          <p:cNvSpPr/>
-          <p:nvPr/>
-        </p:nvSpPr>
-        <p:spPr>
-          <a:xfrm rot="20755733">
-            <a:off x="721894" y="1711158"/>
-            <a:ext cx="2272632" cy="628316"/>
-          </a:xfrm>
-          <a:prstGeom prst="ribbon2">
-            <a:avLst/>
-          </a:prstGeom>
-        </p:spPr>
-        <p:style>
-          <a:lnRef idx="1">
-            <a:schemeClr val="accent1"/>
-          </a:lnRef>
-          <a:fillRef idx="3">
-            <a:schemeClr val="accent1"/>
-          </a:fillRef>
-          <a:effectRef idx="2">
-            <a:schemeClr val="accent1"/>
-          </a:effectRef>
-          <a:fontRef idx="minor">
-            <a:schemeClr val="lt1"/>
-          </a:fontRef>
-        </p:style>
-        <p:txBody>
-          <a:bodyPr rtlCol="0" anchor="ctr"/>
-          <a:lstStyle/>
-          <a:p>
-            <a:pPr algn="ctr"/>
-            <a:r>
-              <a:rPr lang="en-US" sz="1800" dirty="0" smtClean="0">
-                <a:solidFill>
-                  <a:srgbClr val="000000"/>
-                </a:solidFill>
-              </a:rPr>
-              <a:t>Titanium</a:t>
-            </a:r>
-            <a:endParaRPr lang="en-US" dirty="0">
-              <a:solidFill>
-                <a:srgbClr val="000000"/>
-              </a:solidFill>
-            </a:endParaRPr>
-          </a:p>
-        </p:txBody>
-      </p:sp>
-      <p:sp>
-        <p:nvSpPr>
-          <p:cNvPr id="8" name="Rectangle 7"/>
-          <p:cNvSpPr/>
-          <p:nvPr/>
-        </p:nvSpPr>
-        <p:spPr>
-          <a:xfrm rot="709048">
-            <a:off x="6390107" y="2005264"/>
-            <a:ext cx="1336842" cy="441157"/>
-          </a:xfrm>
-          <a:prstGeom prst="rect">
-            <a:avLst/>
-          </a:prstGeom>
-          <a:solidFill>
-            <a:schemeClr val="accent1">
-              <a:lumMod val="75000"/>
-            </a:schemeClr>
-          </a:solidFill>
-        </p:spPr>
-        <p:style>
-          <a:lnRef idx="1">
-            <a:schemeClr val="accent1"/>
-          </a:lnRef>
-          <a:fillRef idx="3">
-            <a:schemeClr val="accent1"/>
-          </a:fillRef>
-          <a:effectRef idx="2">
-            <a:schemeClr val="accent1"/>
-          </a:effectRef>
-          <a:fontRef idx="minor">
-            <a:schemeClr val="lt1"/>
-          </a:fontRef>
-        </p:style>
-        <p:txBody>
-          <a:bodyPr rtlCol="0" anchor="ctr"/>
-          <a:lstStyle/>
-          <a:p>
-            <a:pPr algn="ctr"/>
-            <a:r>
-              <a:rPr lang="en-US" dirty="0" smtClean="0">
-                <a:solidFill>
-                  <a:srgbClr val="000000"/>
-                </a:solidFill>
-              </a:rPr>
-              <a:t>Not…</a:t>
-            </a:r>
-            <a:endParaRPr lang="en-US" dirty="0">
-              <a:solidFill>
-                <a:srgbClr val="000000"/>
-              </a:solidFill>
-            </a:endParaRPr>
-          </a:p>
-        </p:txBody>
-      </p:sp>
-    </p:spTree>
-    <p:extLst>
-      <p:ext uri="{BB962C8B-B14F-4D97-AF65-F5344CB8AC3E}">
-        <p14:creationId xmlns:p14="http://schemas.microsoft.com/office/powerpoint/2010/main" val="682122474"/>
-      </p:ext>
-    </p:extLst>
-  </p:cSld>
-  <p:clrMapOvr>
-    <a:masterClrMapping/>
-  </p:clrMapOvr>
-</p:sld>
-</file>
-
-<file path=ppt/slides/slide5.xml><?xml version="1.0" encoding="utf-8"?>
-<p:sld xmlns:a="http://schemas.openxmlformats.org/drawingml/2006/main" xmlns:r="http://schemas.openxmlformats.org/officeDocument/2006/relationships" xmlns:p="http://schemas.openxmlformats.org/presentationml/2006/main">
-  <p:cSld>
-    <p:spTree>
-      <p:nvGrpSpPr>
-        <p:cNvPr id="1" name=""/>
-        <p:cNvGrpSpPr/>
-        <p:nvPr/>
-      </p:nvGrpSpPr>
-      <p:grpSpPr>
-        <a:xfrm>
-          <a:off x="0" y="0"/>
-          <a:ext cx="0" cy="0"/>
-          <a:chOff x="0" y="0"/>
-          <a:chExt cx="0" cy="0"/>
-        </a:xfrm>
-      </p:grpSpPr>
-      <p:sp>
-        <p:nvSpPr>
-          <p:cNvPr id="2" name="Title 1"/>
-          <p:cNvSpPr>
-            <a:spLocks noGrp="1"/>
-          </p:cNvSpPr>
-          <p:nvPr>
-            <p:ph type="title"/>
-          </p:nvPr>
-        </p:nvSpPr>
-        <p:spPr/>
-        <p:txBody>
-          <a:bodyPr/>
-          <a:lstStyle/>
-          <a:p>
-            <a:r>
-              <a:rPr lang="en-US" dirty="0" smtClean="0"/>
-              <a:t>Titanium is easier</a:t>
-            </a:r>
-            <a:endParaRPr lang="en-US" dirty="0"/>
-          </a:p>
-        </p:txBody>
-      </p:sp>
-      <p:sp>
-        <p:nvSpPr>
-          <p:cNvPr id="3" name="Content Placeholder 2"/>
-          <p:cNvSpPr>
-            <a:spLocks noGrp="1"/>
-          </p:cNvSpPr>
-          <p:nvPr>
-            <p:ph idx="1"/>
-          </p:nvPr>
-        </p:nvSpPr>
-        <p:spPr/>
-        <p:txBody>
-          <a:bodyPr/>
-          <a:lstStyle/>
-          <a:p>
-            <a:r>
-              <a:rPr lang="en-US" sz="2000" dirty="0">
-                <a:solidFill>
-                  <a:srgbClr val="008000"/>
-                </a:solidFill>
-                <a:highlight>
-                  <a:srgbClr val="E8F2FE"/>
-                </a:highlight>
-                <a:latin typeface="Monaco"/>
-              </a:rPr>
-              <a:t>// Objective-C</a:t>
-            </a:r>
-          </a:p>
-          <a:p>
-            <a:r>
-              <a:rPr lang="en-US" sz="2000" dirty="0" err="1">
-                <a:highlight>
-                  <a:srgbClr val="FFFFFF"/>
-                </a:highlight>
-                <a:latin typeface="Monaco"/>
-              </a:rPr>
-              <a:t>UIAlertView</a:t>
-            </a:r>
-            <a:r>
-              <a:rPr lang="en-US" sz="2000" dirty="0">
-                <a:highlight>
-                  <a:srgbClr val="FFFFFF"/>
-                </a:highlight>
-                <a:latin typeface="Monaco"/>
-              </a:rPr>
-              <a:t> </a:t>
-            </a:r>
-            <a:r>
-              <a:rPr lang="en-US" sz="2000" dirty="0">
-                <a:solidFill>
-                  <a:srgbClr val="5C5C5C"/>
-                </a:solidFill>
-                <a:highlight>
-                  <a:srgbClr val="FFFFFF"/>
-                </a:highlight>
-                <a:latin typeface="Monaco"/>
-              </a:rPr>
-              <a:t>*</a:t>
-            </a:r>
-            <a:r>
-              <a:rPr lang="en-US" sz="2000" dirty="0">
-                <a:highlight>
-                  <a:srgbClr val="FFFFFF"/>
-                </a:highlight>
-                <a:latin typeface="Monaco"/>
-              </a:rPr>
-              <a:t>alert </a:t>
-            </a:r>
-            <a:r>
-              <a:rPr lang="en-US" sz="2000" dirty="0">
-                <a:solidFill>
-                  <a:srgbClr val="5C5C5C"/>
-                </a:solidFill>
-                <a:highlight>
-                  <a:srgbClr val="FFFFFF"/>
-                </a:highlight>
-                <a:latin typeface="Monaco"/>
-              </a:rPr>
-              <a:t>= </a:t>
-            </a:r>
-            <a:r>
-              <a:rPr lang="en-US" sz="2000" dirty="0">
-                <a:highlight>
-                  <a:srgbClr val="FFFFFF"/>
-                </a:highlight>
-                <a:latin typeface="Monaco"/>
-              </a:rPr>
-              <a:t>[[</a:t>
-            </a:r>
-            <a:r>
-              <a:rPr lang="en-US" sz="2000" dirty="0" err="1">
-                <a:highlight>
-                  <a:srgbClr val="FFFFFF"/>
-                </a:highlight>
-                <a:latin typeface="Monaco"/>
-              </a:rPr>
-              <a:t>UIAlertView</a:t>
-            </a:r>
-            <a:r>
-              <a:rPr lang="en-US" sz="2000" dirty="0">
-                <a:highlight>
-                  <a:srgbClr val="FFFFFF"/>
-                </a:highlight>
-                <a:latin typeface="Monaco"/>
-              </a:rPr>
-              <a:t> </a:t>
-            </a:r>
-            <a:r>
-              <a:rPr lang="en-US" sz="2000" dirty="0" err="1">
-                <a:highlight>
-                  <a:srgbClr val="FFFFFF"/>
-                </a:highlight>
-                <a:latin typeface="Monaco"/>
-              </a:rPr>
-              <a:t>alloc</a:t>
-            </a:r>
-            <a:r>
-              <a:rPr lang="en-US" sz="2000" dirty="0">
-                <a:highlight>
-                  <a:srgbClr val="FFFFFF"/>
-                </a:highlight>
-                <a:latin typeface="Monaco"/>
-              </a:rPr>
-              <a:t>]</a:t>
-            </a:r>
-          </a:p>
-          <a:p>
-            <a:r>
-              <a:rPr lang="en-US" sz="2000" dirty="0">
-                <a:highlight>
-                  <a:srgbClr val="FFFFFF"/>
-                </a:highlight>
-                <a:latin typeface="Monaco"/>
-              </a:rPr>
-              <a:t>	</a:t>
-            </a:r>
-            <a:r>
-              <a:rPr lang="en-US" sz="2000" dirty="0" err="1">
-                <a:highlight>
-                  <a:srgbClr val="FFFFFF"/>
-                </a:highlight>
-                <a:latin typeface="Monaco"/>
-              </a:rPr>
-              <a:t>initWithTitle</a:t>
-            </a:r>
-            <a:r>
-              <a:rPr lang="en-US" sz="2000" dirty="0">
-                <a:highlight>
-                  <a:srgbClr val="FFFFFF"/>
-                </a:highlight>
-                <a:latin typeface="Monaco"/>
-              </a:rPr>
-              <a:t>:@</a:t>
-            </a:r>
-            <a:r>
-              <a:rPr lang="en-US" sz="2000" dirty="0">
-                <a:solidFill>
-                  <a:srgbClr val="005C00"/>
-                </a:solidFill>
-                <a:highlight>
-                  <a:srgbClr val="FFFFFF"/>
-                </a:highlight>
-                <a:latin typeface="Monaco"/>
-              </a:rPr>
-              <a:t>"Alert"</a:t>
-            </a:r>
-            <a:r>
-              <a:rPr lang="en-US" sz="2000" dirty="0">
-                <a:highlight>
-                  <a:srgbClr val="FFFFFF"/>
-                </a:highlight>
-                <a:latin typeface="Monaco"/>
-              </a:rPr>
-              <a:t> </a:t>
-            </a:r>
-          </a:p>
-          <a:p>
-            <a:r>
-              <a:rPr lang="en-US" sz="2000" dirty="0">
-                <a:highlight>
-                  <a:srgbClr val="FFFFFF"/>
-                </a:highlight>
-                <a:latin typeface="Monaco"/>
-              </a:rPr>
-              <a:t>	message:@</a:t>
-            </a:r>
-            <a:r>
-              <a:rPr lang="en-US" sz="2000" dirty="0">
-                <a:solidFill>
-                  <a:srgbClr val="005C00"/>
-                </a:solidFill>
-                <a:highlight>
-                  <a:srgbClr val="FFFFFF"/>
-                </a:highlight>
-                <a:latin typeface="Monaco"/>
-              </a:rPr>
-              <a:t>"Hello World"</a:t>
-            </a:r>
-            <a:r>
-              <a:rPr lang="en-US" sz="2000" dirty="0">
-                <a:highlight>
-                  <a:srgbClr val="FFFFFF"/>
-                </a:highlight>
-                <a:latin typeface="Monaco"/>
-              </a:rPr>
-              <a:t> </a:t>
-            </a:r>
-          </a:p>
-          <a:p>
-            <a:r>
-              <a:rPr lang="en-US" sz="2000" dirty="0">
-                <a:highlight>
-                  <a:srgbClr val="FFFFFF"/>
-                </a:highlight>
-                <a:latin typeface="Monaco"/>
-              </a:rPr>
-              <a:t>	</a:t>
-            </a:r>
-            <a:r>
-              <a:rPr lang="en-US" sz="2000" dirty="0" err="1">
-                <a:highlight>
-                  <a:srgbClr val="FFFFFF"/>
-                </a:highlight>
-                <a:latin typeface="Monaco"/>
-              </a:rPr>
-              <a:t>delegate:nil</a:t>
-            </a:r>
-            <a:r>
-              <a:rPr lang="en-US" sz="2000" dirty="0">
-                <a:highlight>
-                  <a:srgbClr val="FFFFFF"/>
-                </a:highlight>
-                <a:latin typeface="Monaco"/>
-              </a:rPr>
-              <a:t> </a:t>
-            </a:r>
-          </a:p>
-          <a:p>
-            <a:r>
-              <a:rPr lang="en-US" sz="2000" dirty="0">
-                <a:highlight>
-                  <a:srgbClr val="FFFFFF"/>
-                </a:highlight>
-                <a:latin typeface="Monaco"/>
-              </a:rPr>
-              <a:t>	</a:t>
-            </a:r>
-            <a:r>
-              <a:rPr lang="en-US" sz="2000" dirty="0" err="1">
-                <a:highlight>
-                  <a:srgbClr val="FFFFFF"/>
-                </a:highlight>
-                <a:latin typeface="Monaco"/>
-              </a:rPr>
-              <a:t>cancelButtonTitle</a:t>
-            </a:r>
-            <a:r>
-              <a:rPr lang="en-US" sz="2000" dirty="0">
-                <a:highlight>
-                  <a:srgbClr val="FFFFFF"/>
-                </a:highlight>
-                <a:latin typeface="Monaco"/>
-              </a:rPr>
-              <a:t>:@</a:t>
-            </a:r>
-            <a:r>
-              <a:rPr lang="en-US" sz="2000" dirty="0">
-                <a:solidFill>
-                  <a:srgbClr val="005C00"/>
-                </a:solidFill>
-                <a:highlight>
-                  <a:srgbClr val="FFFFFF"/>
-                </a:highlight>
-                <a:latin typeface="Monaco"/>
-              </a:rPr>
-              <a:t>"OK"</a:t>
-            </a:r>
-          </a:p>
-          <a:p>
-            <a:r>
-              <a:rPr lang="en-US" sz="2000" dirty="0">
-                <a:highlight>
-                  <a:srgbClr val="FFFFFF"/>
-                </a:highlight>
-                <a:latin typeface="Monaco"/>
-              </a:rPr>
-              <a:t>	</a:t>
-            </a:r>
-            <a:r>
-              <a:rPr lang="en-US" sz="2000" dirty="0" err="1">
-                <a:highlight>
-                  <a:srgbClr val="FFFFFF"/>
-                </a:highlight>
-                <a:latin typeface="Monaco"/>
-              </a:rPr>
-              <a:t>otherButtonTitles:nil</a:t>
-            </a:r>
-            <a:r>
-              <a:rPr lang="en-US" sz="2000" dirty="0">
-                <a:highlight>
-                  <a:srgbClr val="FFFFFF"/>
-                </a:highlight>
-                <a:latin typeface="Monaco"/>
-              </a:rPr>
-              <a:t>]</a:t>
-            </a:r>
-            <a:r>
-              <a:rPr lang="en-US" sz="2000" dirty="0">
-                <a:solidFill>
-                  <a:srgbClr val="5C5C5C"/>
-                </a:solidFill>
-                <a:highlight>
-                  <a:srgbClr val="FFFFFF"/>
-                </a:highlight>
-                <a:latin typeface="Monaco"/>
-              </a:rPr>
-              <a:t>;</a:t>
-            </a:r>
-          </a:p>
-          <a:p>
-            <a:r>
-              <a:rPr lang="en-US" sz="2000" dirty="0">
-                <a:highlight>
-                  <a:srgbClr val="FFFFFF"/>
-                </a:highlight>
-                <a:latin typeface="Monaco"/>
-              </a:rPr>
-              <a:t>[alert show]</a:t>
-            </a:r>
-            <a:r>
-              <a:rPr lang="en-US" sz="2000" dirty="0">
-                <a:solidFill>
-                  <a:srgbClr val="5C5C5C"/>
-                </a:solidFill>
-                <a:highlight>
-                  <a:srgbClr val="FFFFFF"/>
-                </a:highlight>
-                <a:latin typeface="Monaco"/>
-              </a:rPr>
-              <a:t>;</a:t>
-            </a:r>
-          </a:p>
-          <a:p>
-            <a:r>
-              <a:rPr lang="en-US" sz="2000" dirty="0">
-                <a:highlight>
-                  <a:srgbClr val="FFFFFF"/>
-                </a:highlight>
-                <a:latin typeface="Monaco"/>
-              </a:rPr>
-              <a:t>[alert release]</a:t>
-            </a:r>
-            <a:r>
-              <a:rPr lang="en-US" sz="2000" dirty="0">
-                <a:solidFill>
-                  <a:srgbClr val="5C5C5C"/>
-                </a:solidFill>
-                <a:highlight>
-                  <a:srgbClr val="FFFFFF"/>
-                </a:highlight>
-                <a:latin typeface="Monaco"/>
-              </a:rPr>
-              <a:t>;</a:t>
-            </a:r>
-          </a:p>
-          <a:p>
-            <a:endParaRPr lang="en-US" sz="2000" dirty="0">
-              <a:latin typeface="Monaco"/>
-            </a:endParaRPr>
-          </a:p>
-        </p:txBody>
-      </p:sp>
-      <p:pic>
-        <p:nvPicPr>
-          <p:cNvPr id="4" name="Picture 3" descr="Screen shot 2011-10-27 at 11.59.02 AM.png"/>
-          <p:cNvPicPr>
-            <a:picLocks noChangeAspect="1"/>
-          </p:cNvPicPr>
-          <p:nvPr/>
-        </p:nvPicPr>
-        <p:blipFill>
-          <a:blip r:embed="rId3">
-            <a:extLst>
-              <a:ext uri="{28A0092B-C50C-407E-A947-70E740481C1C}">
-                <a14:useLocalDpi xmlns:a14="http://schemas.microsoft.com/office/drawing/2010/main" val="0"/>
-              </a:ext>
-            </a:extLst>
-          </a:blip>
-          <a:stretch>
-            <a:fillRect/>
-          </a:stretch>
-        </p:blipFill>
-        <p:spPr>
-          <a:xfrm>
-            <a:off x="5106068" y="3849437"/>
-            <a:ext cx="3797300" cy="2006600"/>
-          </a:xfrm>
-          <a:prstGeom prst="rect">
-            <a:avLst/>
-          </a:prstGeom>
-        </p:spPr>
-      </p:pic>
-    </p:spTree>
-    <p:extLst>
-      <p:ext uri="{BB962C8B-B14F-4D97-AF65-F5344CB8AC3E}">
-        <p14:creationId xmlns:p14="http://schemas.microsoft.com/office/powerpoint/2010/main" val="3078995624"/>
-      </p:ext>
-    </p:extLst>
-  </p:cSld>
-  <p:clrMapOvr>
-    <a:masterClrMapping/>
-  </p:clrMapOvr>
-</p:sld>
-</file>
-
-<file path=ppt/slides/slide6.xml><?xml version="1.0" encoding="utf-8"?>
-<p:sld xmlns:a="http://schemas.openxmlformats.org/drawingml/2006/main" xmlns:r="http://schemas.openxmlformats.org/officeDocument/2006/relationships" xmlns:p="http://schemas.openxmlformats.org/presentationml/2006/main">
-  <p:cSld>
-    <p:spTree>
-      <p:nvGrpSpPr>
-        <p:cNvPr id="1" name=""/>
-        <p:cNvGrpSpPr/>
-        <p:nvPr/>
-      </p:nvGrpSpPr>
-      <p:grpSpPr>
-        <a:xfrm>
-          <a:off x="0" y="0"/>
-          <a:ext cx="0" cy="0"/>
-          <a:chOff x="0" y="0"/>
-          <a:chExt cx="0" cy="0"/>
-        </a:xfrm>
-      </p:grpSpPr>
-      <p:sp>
-        <p:nvSpPr>
-          <p:cNvPr id="2" name="Title 1"/>
-          <p:cNvSpPr>
-            <a:spLocks noGrp="1"/>
-          </p:cNvSpPr>
-          <p:nvPr>
-            <p:ph type="title"/>
-          </p:nvPr>
-        </p:nvSpPr>
-        <p:spPr/>
-        <p:txBody>
-          <a:bodyPr/>
-          <a:lstStyle/>
-          <a:p>
-            <a:r>
-              <a:rPr lang="en-US" dirty="0" smtClean="0"/>
-              <a:t>Titanium is easier</a:t>
-            </a:r>
-            <a:endParaRPr lang="en-US" dirty="0"/>
-          </a:p>
-        </p:txBody>
-      </p:sp>
-      <p:sp>
-        <p:nvSpPr>
-          <p:cNvPr id="3" name="Content Placeholder 2"/>
-          <p:cNvSpPr>
-            <a:spLocks noGrp="1"/>
-          </p:cNvSpPr>
-          <p:nvPr>
-            <p:ph idx="1"/>
-          </p:nvPr>
-        </p:nvSpPr>
-        <p:spPr/>
-        <p:txBody>
-          <a:bodyPr/>
-          <a:lstStyle/>
-          <a:p>
-            <a:r>
-              <a:rPr lang="en-US" sz="1600" dirty="0">
-                <a:solidFill>
-                  <a:srgbClr val="008000"/>
-                </a:solidFill>
-                <a:highlight>
-                  <a:srgbClr val="E8F2FE"/>
-                </a:highlight>
-                <a:latin typeface="Monaco"/>
-              </a:rPr>
-              <a:t>// Java/Android</a:t>
-            </a:r>
-          </a:p>
-          <a:p>
-            <a:r>
-              <a:rPr lang="en-US" sz="1600" dirty="0" err="1">
-                <a:highlight>
-                  <a:srgbClr val="FFFFFF"/>
-                </a:highlight>
-                <a:latin typeface="Monaco"/>
-              </a:rPr>
-              <a:t>AlertDialog.Builder</a:t>
-            </a:r>
-            <a:r>
-              <a:rPr lang="en-US" sz="1600" dirty="0">
-                <a:highlight>
-                  <a:srgbClr val="FFFFFF"/>
-                </a:highlight>
-                <a:latin typeface="Monaco"/>
-              </a:rPr>
-              <a:t> builder </a:t>
-            </a:r>
-            <a:r>
-              <a:rPr lang="en-US" sz="1600" dirty="0">
-                <a:solidFill>
-                  <a:srgbClr val="5C5C5C"/>
-                </a:solidFill>
-                <a:highlight>
-                  <a:srgbClr val="FFFFFF"/>
-                </a:highlight>
-                <a:latin typeface="Monaco"/>
-              </a:rPr>
-              <a:t>= new </a:t>
-            </a:r>
-            <a:r>
-              <a:rPr lang="en-US" sz="1600" dirty="0" err="1">
-                <a:highlight>
-                  <a:srgbClr val="FFFFFF"/>
-                </a:highlight>
-                <a:latin typeface="Monaco"/>
-              </a:rPr>
-              <a:t>AlertDialog.Builder</a:t>
-            </a:r>
-            <a:r>
-              <a:rPr lang="en-US" sz="1600" dirty="0">
-                <a:highlight>
-                  <a:srgbClr val="FFFFFF"/>
-                </a:highlight>
-                <a:latin typeface="Monaco"/>
-              </a:rPr>
-              <a:t>(this)</a:t>
-            </a:r>
-            <a:r>
-              <a:rPr lang="en-US" sz="1600" dirty="0">
-                <a:solidFill>
-                  <a:srgbClr val="5C5C5C"/>
-                </a:solidFill>
-                <a:highlight>
-                  <a:srgbClr val="FFFFFF"/>
-                </a:highlight>
-                <a:latin typeface="Monaco"/>
-              </a:rPr>
-              <a:t>;</a:t>
-            </a:r>
-          </a:p>
-          <a:p>
-            <a:r>
-              <a:rPr lang="en-US" sz="1600" dirty="0" err="1">
-                <a:highlight>
-                  <a:srgbClr val="FFFFFF"/>
-                </a:highlight>
-                <a:latin typeface="Monaco"/>
-              </a:rPr>
-              <a:t>builder.setMessage</a:t>
-            </a:r>
-            <a:r>
-              <a:rPr lang="en-US" sz="1600" dirty="0">
-                <a:highlight>
-                  <a:srgbClr val="FFFFFF"/>
-                </a:highlight>
-                <a:latin typeface="Monaco"/>
-              </a:rPr>
-              <a:t>(</a:t>
-            </a:r>
-            <a:r>
-              <a:rPr lang="en-US" sz="1600" dirty="0">
-                <a:solidFill>
-                  <a:srgbClr val="005C00"/>
-                </a:solidFill>
-                <a:highlight>
-                  <a:srgbClr val="FFFFFF"/>
-                </a:highlight>
-                <a:latin typeface="Monaco"/>
-              </a:rPr>
-              <a:t>"Hello World"</a:t>
-            </a:r>
-            <a:r>
-              <a:rPr lang="en-US" sz="1600" dirty="0">
-                <a:highlight>
-                  <a:srgbClr val="FFFFFF"/>
-                </a:highlight>
-                <a:latin typeface="Monaco"/>
-              </a:rPr>
-              <a:t>)</a:t>
-            </a:r>
-          </a:p>
-          <a:p>
-            <a:r>
-              <a:rPr lang="en-US" sz="1600" dirty="0">
-                <a:highlight>
-                  <a:srgbClr val="FFFFFF"/>
-                </a:highlight>
-                <a:latin typeface="Monaco"/>
-              </a:rPr>
-              <a:t>	.</a:t>
-            </a:r>
-            <a:r>
-              <a:rPr lang="en-US" sz="1600" dirty="0" err="1">
-                <a:highlight>
-                  <a:srgbClr val="FFFFFF"/>
-                </a:highlight>
-                <a:latin typeface="Monaco"/>
-              </a:rPr>
-              <a:t>setCancelable</a:t>
-            </a:r>
-            <a:r>
-              <a:rPr lang="en-US" sz="1600" dirty="0">
-                <a:highlight>
-                  <a:srgbClr val="FFFFFF"/>
-                </a:highlight>
-                <a:latin typeface="Monaco"/>
-              </a:rPr>
-              <a:t>(</a:t>
-            </a:r>
-            <a:r>
-              <a:rPr lang="en-US" sz="1600" dirty="0">
-                <a:solidFill>
-                  <a:srgbClr val="800040"/>
-                </a:solidFill>
-                <a:highlight>
-                  <a:srgbClr val="FFFFFF"/>
-                </a:highlight>
-                <a:latin typeface="Monaco"/>
-              </a:rPr>
-              <a:t>false</a:t>
-            </a:r>
-            <a:r>
-              <a:rPr lang="en-US" sz="1600" dirty="0">
-                <a:highlight>
-                  <a:srgbClr val="FFFFFF"/>
-                </a:highlight>
-                <a:latin typeface="Monaco"/>
-              </a:rPr>
-              <a:t>)</a:t>
-            </a:r>
-          </a:p>
-          <a:p>
-            <a:r>
-              <a:rPr lang="en-US" sz="1600" dirty="0">
-                <a:highlight>
-                  <a:srgbClr val="FFFFFF"/>
-                </a:highlight>
-                <a:latin typeface="Monaco"/>
-              </a:rPr>
-              <a:t>	.</a:t>
-            </a:r>
-            <a:r>
-              <a:rPr lang="en-US" sz="1600" dirty="0" err="1">
-                <a:highlight>
-                  <a:srgbClr val="FFFFFF"/>
-                </a:highlight>
-                <a:latin typeface="Monaco"/>
-              </a:rPr>
-              <a:t>setPositiveButton</a:t>
-            </a:r>
-            <a:r>
-              <a:rPr lang="en-US" sz="1600" dirty="0">
-                <a:highlight>
-                  <a:srgbClr val="FFFFFF"/>
-                </a:highlight>
-                <a:latin typeface="Monaco"/>
-              </a:rPr>
-              <a:t>(</a:t>
-            </a:r>
-            <a:r>
-              <a:rPr lang="en-US" sz="1600" dirty="0">
-                <a:solidFill>
-                  <a:srgbClr val="005C00"/>
-                </a:solidFill>
-                <a:highlight>
-                  <a:srgbClr val="FFFFFF"/>
-                </a:highlight>
-                <a:latin typeface="Monaco"/>
-              </a:rPr>
-              <a:t>"OK"</a:t>
-            </a:r>
-            <a:r>
-              <a:rPr lang="en-US" sz="1600" dirty="0">
-                <a:highlight>
-                  <a:srgbClr val="FFFFFF"/>
-                </a:highlight>
-                <a:latin typeface="Monaco"/>
-              </a:rPr>
-              <a:t>, </a:t>
-            </a:r>
-            <a:r>
-              <a:rPr lang="en-US" sz="1600" dirty="0">
-                <a:solidFill>
-                  <a:srgbClr val="5C5C5C"/>
-                </a:solidFill>
-                <a:highlight>
-                  <a:srgbClr val="FFFFFF"/>
-                </a:highlight>
-                <a:latin typeface="Monaco"/>
-              </a:rPr>
-              <a:t>new </a:t>
-            </a:r>
-            <a:r>
-              <a:rPr lang="en-US" sz="1600" dirty="0" err="1">
-                <a:highlight>
-                  <a:srgbClr val="FFFFFF"/>
-                </a:highlight>
-                <a:latin typeface="Monaco"/>
-              </a:rPr>
-              <a:t>DialogInterface.OnClickListener</a:t>
-            </a:r>
-            <a:r>
-              <a:rPr lang="en-US" sz="1600" dirty="0">
-                <a:highlight>
-                  <a:srgbClr val="FFFFFF"/>
-                </a:highlight>
-                <a:latin typeface="Monaco"/>
-              </a:rPr>
-              <a:t>() {</a:t>
-            </a:r>
-          </a:p>
-          <a:p>
-            <a:r>
-              <a:rPr lang="en-US" sz="1600" dirty="0">
-                <a:highlight>
-                  <a:srgbClr val="FFFFFF"/>
-                </a:highlight>
-                <a:latin typeface="Monaco"/>
-              </a:rPr>
-              <a:t>		public </a:t>
-            </a:r>
-            <a:r>
-              <a:rPr lang="en-US" sz="1600" b="1" dirty="0">
-                <a:solidFill>
-                  <a:srgbClr val="0000C0"/>
-                </a:solidFill>
-                <a:highlight>
-                  <a:srgbClr val="FFFFFF"/>
-                </a:highlight>
-                <a:latin typeface="Monaco"/>
-              </a:rPr>
-              <a:t>void </a:t>
-            </a:r>
-            <a:r>
-              <a:rPr lang="en-US" sz="1600" b="1" dirty="0" err="1">
-                <a:highlight>
-                  <a:srgbClr val="FFFFFF"/>
-                </a:highlight>
-                <a:latin typeface="Monaco"/>
-              </a:rPr>
-              <a:t>onClick</a:t>
-            </a:r>
-            <a:r>
-              <a:rPr lang="en-US" sz="1600" b="1" dirty="0">
-                <a:highlight>
-                  <a:srgbClr val="FFFFFF"/>
-                </a:highlight>
-                <a:latin typeface="Monaco"/>
-              </a:rPr>
-              <a:t>(</a:t>
-            </a:r>
-            <a:r>
-              <a:rPr lang="en-US" sz="1600" b="1" dirty="0" err="1">
-                <a:highlight>
-                  <a:srgbClr val="FFFFFF"/>
-                </a:highlight>
-                <a:latin typeface="Monaco"/>
-              </a:rPr>
-              <a:t>DialogInterface</a:t>
-            </a:r>
-            <a:r>
-              <a:rPr lang="en-US" sz="1600" b="1" dirty="0">
-                <a:highlight>
-                  <a:srgbClr val="FFFFFF"/>
-                </a:highlight>
-                <a:latin typeface="Monaco"/>
-              </a:rPr>
-              <a:t> dialog, </a:t>
-            </a:r>
-            <a:r>
-              <a:rPr lang="en-US" sz="1600" b="1" dirty="0" err="1">
-                <a:solidFill>
-                  <a:srgbClr val="0000C0"/>
-                </a:solidFill>
-                <a:highlight>
-                  <a:srgbClr val="FFFFFF"/>
-                </a:highlight>
-                <a:latin typeface="Monaco"/>
-              </a:rPr>
-              <a:t>int</a:t>
-            </a:r>
-            <a:r>
-              <a:rPr lang="en-US" sz="1600" b="1" dirty="0">
-                <a:solidFill>
-                  <a:srgbClr val="0000C0"/>
-                </a:solidFill>
-                <a:highlight>
-                  <a:srgbClr val="FFFFFF"/>
-                </a:highlight>
-                <a:latin typeface="Monaco"/>
-              </a:rPr>
-              <a:t> </a:t>
-            </a:r>
-            <a:r>
-              <a:rPr lang="en-US" sz="1600" b="1" dirty="0">
-                <a:highlight>
-                  <a:srgbClr val="FFFFFF"/>
-                </a:highlight>
-                <a:latin typeface="Monaco"/>
-              </a:rPr>
-              <a:t>id) {</a:t>
-            </a:r>
-          </a:p>
-          <a:p>
-            <a:r>
-              <a:rPr lang="en-US" sz="1600" dirty="0">
-                <a:highlight>
-                  <a:srgbClr val="FFFFFF"/>
-                </a:highlight>
-                <a:latin typeface="Monaco"/>
-              </a:rPr>
-              <a:t>		     </a:t>
-            </a:r>
-            <a:r>
-              <a:rPr lang="en-US" sz="1600" dirty="0" err="1">
-                <a:highlight>
-                  <a:srgbClr val="FFFFFF"/>
-                </a:highlight>
-                <a:latin typeface="Monaco"/>
-              </a:rPr>
-              <a:t>MyActivity.this.finish</a:t>
-            </a:r>
-            <a:r>
-              <a:rPr lang="en-US" sz="1600" dirty="0">
-                <a:highlight>
-                  <a:srgbClr val="FFFFFF"/>
-                </a:highlight>
-                <a:latin typeface="Monaco"/>
-              </a:rPr>
-              <a:t>()</a:t>
-            </a:r>
-            <a:r>
-              <a:rPr lang="en-US" sz="1600" dirty="0">
-                <a:solidFill>
-                  <a:srgbClr val="5C5C5C"/>
-                </a:solidFill>
-                <a:highlight>
-                  <a:srgbClr val="FFFFFF"/>
-                </a:highlight>
-                <a:latin typeface="Monaco"/>
-              </a:rPr>
-              <a:t>;</a:t>
-            </a:r>
-          </a:p>
-          <a:p>
-            <a:r>
-              <a:rPr lang="en-US" sz="1600" dirty="0">
-                <a:solidFill>
-                  <a:srgbClr val="5C5C5C"/>
-                </a:solidFill>
-                <a:highlight>
-                  <a:srgbClr val="FFFFFF"/>
-                </a:highlight>
-                <a:latin typeface="Monaco"/>
-              </a:rPr>
-              <a:t>		</a:t>
-            </a:r>
-            <a:r>
-              <a:rPr lang="en-US" sz="1600" dirty="0">
-                <a:highlight>
-                  <a:srgbClr val="FFFFFF"/>
-                </a:highlight>
-                <a:latin typeface="Monaco"/>
-              </a:rPr>
-              <a:t>}</a:t>
-            </a:r>
-          </a:p>
-          <a:p>
-            <a:r>
-              <a:rPr lang="en-US" sz="1600" dirty="0">
-                <a:highlight>
-                  <a:srgbClr val="FFFFFF"/>
-                </a:highlight>
-                <a:latin typeface="Monaco"/>
-              </a:rPr>
-              <a:t>	})</a:t>
-            </a:r>
-            <a:r>
-              <a:rPr lang="en-US" sz="1600" dirty="0">
-                <a:solidFill>
-                  <a:srgbClr val="5C5C5C"/>
-                </a:solidFill>
-                <a:highlight>
-                  <a:srgbClr val="FFFFFF"/>
-                </a:highlight>
-                <a:latin typeface="Monaco"/>
-              </a:rPr>
-              <a:t>;</a:t>
-            </a:r>
-          </a:p>
-          <a:p>
-            <a:r>
-              <a:rPr lang="en-US" sz="1600" dirty="0" err="1">
-                <a:highlight>
-                  <a:srgbClr val="FFFFFF"/>
-                </a:highlight>
-                <a:latin typeface="Monaco"/>
-              </a:rPr>
-              <a:t>AlertDialog</a:t>
-            </a:r>
-            <a:r>
-              <a:rPr lang="en-US" sz="1600" dirty="0">
-                <a:highlight>
-                  <a:srgbClr val="FFFFFF"/>
-                </a:highlight>
-                <a:latin typeface="Monaco"/>
-              </a:rPr>
-              <a:t> alert </a:t>
-            </a:r>
-            <a:r>
-              <a:rPr lang="en-US" sz="1600" dirty="0">
-                <a:solidFill>
-                  <a:srgbClr val="5C5C5C"/>
-                </a:solidFill>
-                <a:highlight>
-                  <a:srgbClr val="FFFFFF"/>
-                </a:highlight>
-                <a:latin typeface="Monaco"/>
-              </a:rPr>
-              <a:t>= </a:t>
-            </a:r>
-            <a:r>
-              <a:rPr lang="en-US" sz="1600" dirty="0" err="1">
-                <a:highlight>
-                  <a:srgbClr val="FFFFFF"/>
-                </a:highlight>
-                <a:latin typeface="Monaco"/>
-              </a:rPr>
-              <a:t>builder.create</a:t>
-            </a:r>
-            <a:r>
-              <a:rPr lang="en-US" sz="1600" dirty="0">
-                <a:highlight>
-                  <a:srgbClr val="FFFFFF"/>
-                </a:highlight>
-                <a:latin typeface="Monaco"/>
-              </a:rPr>
-              <a:t>()</a:t>
-            </a:r>
-            <a:r>
-              <a:rPr lang="en-US" sz="1600" dirty="0">
-                <a:solidFill>
-                  <a:srgbClr val="5C5C5C"/>
-                </a:solidFill>
-                <a:highlight>
-                  <a:srgbClr val="FFFFFF"/>
-                </a:highlight>
-                <a:latin typeface="Monaco"/>
-              </a:rPr>
-              <a:t>;</a:t>
-            </a:r>
-          </a:p>
-          <a:p>
-            <a:endParaRPr lang="en-US" sz="1800" dirty="0">
-              <a:latin typeface="Monaco"/>
-            </a:endParaRPr>
-          </a:p>
-        </p:txBody>
-      </p:sp>
-      <p:pic>
-        <p:nvPicPr>
-          <p:cNvPr id="4" name="Picture 3" descr="Screen shot 2011-10-27 at 12.03.52 PM.png"/>
-          <p:cNvPicPr>
-            <a:picLocks noChangeAspect="1"/>
-          </p:cNvPicPr>
-          <p:nvPr/>
-        </p:nvPicPr>
-        <p:blipFill>
-          <a:blip r:embed="rId2">
-            <a:extLst>
-              <a:ext uri="{28A0092B-C50C-407E-A947-70E740481C1C}">
-                <a14:useLocalDpi xmlns:a14="http://schemas.microsoft.com/office/drawing/2010/main" val="0"/>
-              </a:ext>
-            </a:extLst>
-          </a:blip>
-          <a:stretch>
-            <a:fillRect/>
-          </a:stretch>
-        </p:blipFill>
-        <p:spPr>
-          <a:xfrm>
-            <a:off x="5467684" y="3966775"/>
-            <a:ext cx="3181684" cy="2006674"/>
-          </a:xfrm>
-          <a:prstGeom prst="rect">
-            <a:avLst/>
-          </a:prstGeom>
-        </p:spPr>
-      </p:pic>
-    </p:spTree>
-    <p:extLst>
-      <p:ext uri="{BB962C8B-B14F-4D97-AF65-F5344CB8AC3E}">
-        <p14:creationId xmlns:p14="http://schemas.microsoft.com/office/powerpoint/2010/main" val="2027194740"/>
-      </p:ext>
-    </p:extLst>
-  </p:cSld>
-  <p:clrMapOvr>
-    <a:masterClrMapping/>
-  </p:clrMapOvr>
-</p:sld>
-</file>
-
-<file path=ppt/slides/slide7.xml><?xml version="1.0" encoding="utf-8"?>
-<p:sld xmlns:a="http://schemas.openxmlformats.org/drawingml/2006/main" xmlns:r="http://schemas.openxmlformats.org/officeDocument/2006/relationships" xmlns:p="http://schemas.openxmlformats.org/presentationml/2006/main">
-  <p:cSld>
-    <p:spTree>
-      <p:nvGrpSpPr>
-        <p:cNvPr id="1" name=""/>
-        <p:cNvGrpSpPr/>
-        <p:nvPr/>
-      </p:nvGrpSpPr>
-      <p:grpSpPr>
-        <a:xfrm>
-          <a:off x="0" y="0"/>
-          <a:ext cx="0" cy="0"/>
-          <a:chOff x="0" y="0"/>
-          <a:chExt cx="0" cy="0"/>
-        </a:xfrm>
-      </p:grpSpPr>
-      <p:sp>
-        <p:nvSpPr>
-          <p:cNvPr id="2" name="Title 1"/>
-          <p:cNvSpPr>
-            <a:spLocks noGrp="1"/>
-          </p:cNvSpPr>
-          <p:nvPr>
-            <p:ph type="title"/>
-          </p:nvPr>
-        </p:nvSpPr>
-        <p:spPr/>
-        <p:txBody>
-          <a:bodyPr/>
-          <a:lstStyle/>
-          <a:p>
-            <a:r>
-              <a:rPr lang="en-US" dirty="0"/>
-              <a:t>Titanium is easier</a:t>
-            </a:r>
-          </a:p>
-        </p:txBody>
-      </p:sp>
-      <p:sp>
-        <p:nvSpPr>
-          <p:cNvPr id="3" name="Content Placeholder 2"/>
-          <p:cNvSpPr>
-            <a:spLocks noGrp="1"/>
-          </p:cNvSpPr>
-          <p:nvPr>
-            <p:ph idx="1"/>
-          </p:nvPr>
-        </p:nvSpPr>
-        <p:spPr/>
-        <p:txBody>
-          <a:bodyPr/>
-          <a:lstStyle/>
-          <a:p>
-            <a:pPr lvl="0"/>
-            <a:r>
-              <a:rPr lang="en-US" sz="1800" dirty="0">
-                <a:solidFill>
-                  <a:srgbClr val="008000"/>
-                </a:solidFill>
-                <a:highlight>
-                  <a:srgbClr val="E8F2FE"/>
-                </a:highlight>
-                <a:latin typeface="Monaco"/>
-              </a:rPr>
-              <a:t>// </a:t>
-            </a:r>
-            <a:r>
-              <a:rPr lang="en-US" sz="1800" dirty="0" smtClean="0">
-                <a:solidFill>
-                  <a:srgbClr val="008000"/>
-                </a:solidFill>
-                <a:highlight>
-                  <a:srgbClr val="E8F2FE"/>
-                </a:highlight>
-                <a:latin typeface="Monaco"/>
-              </a:rPr>
-              <a:t>Titanium</a:t>
-            </a:r>
-            <a:endParaRPr lang="en-US" sz="1800" dirty="0">
-              <a:solidFill>
-                <a:srgbClr val="008000"/>
-              </a:solidFill>
-              <a:highlight>
-                <a:srgbClr val="E8F2FE"/>
-              </a:highlight>
-              <a:latin typeface="Monaco"/>
-            </a:endParaRPr>
-          </a:p>
-          <a:p>
-            <a:pPr lvl="0"/>
-            <a:r>
-              <a:rPr lang="en-US" sz="1800" dirty="0" smtClean="0">
-                <a:highlight>
-                  <a:srgbClr val="FFFFFF"/>
-                </a:highlight>
-                <a:latin typeface="Monaco"/>
-              </a:rPr>
-              <a:t>alert(</a:t>
-            </a:r>
-            <a:r>
-              <a:rPr lang="en-US" sz="1800" dirty="0">
-                <a:solidFill>
-                  <a:srgbClr val="005C00"/>
-                </a:solidFill>
-                <a:highlight>
-                  <a:srgbClr val="FFFFFF"/>
-                </a:highlight>
-                <a:latin typeface="Monaco"/>
-              </a:rPr>
-              <a:t>"Hello World"</a:t>
-            </a:r>
-            <a:r>
-              <a:rPr lang="en-US" sz="1800" dirty="0" smtClean="0">
-                <a:highlight>
-                  <a:srgbClr val="FFFFFF"/>
-                </a:highlight>
-                <a:latin typeface="Monaco"/>
-              </a:rPr>
-              <a:t>)</a:t>
-            </a:r>
-            <a:r>
-              <a:rPr lang="en-US" sz="1800" dirty="0" smtClean="0">
-                <a:solidFill>
-                  <a:srgbClr val="5C5C5C"/>
-                </a:solidFill>
-                <a:highlight>
-                  <a:srgbClr val="FFFFFF"/>
-                </a:highlight>
-                <a:latin typeface="Monaco"/>
-              </a:rPr>
-              <a:t>;</a:t>
-            </a:r>
-            <a:endParaRPr lang="en-US" dirty="0"/>
-          </a:p>
-        </p:txBody>
-      </p:sp>
-      <p:pic>
-        <p:nvPicPr>
-          <p:cNvPr id="4" name="Picture 3" descr="Screen shot 2011-10-27 at 12.03.52 PM.png"/>
-          <p:cNvPicPr>
-            <a:picLocks noChangeAspect="1"/>
-          </p:cNvPicPr>
-          <p:nvPr/>
-        </p:nvPicPr>
-        <p:blipFill>
-          <a:blip r:embed="rId2">
-            <a:extLst>
-              <a:ext uri="{28A0092B-C50C-407E-A947-70E740481C1C}">
-                <a14:useLocalDpi xmlns:a14="http://schemas.microsoft.com/office/drawing/2010/main" val="0"/>
-              </a:ext>
-            </a:extLst>
-          </a:blip>
-          <a:stretch>
-            <a:fillRect/>
-          </a:stretch>
-        </p:blipFill>
-        <p:spPr>
-          <a:xfrm>
-            <a:off x="5467684" y="3966775"/>
-            <a:ext cx="3181684" cy="2006674"/>
-          </a:xfrm>
-          <a:prstGeom prst="rect">
-            <a:avLst/>
-          </a:prstGeom>
-        </p:spPr>
-      </p:pic>
-      <p:pic>
-        <p:nvPicPr>
-          <p:cNvPr id="5" name="Picture 4" descr="Screen shot 2011-10-27 at 11.59.02 AM.png"/>
-          <p:cNvPicPr>
-            <a:picLocks noChangeAspect="1"/>
-          </p:cNvPicPr>
-          <p:nvPr/>
-        </p:nvPicPr>
-        <p:blipFill>
-          <a:blip r:embed="rId3">
-            <a:extLst>
-              <a:ext uri="{28A0092B-C50C-407E-A947-70E740481C1C}">
-                <a14:useLocalDpi xmlns:a14="http://schemas.microsoft.com/office/drawing/2010/main" val="0"/>
-              </a:ext>
-            </a:extLst>
-          </a:blip>
-          <a:stretch>
-            <a:fillRect/>
-          </a:stretch>
-        </p:blipFill>
-        <p:spPr>
-          <a:xfrm>
-            <a:off x="5413542" y="1737228"/>
-            <a:ext cx="3302668" cy="1745222"/>
-          </a:xfrm>
-          <a:prstGeom prst="rect">
-            <a:avLst/>
-          </a:prstGeom>
-        </p:spPr>
-      </p:pic>
-      <p:sp>
-        <p:nvSpPr>
-          <p:cNvPr id="6" name="TextBox 5"/>
-          <p:cNvSpPr txBox="1"/>
-          <p:nvPr/>
-        </p:nvSpPr>
-        <p:spPr>
-          <a:xfrm>
-            <a:off x="628316" y="3957052"/>
-            <a:ext cx="3816883" cy="461665"/>
-          </a:xfrm>
-          <a:prstGeom prst="rect">
-            <a:avLst/>
-          </a:prstGeom>
-          <a:noFill/>
-        </p:spPr>
-        <p:txBody>
-          <a:bodyPr wrap="none" rtlCol="0">
-            <a:spAutoFit/>
-          </a:bodyPr>
-          <a:lstStyle/>
-          <a:p>
-            <a:r>
-              <a:rPr lang="en-US" i="1" dirty="0" smtClean="0"/>
-              <a:t>… and it’s cross platform!</a:t>
-            </a:r>
-            <a:endParaRPr lang="en-US" i="1" dirty="0"/>
-          </a:p>
-        </p:txBody>
-      </p:sp>
-    </p:spTree>
-    <p:extLst>
-      <p:ext uri="{BB962C8B-B14F-4D97-AF65-F5344CB8AC3E}">
-        <p14:creationId xmlns:p14="http://schemas.microsoft.com/office/powerpoint/2010/main" val="1810392340"/>
-      </p:ext>
-    </p:extLst>
-  </p:cSld>
-  <p:clrMapOvr>
-    <a:masterClrMapping/>
-  </p:clrMapOvr>
-</p:sld>
-</file>
-
-<file path=ppt/slides/slide8.xml><?xml version="1.0" encoding="utf-8"?>
-<p:sld xmlns:a="http://schemas.openxmlformats.org/drawingml/2006/main" xmlns:r="http://schemas.openxmlformats.org/officeDocument/2006/relationships" xmlns:p="http://schemas.openxmlformats.org/presentationml/2006/main">
-  <p:cSld>
-    <p:spTree>
-      <p:nvGrpSpPr>
-        <p:cNvPr id="1" name=""/>
-        <p:cNvGrpSpPr/>
-        <p:nvPr/>
-      </p:nvGrpSpPr>
-      <p:grpSpPr>
-        <a:xfrm>
-          <a:off x="0" y="0"/>
-          <a:ext cx="0" cy="0"/>
-          <a:chOff x="0" y="0"/>
-          <a:chExt cx="0" cy="0"/>
-        </a:xfrm>
-      </p:grpSpPr>
-      <p:sp>
-        <p:nvSpPr>
-          <p:cNvPr id="2" name="Title 1"/>
-          <p:cNvSpPr>
-            <a:spLocks noGrp="1"/>
-          </p:cNvSpPr>
-          <p:nvPr>
-            <p:ph type="title"/>
-          </p:nvPr>
-        </p:nvSpPr>
-        <p:spPr/>
-        <p:txBody>
-          <a:bodyPr/>
-          <a:lstStyle/>
-          <a:p>
-            <a:r>
-              <a:rPr lang="en-US" dirty="0" smtClean="0"/>
               <a:t>Titanium exploits the native ecosystem</a:t>
             </a:r>
             <a:endParaRPr lang="en-US" dirty="0"/>
@@ -15426,7 +11777,466 @@
 </p:sld>
 </file>
 
-<file path=ppt/slides/slide9.xml><?xml version="1.0" encoding="utf-8"?>
+<file path=ppt/slides/slide11.xml><?xml version="1.0" encoding="utf-8"?>
+<p:sld xmlns:a="http://schemas.openxmlformats.org/drawingml/2006/main" xmlns:r="http://schemas.openxmlformats.org/officeDocument/2006/relationships" xmlns:p="http://schemas.openxmlformats.org/presentationml/2006/main">
+  <p:cSld>
+    <p:spTree>
+      <p:nvGrpSpPr>
+        <p:cNvPr id="1" name=""/>
+        <p:cNvGrpSpPr/>
+        <p:nvPr/>
+      </p:nvGrpSpPr>
+      <p:grpSpPr>
+        <a:xfrm>
+          <a:off x="0" y="0"/>
+          <a:ext cx="0" cy="0"/>
+          <a:chOff x="0" y="0"/>
+          <a:chExt cx="0" cy="0"/>
+        </a:xfrm>
+      </p:grpSpPr>
+      <p:sp>
+        <p:nvSpPr>
+          <p:cNvPr id="2" name="Title 1"/>
+          <p:cNvSpPr>
+            <a:spLocks noGrp="1"/>
+          </p:cNvSpPr>
+          <p:nvPr>
+            <p:ph type="title"/>
+          </p:nvPr>
+        </p:nvSpPr>
+        <p:spPr/>
+        <p:txBody>
+          <a:bodyPr/>
+          <a:lstStyle/>
+          <a:p>
+            <a:r>
+              <a:rPr lang="en-US" dirty="0" smtClean="0"/>
+              <a:t>Demo</a:t>
+            </a:r>
+            <a:endParaRPr lang="en-US" dirty="0"/>
+          </a:p>
+        </p:txBody>
+      </p:sp>
+      <p:sp>
+        <p:nvSpPr>
+          <p:cNvPr id="3" name="Content Placeholder 2"/>
+          <p:cNvSpPr>
+            <a:spLocks noGrp="1"/>
+          </p:cNvSpPr>
+          <p:nvPr>
+            <p:ph idx="1"/>
+          </p:nvPr>
+        </p:nvSpPr>
+        <p:spPr/>
+        <p:txBody>
+          <a:bodyPr/>
+          <a:lstStyle/>
+          <a:p>
+            <a:endParaRPr lang="en-US" sz="1600" b="1" dirty="0" smtClean="0">
+              <a:solidFill>
+                <a:srgbClr val="0000C0"/>
+              </a:solidFill>
+              <a:highlight>
+                <a:srgbClr val="FFFFFF"/>
+              </a:highlight>
+              <a:latin typeface="Monaco"/>
+            </a:endParaRPr>
+          </a:p>
+          <a:p>
+            <a:endParaRPr lang="en-US" sz="1600" b="1" dirty="0">
+              <a:solidFill>
+                <a:srgbClr val="0000C0"/>
+              </a:solidFill>
+              <a:highlight>
+                <a:srgbClr val="FFFFFF"/>
+              </a:highlight>
+              <a:latin typeface="Monaco"/>
+            </a:endParaRPr>
+          </a:p>
+          <a:p>
+            <a:r>
+              <a:rPr lang="en-US" sz="1600" b="1" dirty="0" err="1" smtClean="0">
+                <a:solidFill>
+                  <a:srgbClr val="0000C0"/>
+                </a:solidFill>
+                <a:highlight>
+                  <a:srgbClr val="FFFFFF"/>
+                </a:highlight>
+                <a:latin typeface="Monaco"/>
+              </a:rPr>
+              <a:t>var</a:t>
+            </a:r>
+            <a:r>
+              <a:rPr lang="en-US" sz="1600" b="1" dirty="0" smtClean="0">
+                <a:solidFill>
+                  <a:srgbClr val="0000C0"/>
+                </a:solidFill>
+                <a:highlight>
+                  <a:srgbClr val="FFFFFF"/>
+                </a:highlight>
+                <a:latin typeface="Monaco"/>
+              </a:rPr>
+              <a:t> </a:t>
+            </a:r>
+            <a:r>
+              <a:rPr lang="en-US" sz="1600" b="1" dirty="0">
+                <a:highlight>
+                  <a:srgbClr val="FFFFFF"/>
+                </a:highlight>
+                <a:latin typeface="Monaco"/>
+              </a:rPr>
+              <a:t>map </a:t>
+            </a:r>
+            <a:r>
+              <a:rPr lang="en-US" sz="1600" b="1" dirty="0">
+                <a:solidFill>
+                  <a:srgbClr val="5C5C5C"/>
+                </a:solidFill>
+                <a:highlight>
+                  <a:srgbClr val="FFFFFF"/>
+                </a:highlight>
+                <a:latin typeface="Monaco"/>
+              </a:rPr>
+              <a:t>= </a:t>
+            </a:r>
+            <a:r>
+              <a:rPr lang="en-US" sz="1600" b="1" dirty="0" err="1">
+                <a:highlight>
+                  <a:srgbClr val="FFFFFF"/>
+                </a:highlight>
+                <a:latin typeface="Monaco"/>
+              </a:rPr>
+              <a:t>Ti.Map.createView</a:t>
+            </a:r>
+            <a:r>
+              <a:rPr lang="en-US" sz="1600" b="1" dirty="0">
+                <a:highlight>
+                  <a:srgbClr val="FFFFFF"/>
+                </a:highlight>
+                <a:latin typeface="Monaco"/>
+              </a:rPr>
+              <a:t>({</a:t>
+            </a:r>
+          </a:p>
+          <a:p>
+            <a:r>
+              <a:rPr lang="en-US" sz="1600" dirty="0">
+                <a:highlight>
+                  <a:srgbClr val="FFFFFF"/>
+                </a:highlight>
+                <a:latin typeface="Monaco"/>
+              </a:rPr>
+              <a:t>	region: {</a:t>
+            </a:r>
+          </a:p>
+          <a:p>
+            <a:r>
+              <a:rPr lang="en-US" sz="1600" dirty="0">
+                <a:highlight>
+                  <a:srgbClr val="FFFFFF"/>
+                </a:highlight>
+                <a:latin typeface="Monaco"/>
+              </a:rPr>
+              <a:t>		latitude:</a:t>
+            </a:r>
+            <a:r>
+              <a:rPr lang="en-US" sz="1600" dirty="0">
+                <a:solidFill>
+                  <a:srgbClr val="004080"/>
+                </a:solidFill>
+                <a:highlight>
+                  <a:srgbClr val="FFFFFF"/>
+                </a:highlight>
+                <a:latin typeface="Monaco"/>
+              </a:rPr>
+              <a:t>43.082602</a:t>
+            </a:r>
+            <a:r>
+              <a:rPr lang="en-US" sz="1600" dirty="0">
+                <a:highlight>
+                  <a:srgbClr val="FFFFFF"/>
+                </a:highlight>
+                <a:latin typeface="Monaco"/>
+              </a:rPr>
+              <a:t>,</a:t>
+            </a:r>
+          </a:p>
+          <a:p>
+            <a:r>
+              <a:rPr lang="en-US" sz="1600" dirty="0">
+                <a:highlight>
+                  <a:srgbClr val="FFFFFF"/>
+                </a:highlight>
+                <a:latin typeface="Monaco"/>
+              </a:rPr>
+              <a:t>		longitude:</a:t>
+            </a:r>
+            <a:r>
+              <a:rPr lang="en-US" sz="1600" dirty="0">
+                <a:solidFill>
+                  <a:srgbClr val="5C5C5C"/>
+                </a:solidFill>
+                <a:highlight>
+                  <a:srgbClr val="FFFFFF"/>
+                </a:highlight>
+                <a:latin typeface="Monaco"/>
+              </a:rPr>
+              <a:t>-</a:t>
+            </a:r>
+            <a:r>
+              <a:rPr lang="en-US" sz="1600" dirty="0">
+                <a:solidFill>
+                  <a:srgbClr val="004080"/>
+                </a:solidFill>
+                <a:highlight>
+                  <a:srgbClr val="FFFFFF"/>
+                </a:highlight>
+                <a:latin typeface="Monaco"/>
+              </a:rPr>
+              <a:t>77.676859</a:t>
+            </a:r>
+            <a:r>
+              <a:rPr lang="en-US" sz="1600" dirty="0">
+                <a:highlight>
+                  <a:srgbClr val="FFFFFF"/>
+                </a:highlight>
+                <a:latin typeface="Monaco"/>
+              </a:rPr>
+              <a:t>,</a:t>
+            </a:r>
+          </a:p>
+          <a:p>
+            <a:r>
+              <a:rPr lang="en-US" sz="1600" dirty="0">
+                <a:highlight>
+                  <a:srgbClr val="FFFFFF"/>
+                </a:highlight>
+                <a:latin typeface="Monaco"/>
+              </a:rPr>
+              <a:t>		latitudeDelta:</a:t>
+            </a:r>
+            <a:r>
+              <a:rPr lang="en-US" sz="1600" dirty="0">
+                <a:solidFill>
+                  <a:srgbClr val="004080"/>
+                </a:solidFill>
+                <a:highlight>
+                  <a:srgbClr val="FFFFFF"/>
+                </a:highlight>
+                <a:latin typeface="Monaco"/>
+              </a:rPr>
+              <a:t>0.01</a:t>
+            </a:r>
+            <a:r>
+              <a:rPr lang="en-US" sz="1600" dirty="0">
+                <a:highlight>
+                  <a:srgbClr val="FFFFFF"/>
+                </a:highlight>
+                <a:latin typeface="Monaco"/>
+              </a:rPr>
+              <a:t>,</a:t>
+            </a:r>
+          </a:p>
+          <a:p>
+            <a:r>
+              <a:rPr lang="en-US" sz="1600" dirty="0">
+                <a:highlight>
+                  <a:srgbClr val="FFFFFF"/>
+                </a:highlight>
+                <a:latin typeface="Monaco"/>
+              </a:rPr>
+              <a:t>		longitudeDelta:</a:t>
+            </a:r>
+            <a:r>
+              <a:rPr lang="en-US" sz="1600" dirty="0">
+                <a:solidFill>
+                  <a:srgbClr val="004080"/>
+                </a:solidFill>
+                <a:highlight>
+                  <a:srgbClr val="FFFFFF"/>
+                </a:highlight>
+                <a:latin typeface="Monaco"/>
+              </a:rPr>
+              <a:t>0.01</a:t>
+            </a:r>
+            <a:r>
+              <a:rPr lang="en-US" sz="1600" dirty="0">
+                <a:highlight>
+                  <a:srgbClr val="FFFFFF"/>
+                </a:highlight>
+                <a:latin typeface="Monaco"/>
+              </a:rPr>
+              <a:t>},</a:t>
+            </a:r>
+          </a:p>
+          <a:p>
+            <a:r>
+              <a:rPr lang="en-US" sz="1600" dirty="0">
+                <a:highlight>
+                  <a:srgbClr val="FFFFFF"/>
+                </a:highlight>
+                <a:latin typeface="Monaco"/>
+              </a:rPr>
+              <a:t>	</a:t>
+            </a:r>
+            <a:r>
+              <a:rPr lang="en-US" sz="1600" dirty="0" err="1">
+                <a:highlight>
+                  <a:srgbClr val="FFFFFF"/>
+                </a:highlight>
+                <a:latin typeface="Monaco"/>
+              </a:rPr>
+              <a:t>animate:</a:t>
+            </a:r>
+            <a:r>
+              <a:rPr lang="en-US" sz="1600" dirty="0" err="1">
+                <a:solidFill>
+                  <a:srgbClr val="800040"/>
+                </a:solidFill>
+                <a:highlight>
+                  <a:srgbClr val="FFFFFF"/>
+                </a:highlight>
+                <a:latin typeface="Monaco"/>
+              </a:rPr>
+              <a:t>true</a:t>
+            </a:r>
+            <a:r>
+              <a:rPr lang="en-US" sz="1600" dirty="0">
+                <a:highlight>
+                  <a:srgbClr val="FFFFFF"/>
+                </a:highlight>
+                <a:latin typeface="Monaco"/>
+              </a:rPr>
+              <a:t>,</a:t>
+            </a:r>
+          </a:p>
+          <a:p>
+            <a:r>
+              <a:rPr lang="en-US" sz="1600" dirty="0">
+                <a:highlight>
+                  <a:srgbClr val="FFFFFF"/>
+                </a:highlight>
+                <a:latin typeface="Monaco"/>
+              </a:rPr>
+              <a:t>	</a:t>
+            </a:r>
+            <a:r>
+              <a:rPr lang="en-US" sz="1600" dirty="0" err="1" smtClean="0">
+                <a:highlight>
+                  <a:srgbClr val="FFFFFF"/>
+                </a:highlight>
+                <a:latin typeface="Monaco"/>
+              </a:rPr>
+              <a:t>regionFit:</a:t>
+            </a:r>
+            <a:r>
+              <a:rPr lang="en-US" sz="1600" dirty="0" err="1" smtClean="0">
+                <a:solidFill>
+                  <a:srgbClr val="800040"/>
+                </a:solidFill>
+                <a:highlight>
+                  <a:srgbClr val="FFFFFF"/>
+                </a:highlight>
+                <a:latin typeface="Monaco"/>
+              </a:rPr>
+              <a:t>true</a:t>
+            </a:r>
+            <a:endParaRPr lang="en-US" sz="1600" dirty="0">
+              <a:highlight>
+                <a:srgbClr val="FFFFFF"/>
+              </a:highlight>
+              <a:latin typeface="Monaco"/>
+            </a:endParaRPr>
+          </a:p>
+          <a:p>
+            <a:r>
+              <a:rPr lang="en-US" sz="1600" dirty="0">
+                <a:highlight>
+                  <a:srgbClr val="FFFFFF"/>
+                </a:highlight>
+                <a:latin typeface="Monaco"/>
+              </a:rPr>
+              <a:t>})</a:t>
+            </a:r>
+            <a:r>
+              <a:rPr lang="en-US" sz="1600" dirty="0">
+                <a:solidFill>
+                  <a:srgbClr val="5C5C5C"/>
+                </a:solidFill>
+                <a:highlight>
+                  <a:srgbClr val="FFFFFF"/>
+                </a:highlight>
+                <a:latin typeface="Monaco"/>
+              </a:rPr>
+              <a:t>;</a:t>
+            </a:r>
+          </a:p>
+          <a:p>
+            <a:endParaRPr lang="en-US" dirty="0"/>
+          </a:p>
+        </p:txBody>
+      </p:sp>
+      <p:pic>
+        <p:nvPicPr>
+          <p:cNvPr id="4" name="Picture 3" descr="Screen shot 2011-10-26 at 2.09.28 PM.png"/>
+          <p:cNvPicPr>
+            <a:picLocks noChangeAspect="1"/>
+          </p:cNvPicPr>
+          <p:nvPr/>
+        </p:nvPicPr>
+        <p:blipFill>
+          <a:blip r:embed="rId2">
+            <a:extLst>
+              <a:ext uri="{28A0092B-C50C-407E-A947-70E740481C1C}">
+                <a14:useLocalDpi xmlns:a14="http://schemas.microsoft.com/office/drawing/2010/main" val="0"/>
+              </a:ext>
+            </a:extLst>
+          </a:blip>
+          <a:stretch>
+            <a:fillRect/>
+          </a:stretch>
+        </p:blipFill>
+        <p:spPr>
+          <a:xfrm>
+            <a:off x="5413564" y="173790"/>
+            <a:ext cx="3216183" cy="6042526"/>
+          </a:xfrm>
+          <a:prstGeom prst="rect">
+            <a:avLst/>
+          </a:prstGeom>
+          <a:ln>
+            <a:noFill/>
+          </a:ln>
+          <a:effectLst>
+            <a:outerShdw blurRad="292100" dist="139700" dir="2700000" algn="tl" rotWithShape="0">
+              <a:srgbClr val="333333">
+                <a:alpha val="65000"/>
+              </a:srgbClr>
+            </a:outerShdw>
+          </a:effectLst>
+        </p:spPr>
+      </p:pic>
+    </p:spTree>
+    <p:extLst>
+      <p:ext uri="{BB962C8B-B14F-4D97-AF65-F5344CB8AC3E}">
+        <p14:creationId xmlns:p14="http://schemas.microsoft.com/office/powerpoint/2010/main" val="3457804726"/>
+      </p:ext>
+    </p:extLst>
+  </p:cSld>
+  <p:clrMapOvr>
+    <a:masterClrMapping/>
+  </p:clrMapOvr>
+  <p:timing>
+    <p:tnLst>
+      <p:par>
+        <p:cTn xmlns:p14="http://schemas.microsoft.com/office/powerpoint/2010/main" id="1" dur="indefinite" restart="never" nodeType="tmRoot"/>
+      </p:par>
+    </p:tnLst>
+  </p:timing>
+</p:sld>
+</file>
+
+<file path=ppt/slides/slide12.xml><?xml version="1.0" encoding="utf-8"?>
 <p:sld xmlns:a="http://schemas.openxmlformats.org/drawingml/2006/main" xmlns:r="http://schemas.openxmlformats.org/officeDocument/2006/relationships" xmlns:p="http://schemas.openxmlformats.org/presentationml/2006/main">
   <p:cSld>
     <p:spTree>
@@ -15923,6 +12733,3431 @@
     <p:extLst>
       <p:ext uri="{BB962C8B-B14F-4D97-AF65-F5344CB8AC3E}">
         <p14:creationId xmlns:p14="http://schemas.microsoft.com/office/powerpoint/2010/main" val="3288178007"/>
+      </p:ext>
+    </p:extLst>
+  </p:cSld>
+  <p:clrMapOvr>
+    <a:masterClrMapping/>
+  </p:clrMapOvr>
+  <p:timing>
+    <p:tnLst>
+      <p:par>
+        <p:cTn xmlns:p14="http://schemas.microsoft.com/office/powerpoint/2010/main" id="1" dur="indefinite" restart="never" nodeType="tmRoot"/>
+      </p:par>
+    </p:tnLst>
+  </p:timing>
+</p:sld>
+</file>
+
+<file path=ppt/slides/slide13.xml><?xml version="1.0" encoding="utf-8"?>
+<p:sld xmlns:a="http://schemas.openxmlformats.org/drawingml/2006/main" xmlns:r="http://schemas.openxmlformats.org/officeDocument/2006/relationships" xmlns:p="http://schemas.openxmlformats.org/presentationml/2006/main">
+  <p:cSld>
+    <p:spTree>
+      <p:nvGrpSpPr>
+        <p:cNvPr id="1" name=""/>
+        <p:cNvGrpSpPr/>
+        <p:nvPr/>
+      </p:nvGrpSpPr>
+      <p:grpSpPr>
+        <a:xfrm>
+          <a:off x="0" y="0"/>
+          <a:ext cx="0" cy="0"/>
+          <a:chOff x="0" y="0"/>
+          <a:chExt cx="0" cy="0"/>
+        </a:xfrm>
+      </p:grpSpPr>
+      <p:sp>
+        <p:nvSpPr>
+          <p:cNvPr id="2" name="Title 1"/>
+          <p:cNvSpPr>
+            <a:spLocks noGrp="1"/>
+          </p:cNvSpPr>
+          <p:nvPr>
+            <p:ph type="title"/>
+          </p:nvPr>
+        </p:nvSpPr>
+        <p:spPr/>
+        <p:txBody>
+          <a:bodyPr/>
+          <a:lstStyle/>
+          <a:p>
+            <a:r>
+              <a:rPr lang="en-US" dirty="0" smtClean="0"/>
+              <a:t>Powered by Titanium</a:t>
+            </a:r>
+            <a:endParaRPr lang="en-US" dirty="0"/>
+          </a:p>
+        </p:txBody>
+      </p:sp>
+      <p:sp>
+        <p:nvSpPr>
+          <p:cNvPr id="3" name="Content Placeholder 2"/>
+          <p:cNvSpPr>
+            <a:spLocks noGrp="1"/>
+          </p:cNvSpPr>
+          <p:nvPr>
+            <p:ph idx="1"/>
+          </p:nvPr>
+        </p:nvSpPr>
+        <p:spPr/>
+        <p:txBody>
+          <a:bodyPr/>
+          <a:lstStyle/>
+          <a:p>
+            <a:pPr marL="0" indent="0" eaLnBrk="1" hangingPunct="1">
+              <a:defRPr/>
+            </a:pPr>
+            <a:r>
+              <a:rPr lang="en-US" b="1" dirty="0">
+                <a:solidFill>
+                  <a:schemeClr val="accent5">
+                    <a:lumMod val="75000"/>
+                  </a:schemeClr>
+                </a:solidFill>
+                <a:ea typeface="ＭＳ Ｐゴシック" charset="-128"/>
+                <a:cs typeface="ＭＳ Ｐゴシック" charset="-128"/>
+              </a:rPr>
+              <a:t>Applications:</a:t>
+            </a:r>
+          </a:p>
+          <a:p>
+            <a:pPr>
+              <a:buFont typeface="Arial" charset="0"/>
+              <a:buChar char="•"/>
+              <a:defRPr/>
+            </a:pPr>
+            <a:r>
+              <a:rPr lang="en-US" sz="2000" dirty="0">
+                <a:ea typeface="ＭＳ Ｐゴシック" charset="-128"/>
+                <a:cs typeface="ＭＳ Ｐゴシック" charset="-128"/>
+              </a:rPr>
+              <a:t> NBC apps</a:t>
+            </a:r>
+          </a:p>
+          <a:p>
+            <a:pPr>
+              <a:buFont typeface="Arial" charset="0"/>
+              <a:buChar char="•"/>
+              <a:defRPr/>
+            </a:pPr>
+            <a:r>
+              <a:rPr lang="en-US" sz="2000" dirty="0">
+                <a:ea typeface="ＭＳ Ｐゴシック" charset="-128"/>
+                <a:cs typeface="ＭＳ Ｐゴシック" charset="-128"/>
+              </a:rPr>
+              <a:t> NYS Senate</a:t>
+            </a:r>
+          </a:p>
+          <a:p>
+            <a:pPr>
+              <a:buFont typeface="Arial" charset="0"/>
+              <a:buChar char="•"/>
+              <a:defRPr/>
+            </a:pPr>
+            <a:r>
+              <a:rPr lang="en-US" sz="2000" dirty="0">
+                <a:ea typeface="ＭＳ Ｐゴシック" charset="-128"/>
+                <a:cs typeface="ＭＳ Ｐゴシック" charset="-128"/>
+              </a:rPr>
+              <a:t> </a:t>
+            </a:r>
+            <a:r>
+              <a:rPr lang="en-US" sz="2000" dirty="0" err="1">
+                <a:ea typeface="ＭＳ Ｐゴシック" charset="-128"/>
+                <a:cs typeface="ＭＳ Ｐゴシック" charset="-128"/>
+              </a:rPr>
+              <a:t>Wunderlist</a:t>
+            </a:r>
+            <a:endParaRPr lang="en-US" sz="2000" dirty="0">
+              <a:ea typeface="ＭＳ Ｐゴシック" charset="-128"/>
+              <a:cs typeface="ＭＳ Ｐゴシック" charset="-128"/>
+            </a:endParaRPr>
+          </a:p>
+          <a:p>
+            <a:pPr>
+              <a:buFont typeface="Arial" charset="0"/>
+              <a:buChar char="•"/>
+              <a:defRPr/>
+            </a:pPr>
+            <a:r>
+              <a:rPr lang="en-US" sz="2000" dirty="0">
+                <a:ea typeface="ＭＳ Ｐゴシック" charset="-128"/>
+                <a:cs typeface="ＭＳ Ｐゴシック" charset="-128"/>
+              </a:rPr>
+              <a:t> </a:t>
+            </a:r>
+            <a:r>
+              <a:rPr lang="en-US" sz="2000" dirty="0" err="1">
+                <a:ea typeface="ＭＳ Ｐゴシック" charset="-128"/>
+                <a:cs typeface="ＭＳ Ｐゴシック" charset="-128"/>
+              </a:rPr>
+              <a:t>GetGlue</a:t>
+            </a:r>
+            <a:endParaRPr lang="en-US" sz="2000" dirty="0">
+              <a:ea typeface="ＭＳ Ｐゴシック" charset="-128"/>
+              <a:cs typeface="ＭＳ Ｐゴシック" charset="-128"/>
+            </a:endParaRPr>
+          </a:p>
+          <a:p>
+            <a:pPr marL="0" indent="0" eaLnBrk="1" hangingPunct="1">
+              <a:spcBef>
+                <a:spcPts val="1224"/>
+              </a:spcBef>
+              <a:defRPr/>
+            </a:pPr>
+            <a:r>
+              <a:rPr lang="en-US" b="1" dirty="0">
+                <a:solidFill>
+                  <a:schemeClr val="accent5">
+                    <a:lumMod val="75000"/>
+                  </a:schemeClr>
+                </a:solidFill>
+                <a:ea typeface="ＭＳ Ｐゴシック" charset="-128"/>
+                <a:cs typeface="ＭＳ Ｐゴシック" charset="-128"/>
+              </a:rPr>
+              <a:t>Companies:</a:t>
+            </a:r>
+          </a:p>
+          <a:p>
+            <a:pPr>
+              <a:buFont typeface="Arial" charset="0"/>
+              <a:buChar char="•"/>
+              <a:defRPr/>
+            </a:pPr>
+            <a:r>
+              <a:rPr lang="en-US" sz="2000" dirty="0">
+                <a:ea typeface="ＭＳ Ｐゴシック" charset="-128"/>
+                <a:cs typeface="ＭＳ Ｐゴシック" charset="-128"/>
+              </a:rPr>
+              <a:t> Kellogg’s</a:t>
+            </a:r>
+          </a:p>
+          <a:p>
+            <a:pPr>
+              <a:buFont typeface="Arial" charset="0"/>
+              <a:buChar char="•"/>
+              <a:defRPr/>
+            </a:pPr>
+            <a:r>
+              <a:rPr lang="en-US" sz="2000" dirty="0">
+                <a:ea typeface="ＭＳ Ｐゴシック" charset="-128"/>
+                <a:cs typeface="ＭＳ Ｐゴシック" charset="-128"/>
+              </a:rPr>
+              <a:t> NBC/Universal</a:t>
+            </a:r>
+          </a:p>
+          <a:p>
+            <a:pPr>
+              <a:buFont typeface="Arial" charset="0"/>
+              <a:buChar char="•"/>
+              <a:defRPr/>
+            </a:pPr>
+            <a:r>
+              <a:rPr lang="en-US" sz="2000" dirty="0">
+                <a:ea typeface="ＭＳ Ｐゴシック" charset="-128"/>
+                <a:cs typeface="ＭＳ Ｐゴシック" charset="-128"/>
+              </a:rPr>
+              <a:t> eBay and PayPal</a:t>
+            </a:r>
+          </a:p>
+          <a:p>
+            <a:pPr>
+              <a:buFont typeface="Arial" charset="0"/>
+              <a:buChar char="•"/>
+              <a:defRPr/>
+            </a:pPr>
+            <a:r>
+              <a:rPr lang="en-US" sz="2000" dirty="0">
+                <a:ea typeface="ＭＳ Ｐゴシック" charset="-128"/>
+                <a:cs typeface="ＭＳ Ｐゴシック" charset="-128"/>
+              </a:rPr>
+              <a:t> Anheuser Busch</a:t>
+            </a:r>
+          </a:p>
+          <a:p>
+            <a:pPr>
+              <a:buFont typeface="Arial" charset="0"/>
+              <a:buChar char="•"/>
+              <a:defRPr/>
+            </a:pPr>
+            <a:r>
+              <a:rPr lang="en-US" sz="2000" dirty="0">
+                <a:ea typeface="ＭＳ Ｐゴシック" charset="-128"/>
+                <a:cs typeface="ＭＳ Ｐゴシック" charset="-128"/>
+              </a:rPr>
+              <a:t> Jaguar</a:t>
+            </a:r>
+          </a:p>
+          <a:p>
+            <a:pPr>
+              <a:buFont typeface="Arial" charset="0"/>
+              <a:buChar char="•"/>
+              <a:defRPr/>
+            </a:pPr>
+            <a:r>
+              <a:rPr lang="en-US" sz="2000" dirty="0">
+                <a:ea typeface="ＭＳ Ｐゴシック" charset="-128"/>
+                <a:cs typeface="ＭＳ Ｐゴシック" charset="-128"/>
+              </a:rPr>
+              <a:t> … and many more</a:t>
+            </a:r>
+          </a:p>
+          <a:p>
+            <a:endParaRPr lang="en-US" dirty="0"/>
+          </a:p>
+        </p:txBody>
+      </p:sp>
+      <p:grpSp>
+        <p:nvGrpSpPr>
+          <p:cNvPr id="7" name="Group 6"/>
+          <p:cNvGrpSpPr/>
+          <p:nvPr/>
+        </p:nvGrpSpPr>
+        <p:grpSpPr>
+          <a:xfrm>
+            <a:off x="4358268" y="1510636"/>
+            <a:ext cx="4137308" cy="4625472"/>
+            <a:chOff x="4407486" y="967372"/>
+            <a:chExt cx="4614862" cy="5159375"/>
+          </a:xfrm>
+        </p:grpSpPr>
+        <p:pic>
+          <p:nvPicPr>
+            <p:cNvPr id="4" name="Picture 3"/>
+            <p:cNvPicPr>
+              <a:picLocks noChangeAspect="1"/>
+            </p:cNvPicPr>
+            <p:nvPr/>
+          </p:nvPicPr>
+          <p:blipFill rotWithShape="1">
+            <a:blip r:embed="rId3"/>
+            <a:srcRect r="45985" b="13721"/>
+            <a:stretch/>
+          </p:blipFill>
+          <p:spPr>
+            <a:xfrm>
+              <a:off x="5093286" y="3770897"/>
+              <a:ext cx="1935162" cy="2355850"/>
+            </a:xfrm>
+            <a:prstGeom prst="rect">
+              <a:avLst/>
+            </a:prstGeom>
+            <a:ln>
+              <a:noFill/>
+            </a:ln>
+            <a:effectLst>
+              <a:outerShdw blurRad="292100" dist="139700" dir="2700000" algn="tl" rotWithShape="0">
+                <a:srgbClr val="333333">
+                  <a:alpha val="65000"/>
+                </a:srgbClr>
+              </a:outerShdw>
+            </a:effectLst>
+          </p:spPr>
+        </p:pic>
+        <p:pic>
+          <p:nvPicPr>
+            <p:cNvPr id="5" name="Picture 2"/>
+            <p:cNvPicPr>
+              <a:picLocks noChangeAspect="1"/>
+            </p:cNvPicPr>
+            <p:nvPr/>
+          </p:nvPicPr>
+          <p:blipFill>
+            <a:blip r:embed="rId4">
+              <a:extLst>
+                <a:ext uri="{28A0092B-C50C-407E-A947-70E740481C1C}">
+                  <a14:useLocalDpi xmlns:a14="http://schemas.microsoft.com/office/drawing/2010/main" val="0"/>
+                </a:ext>
+              </a:extLst>
+            </a:blip>
+            <a:srcRect/>
+            <a:stretch>
+              <a:fillRect/>
+            </a:stretch>
+          </p:blipFill>
+          <p:spPr bwMode="auto">
+            <a:xfrm>
+              <a:off x="4407486" y="967372"/>
+              <a:ext cx="4614862" cy="3086100"/>
+            </a:xfrm>
+            <a:prstGeom prst="rect">
+              <a:avLst/>
+            </a:prstGeom>
+            <a:noFill/>
+            <a:ln>
+              <a:noFill/>
+            </a:ln>
+            <a:extLst>
+              <a:ext uri="{909E8E84-426E-40dd-AFC4-6F175D3DCCD1}">
+                <a14:hiddenFill xmlns:a14="http://schemas.microsoft.com/office/drawing/2010/main">
+                  <a:solidFill>
+                    <a:srgbClr val="FFFFFF"/>
+                  </a:solidFill>
+                </a14:hiddenFill>
+              </a:ext>
+              <a:ext uri="{91240B29-F687-4f45-9708-019B960494DF}">
+                <a14:hiddenLine xmlns:a14="http://schemas.microsoft.com/office/drawing/2010/main" w="9525">
+                  <a:solidFill>
+                    <a:srgbClr val="000000"/>
+                  </a:solidFill>
+                  <a:miter lim="800000"/>
+                  <a:headEnd/>
+                  <a:tailEnd/>
+                </a14:hiddenLine>
+              </a:ext>
+            </a:extLst>
+          </p:spPr>
+        </p:pic>
+        <p:pic>
+          <p:nvPicPr>
+            <p:cNvPr id="6" name="Picture 5"/>
+            <p:cNvPicPr>
+              <a:picLocks noChangeAspect="1"/>
+            </p:cNvPicPr>
+            <p:nvPr/>
+          </p:nvPicPr>
+          <p:blipFill>
+            <a:blip r:embed="rId5"/>
+            <a:stretch>
+              <a:fillRect/>
+            </a:stretch>
+          </p:blipFill>
+          <p:spPr>
+            <a:xfrm>
+              <a:off x="7028448" y="3656597"/>
+              <a:ext cx="1502833" cy="2254250"/>
+            </a:xfrm>
+            <a:prstGeom prst="roundRect">
+              <a:avLst>
+                <a:gd name="adj" fmla="val 8594"/>
+              </a:avLst>
+            </a:prstGeom>
+            <a:solidFill>
+              <a:srgbClr val="FFFFFF">
+                <a:shade val="85000"/>
+              </a:srgbClr>
+            </a:solidFill>
+            <a:ln>
+              <a:noFill/>
+            </a:ln>
+            <a:effectLst>
+              <a:reflection blurRad="12700" stA="38000" endPos="28000" dist="5000" dir="5400000" sy="-100000" algn="bl" rotWithShape="0"/>
+            </a:effectLst>
+          </p:spPr>
+        </p:pic>
+      </p:grpSp>
+      <p:pic>
+        <p:nvPicPr>
+          <p:cNvPr id="8" name="Picture 7"/>
+          <p:cNvPicPr>
+            <a:picLocks noChangeAspect="1"/>
+          </p:cNvPicPr>
+          <p:nvPr/>
+        </p:nvPicPr>
+        <p:blipFill>
+          <a:blip r:embed="rId6"/>
+          <a:stretch>
+            <a:fillRect/>
+          </a:stretch>
+        </p:blipFill>
+        <p:spPr>
+          <a:xfrm>
+            <a:off x="3904915" y="4052860"/>
+            <a:ext cx="1241926" cy="2069878"/>
+          </a:xfrm>
+          <a:prstGeom prst="rect">
+            <a:avLst/>
+          </a:prstGeom>
+          <a:ln w="38100" cap="sq">
+            <a:solidFill>
+              <a:srgbClr val="000000"/>
+            </a:solidFill>
+            <a:prstDash val="solid"/>
+            <a:miter lim="800000"/>
+          </a:ln>
+          <a:effectLst>
+            <a:outerShdw blurRad="50800" dist="38100" dir="2700000" algn="tl" rotWithShape="0">
+              <a:srgbClr val="000000">
+                <a:alpha val="43000"/>
+              </a:srgbClr>
+            </a:outerShdw>
+          </a:effectLst>
+        </p:spPr>
+      </p:pic>
+    </p:spTree>
+    <p:extLst>
+      <p:ext uri="{BB962C8B-B14F-4D97-AF65-F5344CB8AC3E}">
+        <p14:creationId xmlns:p14="http://schemas.microsoft.com/office/powerpoint/2010/main" val="733568148"/>
+      </p:ext>
+    </p:extLst>
+  </p:cSld>
+  <p:clrMapOvr>
+    <a:masterClrMapping/>
+  </p:clrMapOvr>
+  <p:timing>
+    <p:tnLst>
+      <p:par>
+        <p:cTn xmlns:p14="http://schemas.microsoft.com/office/powerpoint/2010/main" id="1" dur="indefinite" restart="never" nodeType="tmRoot"/>
+      </p:par>
+    </p:tnLst>
+  </p:timing>
+</p:sld>
+</file>
+
+<file path=ppt/slides/slide14.xml><?xml version="1.0" encoding="utf-8"?>
+<p:sld xmlns:a="http://schemas.openxmlformats.org/drawingml/2006/main" xmlns:r="http://schemas.openxmlformats.org/officeDocument/2006/relationships" xmlns:p="http://schemas.openxmlformats.org/presentationml/2006/main">
+  <p:cSld>
+    <p:spTree>
+      <p:nvGrpSpPr>
+        <p:cNvPr id="1" name=""/>
+        <p:cNvGrpSpPr/>
+        <p:nvPr/>
+      </p:nvGrpSpPr>
+      <p:grpSpPr>
+        <a:xfrm>
+          <a:off x="0" y="0"/>
+          <a:ext cx="0" cy="0"/>
+          <a:chOff x="0" y="0"/>
+          <a:chExt cx="0" cy="0"/>
+        </a:xfrm>
+      </p:grpSpPr>
+      <p:sp>
+        <p:nvSpPr>
+          <p:cNvPr id="2" name="Title 1"/>
+          <p:cNvSpPr>
+            <a:spLocks noGrp="1"/>
+          </p:cNvSpPr>
+          <p:nvPr>
+            <p:ph type="title"/>
+          </p:nvPr>
+        </p:nvSpPr>
+        <p:spPr/>
+        <p:txBody>
+          <a:bodyPr/>
+          <a:lstStyle/>
+          <a:p>
+            <a:r>
+              <a:rPr lang="en-US" dirty="0" smtClean="0"/>
+              <a:t>Let’s talk money</a:t>
+            </a:r>
+            <a:endParaRPr lang="en-US" dirty="0"/>
+          </a:p>
+        </p:txBody>
+      </p:sp>
+      <p:sp>
+        <p:nvSpPr>
+          <p:cNvPr id="3" name="Content Placeholder 2"/>
+          <p:cNvSpPr>
+            <a:spLocks noGrp="1"/>
+          </p:cNvSpPr>
+          <p:nvPr>
+            <p:ph idx="1"/>
+          </p:nvPr>
+        </p:nvSpPr>
+        <p:spPr/>
+        <p:txBody>
+          <a:bodyPr/>
+          <a:lstStyle/>
+          <a:p>
+            <a:r>
+              <a:rPr lang="en-US" dirty="0" smtClean="0"/>
+              <a:t>Apache 2.0 - free </a:t>
+            </a:r>
+            <a:r>
+              <a:rPr lang="en-US" dirty="0"/>
+              <a:t>to download, use, and publish your </a:t>
+            </a:r>
+            <a:r>
+              <a:rPr lang="en-US" dirty="0" smtClean="0"/>
+              <a:t>apps</a:t>
+            </a:r>
+            <a:endParaRPr lang="en-US" dirty="0" smtClean="0"/>
+          </a:p>
+          <a:p>
+            <a:endParaRPr lang="en-US" dirty="0"/>
+          </a:p>
+          <a:p>
+            <a:r>
+              <a:rPr lang="en-US" dirty="0" smtClean="0"/>
+              <a:t>Subscription plans</a:t>
+            </a:r>
+          </a:p>
+          <a:p>
+            <a:pPr lvl="1"/>
+            <a:r>
+              <a:rPr lang="en-US" dirty="0" smtClean="0"/>
+              <a:t>Indie, Professional, &amp; Enterprise</a:t>
+            </a:r>
+          </a:p>
+          <a:p>
+            <a:endParaRPr lang="en-US" dirty="0" smtClean="0"/>
+          </a:p>
+          <a:p>
+            <a:r>
+              <a:rPr lang="en-US" dirty="0"/>
+              <a:t>Pro services, SLA support, </a:t>
+            </a:r>
+            <a:r>
+              <a:rPr lang="en-US" dirty="0" smtClean="0"/>
+              <a:t>training</a:t>
+            </a:r>
+            <a:endParaRPr lang="en-US" dirty="0"/>
+          </a:p>
+          <a:p>
+            <a:endParaRPr lang="en-US" dirty="0"/>
+          </a:p>
+          <a:p>
+            <a:r>
+              <a:rPr lang="en-US" dirty="0" smtClean="0"/>
+              <a:t>Modules </a:t>
+            </a:r>
+            <a:r>
+              <a:rPr lang="en-US" dirty="0" smtClean="0"/>
+              <a:t>Marketplace</a:t>
+            </a:r>
+            <a:endParaRPr lang="en-US" dirty="0" smtClean="0"/>
+          </a:p>
+          <a:p>
+            <a:endParaRPr lang="en-US" dirty="0"/>
+          </a:p>
+          <a:p>
+            <a:pPr algn="ctr"/>
+            <a:r>
+              <a:rPr lang="en-US" sz="2000" dirty="0">
+                <a:solidFill>
+                  <a:srgbClr val="0000FF"/>
+                </a:solidFill>
+              </a:rPr>
+              <a:t>http://</a:t>
+            </a:r>
+            <a:r>
+              <a:rPr lang="en-US" sz="2000" dirty="0" err="1">
+                <a:solidFill>
+                  <a:srgbClr val="0000FF"/>
+                </a:solidFill>
+              </a:rPr>
+              <a:t>www.appcelerator.com</a:t>
+            </a:r>
+            <a:r>
+              <a:rPr lang="en-US" sz="2000" dirty="0">
+                <a:solidFill>
+                  <a:srgbClr val="0000FF"/>
+                </a:solidFill>
+              </a:rPr>
+              <a:t>/products/plans-pricing/</a:t>
+            </a:r>
+          </a:p>
+        </p:txBody>
+      </p:sp>
+    </p:spTree>
+    <p:extLst>
+      <p:ext uri="{BB962C8B-B14F-4D97-AF65-F5344CB8AC3E}">
+        <p14:creationId xmlns:p14="http://schemas.microsoft.com/office/powerpoint/2010/main" val="3542491362"/>
+      </p:ext>
+    </p:extLst>
+  </p:cSld>
+  <p:clrMapOvr>
+    <a:masterClrMapping/>
+  </p:clrMapOvr>
+  <p:timing>
+    <p:tnLst>
+      <p:par>
+        <p:cTn xmlns:p14="http://schemas.microsoft.com/office/powerpoint/2010/main" id="1" dur="indefinite" restart="never" nodeType="tmRoot"/>
+      </p:par>
+    </p:tnLst>
+  </p:timing>
+</p:sld>
+</file>
+
+<file path=ppt/slides/slide15.xml><?xml version="1.0" encoding="utf-8"?>
+<p:sld xmlns:a="http://schemas.openxmlformats.org/drawingml/2006/main" xmlns:r="http://schemas.openxmlformats.org/officeDocument/2006/relationships" xmlns:p="http://schemas.openxmlformats.org/presentationml/2006/main">
+  <p:cSld>
+    <p:spTree>
+      <p:nvGrpSpPr>
+        <p:cNvPr id="1" name=""/>
+        <p:cNvGrpSpPr/>
+        <p:nvPr/>
+      </p:nvGrpSpPr>
+      <p:grpSpPr>
+        <a:xfrm>
+          <a:off x="0" y="0"/>
+          <a:ext cx="0" cy="0"/>
+          <a:chOff x="0" y="0"/>
+          <a:chExt cx="0" cy="0"/>
+        </a:xfrm>
+      </p:grpSpPr>
+      <p:sp>
+        <p:nvSpPr>
+          <p:cNvPr id="2" name="Title 1"/>
+          <p:cNvSpPr>
+            <a:spLocks noGrp="1"/>
+          </p:cNvSpPr>
+          <p:nvPr>
+            <p:ph type="title"/>
+          </p:nvPr>
+        </p:nvSpPr>
+        <p:spPr/>
+        <p:txBody>
+          <a:bodyPr/>
+          <a:lstStyle/>
+          <a:p>
+            <a:r>
+              <a:rPr lang="en-US" dirty="0" smtClean="0"/>
+              <a:t>Titanium is not …</a:t>
+            </a:r>
+            <a:endParaRPr lang="en-US" dirty="0"/>
+          </a:p>
+        </p:txBody>
+      </p:sp>
+      <p:sp>
+        <p:nvSpPr>
+          <p:cNvPr id="3" name="Content Placeholder 2"/>
+          <p:cNvSpPr>
+            <a:spLocks noGrp="1"/>
+          </p:cNvSpPr>
+          <p:nvPr>
+            <p:ph idx="1"/>
+          </p:nvPr>
+        </p:nvSpPr>
+        <p:spPr/>
+        <p:txBody>
+          <a:bodyPr/>
+          <a:lstStyle/>
+          <a:p>
+            <a:r>
+              <a:rPr lang="en-US" dirty="0" smtClean="0"/>
+              <a:t>Just a wrapper around HTML5 content</a:t>
+            </a:r>
+          </a:p>
+          <a:p>
+            <a:pPr lvl="1"/>
+            <a:r>
+              <a:rPr lang="en-US" dirty="0" smtClean="0"/>
+              <a:t>(though you can certainly do that if you want)</a:t>
+            </a:r>
+          </a:p>
+          <a:p>
+            <a:endParaRPr lang="en-US" dirty="0"/>
+          </a:p>
+          <a:p>
+            <a:r>
+              <a:rPr lang="en-US" dirty="0" smtClean="0"/>
+              <a:t>A cross compiler</a:t>
+            </a:r>
+          </a:p>
+          <a:p>
+            <a:pPr lvl="1"/>
+            <a:r>
+              <a:rPr lang="en-US" dirty="0" smtClean="0"/>
+              <a:t>(it doesn’t create </a:t>
+            </a:r>
+            <a:r>
+              <a:rPr lang="en-US" dirty="0" err="1" smtClean="0"/>
+              <a:t>Obj</a:t>
+            </a:r>
+            <a:r>
+              <a:rPr lang="en-US" dirty="0" smtClean="0"/>
+              <a:t>-C / Java code for you)</a:t>
+            </a:r>
+          </a:p>
+          <a:p>
+            <a:endParaRPr lang="en-US" dirty="0" smtClean="0"/>
+          </a:p>
+          <a:p>
+            <a:r>
+              <a:rPr lang="en-US" dirty="0" smtClean="0"/>
+              <a:t>Going to do the programming for you</a:t>
+            </a:r>
+          </a:p>
+          <a:p>
+            <a:pPr lvl="1"/>
+            <a:r>
+              <a:rPr lang="en-US" dirty="0" smtClean="0"/>
+              <a:t>(moderate JavaScript and fundamental programming skills </a:t>
+            </a:r>
+            <a:br>
+              <a:rPr lang="en-US" dirty="0" smtClean="0"/>
+            </a:br>
+            <a:r>
+              <a:rPr lang="en-US" dirty="0" smtClean="0"/>
+              <a:t>are required)</a:t>
+            </a:r>
+            <a:endParaRPr lang="en-US" dirty="0"/>
+          </a:p>
+        </p:txBody>
+      </p:sp>
+    </p:spTree>
+    <p:extLst>
+      <p:ext uri="{BB962C8B-B14F-4D97-AF65-F5344CB8AC3E}">
+        <p14:creationId xmlns:p14="http://schemas.microsoft.com/office/powerpoint/2010/main" val="2588907633"/>
+      </p:ext>
+    </p:extLst>
+  </p:cSld>
+  <p:clrMapOvr>
+    <a:masterClrMapping/>
+  </p:clrMapOvr>
+  <p:timing>
+    <p:tnLst>
+      <p:par>
+        <p:cTn xmlns:p14="http://schemas.microsoft.com/office/powerpoint/2010/main" id="1" dur="indefinite" restart="never" nodeType="tmRoot"/>
+      </p:par>
+    </p:tnLst>
+  </p:timing>
+</p:sld>
+</file>
+
+<file path=ppt/slides/slide16.xml><?xml version="1.0" encoding="utf-8"?>
+<p:sld xmlns:a="http://schemas.openxmlformats.org/drawingml/2006/main" xmlns:r="http://schemas.openxmlformats.org/officeDocument/2006/relationships" xmlns:p="http://schemas.openxmlformats.org/presentationml/2006/main">
+  <p:cSld>
+    <p:spTree>
+      <p:nvGrpSpPr>
+        <p:cNvPr id="1" name=""/>
+        <p:cNvGrpSpPr/>
+        <p:nvPr/>
+      </p:nvGrpSpPr>
+      <p:grpSpPr>
+        <a:xfrm>
+          <a:off x="0" y="0"/>
+          <a:ext cx="0" cy="0"/>
+          <a:chOff x="0" y="0"/>
+          <a:chExt cx="0" cy="0"/>
+        </a:xfrm>
+      </p:grpSpPr>
+      <p:sp>
+        <p:nvSpPr>
+          <p:cNvPr id="2" name="Title 1"/>
+          <p:cNvSpPr>
+            <a:spLocks noGrp="1"/>
+          </p:cNvSpPr>
+          <p:nvPr>
+            <p:ph type="title"/>
+          </p:nvPr>
+        </p:nvSpPr>
+        <p:spPr/>
+        <p:txBody>
+          <a:bodyPr/>
+          <a:lstStyle/>
+          <a:p>
+            <a:r>
+              <a:rPr lang="en-US" dirty="0" smtClean="0"/>
+              <a:t>Resources</a:t>
+            </a:r>
+            <a:endParaRPr lang="en-US" dirty="0"/>
+          </a:p>
+        </p:txBody>
+      </p:sp>
+      <p:sp>
+        <p:nvSpPr>
+          <p:cNvPr id="3" name="Content Placeholder 2"/>
+          <p:cNvSpPr>
+            <a:spLocks noGrp="1"/>
+          </p:cNvSpPr>
+          <p:nvPr>
+            <p:ph idx="1"/>
+          </p:nvPr>
+        </p:nvSpPr>
+        <p:spPr/>
+        <p:txBody>
+          <a:bodyPr/>
+          <a:lstStyle/>
+          <a:p>
+            <a:r>
+              <a:rPr lang="en-US" dirty="0" err="1" smtClean="0"/>
+              <a:t>wiki.appcelerator.org</a:t>
+            </a:r>
+            <a:endParaRPr lang="en-US" dirty="0" smtClean="0"/>
+          </a:p>
+          <a:p>
+            <a:endParaRPr lang="en-US" dirty="0"/>
+          </a:p>
+          <a:p>
+            <a:r>
+              <a:rPr lang="en-US" dirty="0" err="1" smtClean="0"/>
+              <a:t>developer.appcelerator.com</a:t>
+            </a:r>
+            <a:endParaRPr lang="en-US" dirty="0" smtClean="0"/>
+          </a:p>
+          <a:p>
+            <a:endParaRPr lang="en-US" dirty="0"/>
+          </a:p>
+          <a:p>
+            <a:r>
+              <a:rPr lang="en-US" dirty="0" smtClean="0"/>
+              <a:t>@</a:t>
+            </a:r>
+            <a:r>
+              <a:rPr lang="en-US" dirty="0" err="1" smtClean="0"/>
+              <a:t>appcelerator</a:t>
+            </a:r>
+            <a:r>
+              <a:rPr lang="en-US" dirty="0" smtClean="0"/>
+              <a:t> (and more)</a:t>
+            </a:r>
+            <a:endParaRPr lang="en-US" dirty="0" smtClean="0"/>
+          </a:p>
+          <a:p>
+            <a:endParaRPr lang="en-US" dirty="0"/>
+          </a:p>
+          <a:p>
+            <a:r>
+              <a:rPr lang="en-US" dirty="0" smtClean="0"/>
+              <a:t>#</a:t>
+            </a:r>
+            <a:r>
+              <a:rPr lang="en-US" dirty="0" err="1" smtClean="0"/>
+              <a:t>titanium_app</a:t>
+            </a:r>
+            <a:r>
+              <a:rPr lang="en-US" dirty="0" smtClean="0"/>
+              <a:t> (</a:t>
+            </a:r>
+            <a:r>
+              <a:rPr lang="en-US" dirty="0" err="1" smtClean="0"/>
+              <a:t>irc.freenode.net</a:t>
+            </a:r>
+            <a:r>
+              <a:rPr lang="en-US" dirty="0" smtClean="0"/>
+              <a:t>)</a:t>
+            </a:r>
+          </a:p>
+          <a:p>
+            <a:endParaRPr lang="en-US" dirty="0"/>
+          </a:p>
+          <a:p>
+            <a:r>
+              <a:rPr lang="en-US" dirty="0" err="1" smtClean="0"/>
+              <a:t>meetup.com</a:t>
+            </a:r>
+            <a:r>
+              <a:rPr lang="en-US" dirty="0" smtClean="0"/>
+              <a:t>/</a:t>
+            </a:r>
+            <a:r>
+              <a:rPr lang="en-US" dirty="0" err="1" smtClean="0"/>
+              <a:t>TiRochester</a:t>
+            </a:r>
+            <a:endParaRPr lang="en-US" dirty="0"/>
+          </a:p>
+        </p:txBody>
+      </p:sp>
+    </p:spTree>
+    <p:extLst>
+      <p:ext uri="{BB962C8B-B14F-4D97-AF65-F5344CB8AC3E}">
+        <p14:creationId xmlns:p14="http://schemas.microsoft.com/office/powerpoint/2010/main" val="1012576307"/>
+      </p:ext>
+    </p:extLst>
+  </p:cSld>
+  <p:clrMapOvr>
+    <a:masterClrMapping/>
+  </p:clrMapOvr>
+  <p:timing>
+    <p:tnLst>
+      <p:par>
+        <p:cTn xmlns:p14="http://schemas.microsoft.com/office/powerpoint/2010/main" id="1" dur="indefinite" restart="never" nodeType="tmRoot"/>
+      </p:par>
+    </p:tnLst>
+  </p:timing>
+</p:sld>
+</file>
+
+<file path=ppt/slides/slide17.xml><?xml version="1.0" encoding="utf-8"?>
+<p:sld xmlns:a="http://schemas.openxmlformats.org/drawingml/2006/main" xmlns:r="http://schemas.openxmlformats.org/officeDocument/2006/relationships" xmlns:p="http://schemas.openxmlformats.org/presentationml/2006/main">
+  <p:cSld>
+    <p:spTree>
+      <p:nvGrpSpPr>
+        <p:cNvPr id="1" name=""/>
+        <p:cNvGrpSpPr/>
+        <p:nvPr/>
+      </p:nvGrpSpPr>
+      <p:grpSpPr>
+        <a:xfrm>
+          <a:off x="0" y="0"/>
+          <a:ext cx="0" cy="0"/>
+          <a:chOff x="0" y="0"/>
+          <a:chExt cx="0" cy="0"/>
+        </a:xfrm>
+      </p:grpSpPr>
+      <p:sp>
+        <p:nvSpPr>
+          <p:cNvPr id="2" name="Title 1"/>
+          <p:cNvSpPr>
+            <a:spLocks noGrp="1"/>
+          </p:cNvSpPr>
+          <p:nvPr>
+            <p:ph type="title"/>
+          </p:nvPr>
+        </p:nvSpPr>
+        <p:spPr/>
+        <p:txBody>
+          <a:bodyPr/>
+          <a:lstStyle/>
+          <a:p>
+            <a:r>
+              <a:rPr lang="en-US" dirty="0" smtClean="0"/>
+              <a:t>Questions?</a:t>
+            </a:r>
+            <a:endParaRPr lang="en-US" dirty="0"/>
+          </a:p>
+        </p:txBody>
+      </p:sp>
+      <p:sp>
+        <p:nvSpPr>
+          <p:cNvPr id="3" name="Content Placeholder 2"/>
+          <p:cNvSpPr>
+            <a:spLocks noGrp="1"/>
+          </p:cNvSpPr>
+          <p:nvPr>
+            <p:ph idx="1"/>
+          </p:nvPr>
+        </p:nvSpPr>
+        <p:spPr>
+          <a:xfrm>
+            <a:off x="457200" y="1613560"/>
+            <a:ext cx="8229600" cy="2223177"/>
+          </a:xfrm>
+        </p:spPr>
+        <p:txBody>
+          <a:bodyPr/>
+          <a:lstStyle/>
+          <a:p>
+            <a:pPr algn="ctr"/>
+            <a:r>
+              <a:rPr lang="en-US" sz="11500" b="1" i="1" dirty="0" smtClean="0">
+                <a:latin typeface="Baskerville"/>
+                <a:cs typeface="Baskerville"/>
+              </a:rPr>
+              <a:t>Q&amp;A</a:t>
+            </a:r>
+            <a:endParaRPr lang="en-US" sz="11500" b="1" i="1" dirty="0">
+              <a:latin typeface="Baskerville"/>
+              <a:cs typeface="Baskerville"/>
+            </a:endParaRPr>
+          </a:p>
+        </p:txBody>
+      </p:sp>
+      <p:sp>
+        <p:nvSpPr>
+          <p:cNvPr id="4" name="Content Placeholder 2"/>
+          <p:cNvSpPr txBox="1">
+            <a:spLocks/>
+          </p:cNvSpPr>
+          <p:nvPr/>
+        </p:nvSpPr>
+        <p:spPr bwMode="auto">
+          <a:xfrm>
+            <a:off x="467895" y="4571691"/>
+            <a:ext cx="8208210" cy="1584325"/>
+          </a:xfrm>
+          <a:prstGeom prst="rect">
+            <a:avLst/>
+          </a:prstGeom>
+          <a:noFill/>
+          <a:ln>
+            <a:noFill/>
+          </a:ln>
+          <a:extLst>
+            <a:ext uri="{909E8E84-426E-40dd-AFC4-6F175D3DCCD1}">
+              <a14:hiddenFill xmlns:a14="http://schemas.microsoft.com/office/drawing/2010/main">
+                <a:solidFill>
+                  <a:srgbClr val="FFFFFF"/>
+                </a:solidFill>
+              </a14:hiddenFill>
+            </a:ext>
+            <a:ext uri="{91240B29-F687-4f45-9708-019B960494DF}">
+              <a14:hiddenLine xmlns:a14="http://schemas.microsoft.com/office/drawing/2010/main" w="9525">
+                <a:solidFill>
+                  <a:srgbClr val="000000"/>
+                </a:solidFill>
+                <a:miter lim="800000"/>
+                <a:headEnd/>
+                <a:tailEnd/>
+              </a14:hiddenLine>
+            </a:ext>
+          </a:extLst>
+        </p:spPr>
+        <p:txBody>
+          <a:bodyPr/>
+          <a:lstStyle>
+            <a:lvl1pPr eaLnBrk="0" hangingPunct="0">
+              <a:defRPr sz="2400">
+                <a:solidFill>
+                  <a:schemeClr val="tx1"/>
+                </a:solidFill>
+                <a:latin typeface="Trebuchet MS" charset="0"/>
+                <a:ea typeface="ＭＳ Ｐゴシック" charset="0"/>
+                <a:cs typeface="ＭＳ Ｐゴシック" charset="0"/>
+              </a:defRPr>
+            </a:lvl1pPr>
+            <a:lvl2pPr marL="742950" indent="-285750" eaLnBrk="0" hangingPunct="0">
+              <a:defRPr sz="2400">
+                <a:solidFill>
+                  <a:schemeClr val="tx1"/>
+                </a:solidFill>
+                <a:latin typeface="Trebuchet MS" charset="0"/>
+                <a:ea typeface="ＭＳ Ｐゴシック" charset="0"/>
+              </a:defRPr>
+            </a:lvl2pPr>
+            <a:lvl3pPr marL="1143000" indent="-228600" eaLnBrk="0" hangingPunct="0">
+              <a:defRPr sz="2400">
+                <a:solidFill>
+                  <a:schemeClr val="tx1"/>
+                </a:solidFill>
+                <a:latin typeface="Trebuchet MS" charset="0"/>
+                <a:ea typeface="ＭＳ Ｐゴシック" charset="0"/>
+              </a:defRPr>
+            </a:lvl3pPr>
+            <a:lvl4pPr marL="1600200" indent="-228600" eaLnBrk="0" hangingPunct="0">
+              <a:defRPr sz="2400">
+                <a:solidFill>
+                  <a:schemeClr val="tx1"/>
+                </a:solidFill>
+                <a:latin typeface="Trebuchet MS" charset="0"/>
+                <a:ea typeface="ＭＳ Ｐゴシック" charset="0"/>
+              </a:defRPr>
+            </a:lvl4pPr>
+            <a:lvl5pPr marL="2057400" indent="-228600" eaLnBrk="0" hangingPunct="0">
+              <a:defRPr sz="2400">
+                <a:solidFill>
+                  <a:schemeClr val="tx1"/>
+                </a:solidFill>
+                <a:latin typeface="Trebuchet MS" charset="0"/>
+                <a:ea typeface="ＭＳ Ｐゴシック" charset="0"/>
+              </a:defRPr>
+            </a:lvl5pPr>
+            <a:lvl6pPr marL="2514600" indent="-228600" eaLnBrk="0" fontAlgn="base" hangingPunct="0">
+              <a:spcBef>
+                <a:spcPct val="0"/>
+              </a:spcBef>
+              <a:spcAft>
+                <a:spcPct val="0"/>
+              </a:spcAft>
+              <a:defRPr sz="2400">
+                <a:solidFill>
+                  <a:schemeClr val="tx1"/>
+                </a:solidFill>
+                <a:latin typeface="Trebuchet MS" charset="0"/>
+                <a:ea typeface="ＭＳ Ｐゴシック" charset="0"/>
+              </a:defRPr>
+            </a:lvl6pPr>
+            <a:lvl7pPr marL="2971800" indent="-228600" eaLnBrk="0" fontAlgn="base" hangingPunct="0">
+              <a:spcBef>
+                <a:spcPct val="0"/>
+              </a:spcBef>
+              <a:spcAft>
+                <a:spcPct val="0"/>
+              </a:spcAft>
+              <a:defRPr sz="2400">
+                <a:solidFill>
+                  <a:schemeClr val="tx1"/>
+                </a:solidFill>
+                <a:latin typeface="Trebuchet MS" charset="0"/>
+                <a:ea typeface="ＭＳ Ｐゴシック" charset="0"/>
+              </a:defRPr>
+            </a:lvl7pPr>
+            <a:lvl8pPr marL="3429000" indent="-228600" eaLnBrk="0" fontAlgn="base" hangingPunct="0">
+              <a:spcBef>
+                <a:spcPct val="0"/>
+              </a:spcBef>
+              <a:spcAft>
+                <a:spcPct val="0"/>
+              </a:spcAft>
+              <a:defRPr sz="2400">
+                <a:solidFill>
+                  <a:schemeClr val="tx1"/>
+                </a:solidFill>
+                <a:latin typeface="Trebuchet MS" charset="0"/>
+                <a:ea typeface="ＭＳ Ｐゴシック" charset="0"/>
+              </a:defRPr>
+            </a:lvl8pPr>
+            <a:lvl9pPr marL="3886200" indent="-228600" eaLnBrk="0" fontAlgn="base" hangingPunct="0">
+              <a:spcBef>
+                <a:spcPct val="0"/>
+              </a:spcBef>
+              <a:spcAft>
+                <a:spcPct val="0"/>
+              </a:spcAft>
+              <a:defRPr sz="2400">
+                <a:solidFill>
+                  <a:schemeClr val="tx1"/>
+                </a:solidFill>
+                <a:latin typeface="Trebuchet MS" charset="0"/>
+                <a:ea typeface="ＭＳ Ｐゴシック" charset="0"/>
+              </a:defRPr>
+            </a:lvl9pPr>
+          </a:lstStyle>
+          <a:p>
+            <a:pPr algn="ctr">
+              <a:lnSpc>
+                <a:spcPct val="80000"/>
+              </a:lnSpc>
+              <a:spcBef>
+                <a:spcPct val="20000"/>
+              </a:spcBef>
+              <a:buFont typeface="Arial" charset="0"/>
+              <a:buNone/>
+            </a:pPr>
+            <a:r>
+              <a:rPr lang="en-US" sz="2800" b="1" dirty="0" smtClean="0">
+                <a:solidFill>
+                  <a:schemeClr val="accent6"/>
+                </a:solidFill>
+                <a:ea typeface="ヒラギノ角ゴ Pro W3" charset="0"/>
+                <a:cs typeface="ヒラギノ角ゴ Pro W3" charset="0"/>
+              </a:rPr>
+              <a:t>Tim Poulsen </a:t>
+            </a:r>
+            <a:endParaRPr lang="en-US" sz="2800" b="1" dirty="0">
+              <a:solidFill>
+                <a:schemeClr val="accent6"/>
+              </a:solidFill>
+              <a:ea typeface="ヒラギノ角ゴ Pro W3" charset="0"/>
+              <a:cs typeface="ヒラギノ角ゴ Pro W3" charset="0"/>
+            </a:endParaRPr>
+          </a:p>
+          <a:p>
+            <a:pPr algn="ctr">
+              <a:lnSpc>
+                <a:spcPct val="80000"/>
+              </a:lnSpc>
+              <a:spcBef>
+                <a:spcPct val="20000"/>
+              </a:spcBef>
+              <a:buFont typeface="Arial" charset="0"/>
+              <a:buNone/>
+            </a:pPr>
+            <a:r>
+              <a:rPr lang="en-US" sz="1800" dirty="0" smtClean="0">
+                <a:solidFill>
+                  <a:schemeClr val="accent6"/>
+                </a:solidFill>
+                <a:ea typeface="ヒラギノ角ゴ Pro W3" charset="0"/>
+                <a:cs typeface="ヒラギノ角ゴ Pro W3" charset="0"/>
+              </a:rPr>
+              <a:t>Trainer &amp; Curriculum Developer, Appcelerator</a:t>
+            </a:r>
+            <a:r>
+              <a:rPr lang="en-US" sz="1800" dirty="0">
+                <a:solidFill>
+                  <a:schemeClr val="accent6"/>
+                </a:solidFill>
+                <a:ea typeface="ヒラギノ角ゴ Pro W3" charset="0"/>
+                <a:cs typeface="ヒラギノ角ゴ Pro W3" charset="0"/>
+              </a:rPr>
+              <a:t>, Inc</a:t>
+            </a:r>
+            <a:r>
+              <a:rPr lang="en-US" sz="1800" dirty="0" smtClean="0">
+                <a:solidFill>
+                  <a:schemeClr val="accent6"/>
+                </a:solidFill>
+                <a:ea typeface="ヒラギノ角ゴ Pro W3" charset="0"/>
+                <a:cs typeface="ヒラギノ角ゴ Pro W3" charset="0"/>
+              </a:rPr>
+              <a:t>.</a:t>
+            </a:r>
+          </a:p>
+          <a:p>
+            <a:pPr algn="ctr">
+              <a:lnSpc>
+                <a:spcPct val="80000"/>
+              </a:lnSpc>
+              <a:spcBef>
+                <a:spcPct val="20000"/>
+              </a:spcBef>
+              <a:buFont typeface="Arial" charset="0"/>
+              <a:buNone/>
+            </a:pPr>
+            <a:r>
+              <a:rPr lang="en-US" sz="1800" dirty="0" smtClean="0">
+                <a:solidFill>
+                  <a:srgbClr val="800002"/>
+                </a:solidFill>
+                <a:ea typeface="ヒラギノ角ゴ Pro W3" charset="0"/>
+                <a:cs typeface="ヒラギノ角ゴ Pro W3" charset="0"/>
+              </a:rPr>
+              <a:t>tpoulsen@appcelerator.com</a:t>
+            </a:r>
+          </a:p>
+          <a:p>
+            <a:pPr algn="ctr">
+              <a:lnSpc>
+                <a:spcPct val="80000"/>
+              </a:lnSpc>
+              <a:spcBef>
+                <a:spcPct val="20000"/>
+              </a:spcBef>
+              <a:buFont typeface="Arial" charset="0"/>
+              <a:buNone/>
+            </a:pPr>
+            <a:r>
+              <a:rPr lang="en-US" sz="1800" dirty="0" smtClean="0">
+                <a:solidFill>
+                  <a:srgbClr val="800002"/>
+                </a:solidFill>
+                <a:ea typeface="ヒラギノ角ゴ Pro W3" charset="0"/>
+                <a:cs typeface="ヒラギノ角ゴ Pro W3" charset="0"/>
+              </a:rPr>
+              <a:t>@</a:t>
+            </a:r>
+            <a:r>
+              <a:rPr lang="en-US" sz="1800" dirty="0" err="1" smtClean="0">
+                <a:solidFill>
+                  <a:srgbClr val="800002"/>
+                </a:solidFill>
+                <a:ea typeface="ヒラギノ角ゴ Pro W3" charset="0"/>
+                <a:cs typeface="ヒラギノ角ゴ Pro W3" charset="0"/>
+              </a:rPr>
+              <a:t>skypanther</a:t>
+            </a:r>
+            <a:endParaRPr lang="en-US" sz="1800" dirty="0">
+              <a:solidFill>
+                <a:srgbClr val="800002"/>
+              </a:solidFill>
+              <a:ea typeface="ヒラギノ角ゴ Pro W3" charset="0"/>
+              <a:cs typeface="ヒラギノ角ゴ Pro W3" charset="0"/>
+            </a:endParaRPr>
+          </a:p>
+          <a:p>
+            <a:pPr>
+              <a:lnSpc>
+                <a:spcPct val="80000"/>
+              </a:lnSpc>
+              <a:spcBef>
+                <a:spcPct val="20000"/>
+              </a:spcBef>
+              <a:buFont typeface="Arial" charset="0"/>
+              <a:buNone/>
+            </a:pPr>
+            <a:endParaRPr lang="en-US" sz="1400" dirty="0">
+              <a:solidFill>
+                <a:schemeClr val="accent6"/>
+              </a:solidFill>
+              <a:ea typeface="ヒラギノ角ゴ Pro W3" charset="0"/>
+              <a:cs typeface="ヒラギノ角ゴ Pro W3" charset="0"/>
+            </a:endParaRPr>
+          </a:p>
+          <a:p>
+            <a:pPr>
+              <a:lnSpc>
+                <a:spcPct val="80000"/>
+              </a:lnSpc>
+              <a:spcBef>
+                <a:spcPct val="20000"/>
+              </a:spcBef>
+              <a:buFont typeface="Arial" charset="0"/>
+              <a:buNone/>
+            </a:pPr>
+            <a:r>
+              <a:rPr lang="en-US" sz="1400" dirty="0" smtClean="0">
+                <a:solidFill>
+                  <a:schemeClr val="accent6"/>
+                </a:solidFill>
+                <a:ea typeface="ヒラギノ角ゴ Pro W3" charset="0"/>
+                <a:cs typeface="ヒラギノ角ゴ Pro W3" charset="0"/>
+              </a:rPr>
+              <a:t> </a:t>
+            </a:r>
+            <a:endParaRPr lang="en-US" sz="1400" dirty="0">
+              <a:solidFill>
+                <a:schemeClr val="accent6"/>
+              </a:solidFill>
+              <a:ea typeface="ヒラギノ角ゴ Pro W3" charset="0"/>
+              <a:cs typeface="ヒラギノ角ゴ Pro W3" charset="0"/>
+            </a:endParaRPr>
+          </a:p>
+        </p:txBody>
+      </p:sp>
+    </p:spTree>
+    <p:extLst>
+      <p:ext uri="{BB962C8B-B14F-4D97-AF65-F5344CB8AC3E}">
+        <p14:creationId xmlns:p14="http://schemas.microsoft.com/office/powerpoint/2010/main" val="1598613307"/>
+      </p:ext>
+    </p:extLst>
+  </p:cSld>
+  <p:clrMapOvr>
+    <a:masterClrMapping/>
+  </p:clrMapOvr>
+</p:sld>
+</file>
+
+<file path=ppt/slides/slide2.xml><?xml version="1.0" encoding="utf-8"?>
+<p:sld xmlns:a="http://schemas.openxmlformats.org/drawingml/2006/main" xmlns:r="http://schemas.openxmlformats.org/officeDocument/2006/relationships" xmlns:p="http://schemas.openxmlformats.org/presentationml/2006/main">
+  <p:cSld>
+    <p:spTree>
+      <p:nvGrpSpPr>
+        <p:cNvPr id="1" name=""/>
+        <p:cNvGrpSpPr/>
+        <p:nvPr/>
+      </p:nvGrpSpPr>
+      <p:grpSpPr>
+        <a:xfrm>
+          <a:off x="0" y="0"/>
+          <a:ext cx="0" cy="0"/>
+          <a:chOff x="0" y="0"/>
+          <a:chExt cx="0" cy="0"/>
+        </a:xfrm>
+      </p:grpSpPr>
+      <p:sp>
+        <p:nvSpPr>
+          <p:cNvPr id="2" name="Title 1"/>
+          <p:cNvSpPr>
+            <a:spLocks noGrp="1"/>
+          </p:cNvSpPr>
+          <p:nvPr>
+            <p:ph type="title"/>
+          </p:nvPr>
+        </p:nvSpPr>
+        <p:spPr/>
+        <p:txBody>
+          <a:bodyPr/>
+          <a:lstStyle/>
+          <a:p>
+            <a:r>
+              <a:rPr lang="en-US" sz="3000" dirty="0" smtClean="0"/>
+              <a:t>Titanium helps developers build apps that…</a:t>
+            </a:r>
+            <a:endParaRPr lang="en-US" sz="3000" dirty="0"/>
+          </a:p>
+        </p:txBody>
+      </p:sp>
+      <p:sp>
+        <p:nvSpPr>
+          <p:cNvPr id="3" name="Content Placeholder 2"/>
+          <p:cNvSpPr>
+            <a:spLocks noGrp="1"/>
+          </p:cNvSpPr>
+          <p:nvPr>
+            <p:ph idx="1"/>
+          </p:nvPr>
+        </p:nvSpPr>
+        <p:spPr/>
+        <p:txBody>
+          <a:bodyPr/>
+          <a:lstStyle/>
+          <a:p>
+            <a:r>
+              <a:rPr lang="en-US" dirty="0" smtClean="0"/>
+              <a:t>Run cross-platform</a:t>
+            </a:r>
+          </a:p>
+          <a:p>
+            <a:endParaRPr lang="en-US" dirty="0"/>
+          </a:p>
+          <a:p>
+            <a:r>
+              <a:rPr lang="en-US" dirty="0"/>
+              <a:t>Look, feel, and perform native</a:t>
+            </a:r>
+          </a:p>
+          <a:p>
+            <a:endParaRPr lang="en-US" dirty="0" smtClean="0"/>
+          </a:p>
+          <a:p>
+            <a:r>
+              <a:rPr lang="en-US" dirty="0" smtClean="0"/>
+              <a:t>Leverage common skill sets</a:t>
+            </a:r>
+          </a:p>
+          <a:p>
+            <a:endParaRPr lang="en-US" dirty="0"/>
+          </a:p>
+          <a:p>
+            <a:r>
+              <a:rPr lang="en-US" dirty="0" smtClean="0"/>
+              <a:t>Fit well in the native app ecosystem</a:t>
+            </a:r>
+          </a:p>
+          <a:p>
+            <a:endParaRPr lang="en-US" dirty="0"/>
+          </a:p>
+        </p:txBody>
+      </p:sp>
+      <p:pic>
+        <p:nvPicPr>
+          <p:cNvPr id="4" name="Picture 2"/>
+          <p:cNvPicPr>
+            <a:picLocks noChangeAspect="1"/>
+          </p:cNvPicPr>
+          <p:nvPr/>
+        </p:nvPicPr>
+        <p:blipFill>
+          <a:blip r:embed="rId3">
+            <a:extLst>
+              <a:ext uri="{28A0092B-C50C-407E-A947-70E740481C1C}">
+                <a14:useLocalDpi xmlns:a14="http://schemas.microsoft.com/office/drawing/2010/main" val="0"/>
+              </a:ext>
+            </a:extLst>
+          </a:blip>
+          <a:srcRect/>
+          <a:stretch>
+            <a:fillRect/>
+          </a:stretch>
+        </p:blipFill>
+        <p:spPr bwMode="auto">
+          <a:xfrm>
+            <a:off x="5131803" y="1553064"/>
+            <a:ext cx="3746500" cy="2540000"/>
+          </a:xfrm>
+          <a:prstGeom prst="rect">
+            <a:avLst/>
+          </a:prstGeom>
+          <a:noFill/>
+          <a:ln>
+            <a:noFill/>
+          </a:ln>
+          <a:extLst>
+            <a:ext uri="{909E8E84-426E-40dd-AFC4-6F175D3DCCD1}">
+              <a14:hiddenFill xmlns:a14="http://schemas.microsoft.com/office/drawing/2010/main">
+                <a:solidFill>
+                  <a:srgbClr val="FFFFFF"/>
+                </a:solidFill>
+              </a14:hiddenFill>
+            </a:ext>
+            <a:ext uri="{91240B29-F687-4f45-9708-019B960494DF}">
+              <a14:hiddenLine xmlns:a14="http://schemas.microsoft.com/office/drawing/2010/main" w="9525">
+                <a:solidFill>
+                  <a:srgbClr val="000000"/>
+                </a:solidFill>
+                <a:miter lim="800000"/>
+                <a:headEnd/>
+                <a:tailEnd/>
+              </a14:hiddenLine>
+            </a:ext>
+          </a:extLst>
+        </p:spPr>
+      </p:pic>
+    </p:spTree>
+    <p:extLst>
+      <p:ext uri="{BB962C8B-B14F-4D97-AF65-F5344CB8AC3E}">
+        <p14:creationId xmlns:p14="http://schemas.microsoft.com/office/powerpoint/2010/main" val="3726847747"/>
+      </p:ext>
+    </p:extLst>
+  </p:cSld>
+  <p:clrMapOvr>
+    <a:masterClrMapping/>
+  </p:clrMapOvr>
+  <p:timing>
+    <p:tnLst>
+      <p:par>
+        <p:cTn xmlns:p14="http://schemas.microsoft.com/office/powerpoint/2010/main" id="1" dur="indefinite" restart="never" nodeType="tmRoot"/>
+      </p:par>
+    </p:tnLst>
+  </p:timing>
+</p:sld>
+</file>
+
+<file path=ppt/slides/slide3.xml><?xml version="1.0" encoding="utf-8"?>
+<p:sld xmlns:a="http://schemas.openxmlformats.org/drawingml/2006/main" xmlns:r="http://schemas.openxmlformats.org/officeDocument/2006/relationships" xmlns:p="http://schemas.openxmlformats.org/presentationml/2006/main">
+  <p:cSld>
+    <p:spTree>
+      <p:nvGrpSpPr>
+        <p:cNvPr id="1" name=""/>
+        <p:cNvGrpSpPr/>
+        <p:nvPr/>
+      </p:nvGrpSpPr>
+      <p:grpSpPr>
+        <a:xfrm>
+          <a:off x="0" y="0"/>
+          <a:ext cx="0" cy="0"/>
+          <a:chOff x="0" y="0"/>
+          <a:chExt cx="0" cy="0"/>
+        </a:xfrm>
+      </p:grpSpPr>
+      <p:sp>
+        <p:nvSpPr>
+          <p:cNvPr id="2" name="Title 1"/>
+          <p:cNvSpPr>
+            <a:spLocks noGrp="1"/>
+          </p:cNvSpPr>
+          <p:nvPr>
+            <p:ph type="title"/>
+          </p:nvPr>
+        </p:nvSpPr>
+        <p:spPr/>
+        <p:txBody>
+          <a:bodyPr/>
+          <a:lstStyle/>
+          <a:p>
+            <a:r>
+              <a:rPr lang="en-US" dirty="0" smtClean="0"/>
+              <a:t>Titanium is…</a:t>
+            </a:r>
+            <a:endParaRPr lang="en-US" dirty="0"/>
+          </a:p>
+        </p:txBody>
+      </p:sp>
+      <p:sp>
+        <p:nvSpPr>
+          <p:cNvPr id="3" name="Content Placeholder 2"/>
+          <p:cNvSpPr>
+            <a:spLocks noGrp="1"/>
+          </p:cNvSpPr>
+          <p:nvPr>
+            <p:ph idx="1"/>
+          </p:nvPr>
+        </p:nvSpPr>
+        <p:spPr/>
+        <p:txBody>
+          <a:bodyPr/>
+          <a:lstStyle/>
+          <a:p>
+            <a:r>
+              <a:rPr lang="en-US" dirty="0" smtClean="0"/>
+              <a:t>A JavaScript-based framework</a:t>
+            </a:r>
+          </a:p>
+          <a:p>
+            <a:endParaRPr lang="en-US" dirty="0"/>
+          </a:p>
+          <a:p>
+            <a:r>
+              <a:rPr lang="en-US" dirty="0" smtClean="0"/>
+              <a:t>With access to native OS and hardware features</a:t>
+            </a:r>
+          </a:p>
+          <a:p>
+            <a:endParaRPr lang="en-US" dirty="0"/>
+          </a:p>
+          <a:p>
+            <a:r>
+              <a:rPr lang="en-US" dirty="0" smtClean="0"/>
+              <a:t>Modular and extensible</a:t>
+            </a:r>
+          </a:p>
+          <a:p>
+            <a:endParaRPr lang="en-US" dirty="0"/>
+          </a:p>
+          <a:p>
+            <a:r>
+              <a:rPr lang="en-US" dirty="0" smtClean="0"/>
+              <a:t>Free</a:t>
+            </a:r>
+            <a:endParaRPr lang="en-US" dirty="0"/>
+          </a:p>
+        </p:txBody>
+      </p:sp>
+    </p:spTree>
+    <p:extLst>
+      <p:ext uri="{BB962C8B-B14F-4D97-AF65-F5344CB8AC3E}">
+        <p14:creationId xmlns:p14="http://schemas.microsoft.com/office/powerpoint/2010/main" val="2049891220"/>
+      </p:ext>
+    </p:extLst>
+  </p:cSld>
+  <p:clrMapOvr>
+    <a:masterClrMapping/>
+  </p:clrMapOvr>
+  <p:timing>
+    <p:tnLst>
+      <p:par>
+        <p:cTn xmlns:p14="http://schemas.microsoft.com/office/powerpoint/2010/main" id="1" dur="indefinite" restart="never" nodeType="tmRoot"/>
+      </p:par>
+    </p:tnLst>
+  </p:timing>
+</p:sld>
+</file>
+
+<file path=ppt/slides/slide4.xml><?xml version="1.0" encoding="utf-8"?>
+<p:sld xmlns:a="http://schemas.openxmlformats.org/drawingml/2006/main" xmlns:r="http://schemas.openxmlformats.org/officeDocument/2006/relationships" xmlns:p="http://schemas.openxmlformats.org/presentationml/2006/main">
+  <p:cSld>
+    <p:spTree>
+      <p:nvGrpSpPr>
+        <p:cNvPr id="1" name=""/>
+        <p:cNvGrpSpPr/>
+        <p:nvPr/>
+      </p:nvGrpSpPr>
+      <p:grpSpPr>
+        <a:xfrm>
+          <a:off x="0" y="0"/>
+          <a:ext cx="0" cy="0"/>
+          <a:chOff x="0" y="0"/>
+          <a:chExt cx="0" cy="0"/>
+        </a:xfrm>
+      </p:grpSpPr>
+      <p:pic>
+        <p:nvPicPr>
+          <p:cNvPr id="7" name="Picture 6"/>
+          <p:cNvPicPr>
+            <a:picLocks noChangeAspect="1"/>
+          </p:cNvPicPr>
+          <p:nvPr/>
+        </p:nvPicPr>
+        <p:blipFill>
+          <a:blip r:embed="rId3"/>
+          <a:stretch>
+            <a:fillRect/>
+          </a:stretch>
+        </p:blipFill>
+        <p:spPr>
+          <a:xfrm rot="174399">
+            <a:off x="4186320" y="1577473"/>
+            <a:ext cx="4472116" cy="4573337"/>
+          </a:xfrm>
+          <a:prstGeom prst="rect">
+            <a:avLst/>
+          </a:prstGeom>
+        </p:spPr>
+      </p:pic>
+      <p:pic>
+        <p:nvPicPr>
+          <p:cNvPr id="11" name="Picture 10" descr="blackberry.png"/>
+          <p:cNvPicPr>
+            <a:picLocks noChangeAspect="1"/>
+          </p:cNvPicPr>
+          <p:nvPr/>
+        </p:nvPicPr>
+        <p:blipFill>
+          <a:blip r:embed="rId4">
+            <a:extLst>
+              <a:ext uri="{28A0092B-C50C-407E-A947-70E740481C1C}">
+                <a14:useLocalDpi xmlns:a14="http://schemas.microsoft.com/office/drawing/2010/main" val="0"/>
+              </a:ext>
+            </a:extLst>
+          </a:blip>
+          <a:stretch>
+            <a:fillRect/>
+          </a:stretch>
+        </p:blipFill>
+        <p:spPr>
+          <a:xfrm rot="21203771">
+            <a:off x="1005454" y="3533081"/>
+            <a:ext cx="1813613" cy="2641184"/>
+          </a:xfrm>
+          <a:prstGeom prst="rect">
+            <a:avLst/>
+          </a:prstGeom>
+        </p:spPr>
+      </p:pic>
+      <p:pic>
+        <p:nvPicPr>
+          <p:cNvPr id="9" name="Picture 8"/>
+          <p:cNvPicPr>
+            <a:picLocks noChangeAspect="1"/>
+          </p:cNvPicPr>
+          <p:nvPr/>
+        </p:nvPicPr>
+        <p:blipFill rotWithShape="1">
+          <a:blip r:embed="rId5"/>
+          <a:srcRect t="16945" b="16222"/>
+          <a:stretch/>
+        </p:blipFill>
+        <p:spPr>
+          <a:xfrm rot="353001">
+            <a:off x="1136717" y="1765871"/>
+            <a:ext cx="3217207" cy="2150179"/>
+          </a:xfrm>
+          <a:prstGeom prst="rect">
+            <a:avLst/>
+          </a:prstGeom>
+        </p:spPr>
+      </p:pic>
+      <p:sp>
+        <p:nvSpPr>
+          <p:cNvPr id="2" name="Title 1"/>
+          <p:cNvSpPr>
+            <a:spLocks noGrp="1"/>
+          </p:cNvSpPr>
+          <p:nvPr>
+            <p:ph type="title"/>
+          </p:nvPr>
+        </p:nvSpPr>
+        <p:spPr/>
+        <p:txBody>
+          <a:bodyPr/>
+          <a:lstStyle/>
+          <a:p>
+            <a:r>
+              <a:rPr lang="en-US" dirty="0" smtClean="0"/>
+              <a:t>Titanium is cross platform</a:t>
+            </a:r>
+            <a:endParaRPr lang="en-US" dirty="0"/>
+          </a:p>
+        </p:txBody>
+      </p:sp>
+      <p:pic>
+        <p:nvPicPr>
+          <p:cNvPr id="10" name="Picture 9" descr="droid.png"/>
+          <p:cNvPicPr>
+            <a:picLocks noChangeAspect="1"/>
+          </p:cNvPicPr>
+          <p:nvPr/>
+        </p:nvPicPr>
+        <p:blipFill>
+          <a:blip r:embed="rId6">
+            <a:extLst>
+              <a:ext uri="{28A0092B-C50C-407E-A947-70E740481C1C}">
+                <a14:useLocalDpi xmlns:a14="http://schemas.microsoft.com/office/drawing/2010/main" val="0"/>
+              </a:ext>
+            </a:extLst>
+          </a:blip>
+          <a:stretch>
+            <a:fillRect/>
+          </a:stretch>
+        </p:blipFill>
+        <p:spPr>
+          <a:xfrm rot="21144931">
+            <a:off x="2733900" y="3246768"/>
+            <a:ext cx="1385766" cy="2378997"/>
+          </a:xfrm>
+          <a:prstGeom prst="rect">
+            <a:avLst/>
+          </a:prstGeom>
+        </p:spPr>
+      </p:pic>
+    </p:spTree>
+    <p:extLst>
+      <p:ext uri="{BB962C8B-B14F-4D97-AF65-F5344CB8AC3E}">
+        <p14:creationId xmlns:p14="http://schemas.microsoft.com/office/powerpoint/2010/main" val="2984514641"/>
+      </p:ext>
+    </p:extLst>
+  </p:cSld>
+  <p:clrMapOvr>
+    <a:masterClrMapping/>
+  </p:clrMapOvr>
+  <p:timing>
+    <p:tnLst>
+      <p:par>
+        <p:cTn xmlns:p14="http://schemas.microsoft.com/office/powerpoint/2010/main" id="1" dur="indefinite" restart="never" nodeType="tmRoot"/>
+      </p:par>
+    </p:tnLst>
+  </p:timing>
+</p:sld>
+</file>
+
+<file path=ppt/slides/slide5.xml><?xml version="1.0" encoding="utf-8"?>
+<p:sld xmlns:a="http://schemas.openxmlformats.org/drawingml/2006/main" xmlns:r="http://schemas.openxmlformats.org/officeDocument/2006/relationships" xmlns:p="http://schemas.openxmlformats.org/presentationml/2006/main">
+  <p:cSld>
+    <p:spTree>
+      <p:nvGrpSpPr>
+        <p:cNvPr id="1" name=""/>
+        <p:cNvGrpSpPr/>
+        <p:nvPr/>
+      </p:nvGrpSpPr>
+      <p:grpSpPr>
+        <a:xfrm>
+          <a:off x="0" y="0"/>
+          <a:ext cx="0" cy="0"/>
+          <a:chOff x="0" y="0"/>
+          <a:chExt cx="0" cy="0"/>
+        </a:xfrm>
+      </p:grpSpPr>
+      <p:sp>
+        <p:nvSpPr>
+          <p:cNvPr id="2" name="Title 1"/>
+          <p:cNvSpPr>
+            <a:spLocks noGrp="1"/>
+          </p:cNvSpPr>
+          <p:nvPr>
+            <p:ph type="title"/>
+          </p:nvPr>
+        </p:nvSpPr>
+        <p:spPr/>
+        <p:txBody>
+          <a:bodyPr/>
+          <a:lstStyle/>
+          <a:p>
+            <a:r>
+              <a:rPr lang="en-US" dirty="0" smtClean="0"/>
+              <a:t>Look, feel, and perform native</a:t>
+            </a:r>
+            <a:endParaRPr lang="en-US" dirty="0"/>
+          </a:p>
+        </p:txBody>
+      </p:sp>
+      <p:sp>
+        <p:nvSpPr>
+          <p:cNvPr id="3" name="Content Placeholder 2"/>
+          <p:cNvSpPr>
+            <a:spLocks noGrp="1"/>
+          </p:cNvSpPr>
+          <p:nvPr>
+            <p:ph idx="1"/>
+          </p:nvPr>
+        </p:nvSpPr>
+        <p:spPr/>
+        <p:txBody>
+          <a:bodyPr/>
+          <a:lstStyle/>
+          <a:p>
+            <a:r>
+              <a:rPr lang="en-US" dirty="0" smtClean="0"/>
+              <a:t>Access to native controls</a:t>
+            </a:r>
+          </a:p>
+          <a:p>
+            <a:endParaRPr lang="en-US" dirty="0"/>
+          </a:p>
+          <a:p>
+            <a:r>
+              <a:rPr lang="en-US" dirty="0" smtClean="0"/>
+              <a:t>Menus, hardware buttons, notifications, services</a:t>
+            </a:r>
+          </a:p>
+          <a:p>
+            <a:endParaRPr lang="en-US" dirty="0"/>
+          </a:p>
+          <a:p>
+            <a:r>
+              <a:rPr lang="en-US" dirty="0" smtClean="0"/>
+              <a:t>Hardware – GPS, camera, accelerometer, etc.</a:t>
+            </a:r>
+          </a:p>
+          <a:p>
+            <a:endParaRPr lang="en-US" dirty="0"/>
+          </a:p>
+          <a:p>
+            <a:r>
+              <a:rPr lang="en-US" dirty="0" smtClean="0"/>
+              <a:t>Networking – </a:t>
+            </a:r>
+            <a:r>
+              <a:rPr lang="en-US" dirty="0" err="1" smtClean="0"/>
+              <a:t>HTTPclient</a:t>
+            </a:r>
+            <a:r>
+              <a:rPr lang="en-US" dirty="0" smtClean="0"/>
+              <a:t>, sockets, Bonjour</a:t>
+            </a:r>
+            <a:endParaRPr lang="en-US" dirty="0"/>
+          </a:p>
+        </p:txBody>
+      </p:sp>
+    </p:spTree>
+    <p:extLst>
+      <p:ext uri="{BB962C8B-B14F-4D97-AF65-F5344CB8AC3E}">
+        <p14:creationId xmlns:p14="http://schemas.microsoft.com/office/powerpoint/2010/main" val="2183933460"/>
+      </p:ext>
+    </p:extLst>
+  </p:cSld>
+  <p:clrMapOvr>
+    <a:masterClrMapping/>
+  </p:clrMapOvr>
+  <p:timing>
+    <p:tnLst>
+      <p:par>
+        <p:cTn xmlns:p14="http://schemas.microsoft.com/office/powerpoint/2010/main" id="1" dur="indefinite" restart="never" nodeType="tmRoot"/>
+      </p:par>
+    </p:tnLst>
+  </p:timing>
+</p:sld>
+</file>
+
+<file path=ppt/slides/slide6.xml><?xml version="1.0" encoding="utf-8"?>
+<p:sld xmlns:a="http://schemas.openxmlformats.org/drawingml/2006/main" xmlns:r="http://schemas.openxmlformats.org/officeDocument/2006/relationships" xmlns:p="http://schemas.openxmlformats.org/presentationml/2006/main">
+  <p:cSld>
+    <p:spTree>
+      <p:nvGrpSpPr>
+        <p:cNvPr id="1" name=""/>
+        <p:cNvGrpSpPr/>
+        <p:nvPr/>
+      </p:nvGrpSpPr>
+      <p:grpSpPr>
+        <a:xfrm>
+          <a:off x="0" y="0"/>
+          <a:ext cx="0" cy="0"/>
+          <a:chOff x="0" y="0"/>
+          <a:chExt cx="0" cy="0"/>
+        </a:xfrm>
+      </p:grpSpPr>
+      <p:sp>
+        <p:nvSpPr>
+          <p:cNvPr id="2" name="Title 1"/>
+          <p:cNvSpPr>
+            <a:spLocks noGrp="1"/>
+          </p:cNvSpPr>
+          <p:nvPr>
+            <p:ph type="title"/>
+          </p:nvPr>
+        </p:nvSpPr>
+        <p:spPr/>
+        <p:txBody>
+          <a:bodyPr/>
+          <a:lstStyle/>
+          <a:p>
+            <a:r>
+              <a:rPr lang="en-US" dirty="0" smtClean="0"/>
+              <a:t>Titanium exposes native controls</a:t>
+            </a:r>
+            <a:endParaRPr lang="en-US" dirty="0"/>
+          </a:p>
+        </p:txBody>
+      </p:sp>
+      <p:pic>
+        <p:nvPicPr>
+          <p:cNvPr id="5" name="Picture 4" descr="Screen shot 2011-10-27 at 1.38.14 PM.png"/>
+          <p:cNvPicPr>
+            <a:picLocks noChangeAspect="1"/>
+          </p:cNvPicPr>
+          <p:nvPr/>
+        </p:nvPicPr>
+        <p:blipFill>
+          <a:blip r:embed="rId3">
+            <a:extLst>
+              <a:ext uri="{28A0092B-C50C-407E-A947-70E740481C1C}">
+                <a14:useLocalDpi xmlns:a14="http://schemas.microsoft.com/office/drawing/2010/main" val="0"/>
+              </a:ext>
+            </a:extLst>
+          </a:blip>
+          <a:stretch>
+            <a:fillRect/>
+          </a:stretch>
+        </p:blipFill>
+        <p:spPr>
+          <a:xfrm>
+            <a:off x="4391202" y="1376947"/>
+            <a:ext cx="2775026" cy="5213684"/>
+          </a:xfrm>
+          <a:prstGeom prst="rect">
+            <a:avLst/>
+          </a:prstGeom>
+        </p:spPr>
+      </p:pic>
+      <p:pic>
+        <p:nvPicPr>
+          <p:cNvPr id="6" name="Picture 5" descr="Screen shot 2011-10-27 at 1.39.48 PM.png"/>
+          <p:cNvPicPr>
+            <a:picLocks noChangeAspect="1"/>
+          </p:cNvPicPr>
+          <p:nvPr/>
+        </p:nvPicPr>
+        <p:blipFill>
+          <a:blip r:embed="rId4">
+            <a:extLst>
+              <a:ext uri="{28A0092B-C50C-407E-A947-70E740481C1C}">
+                <a14:useLocalDpi xmlns:a14="http://schemas.microsoft.com/office/drawing/2010/main" val="0"/>
+              </a:ext>
+            </a:extLst>
+          </a:blip>
+          <a:stretch>
+            <a:fillRect/>
+          </a:stretch>
+        </p:blipFill>
+        <p:spPr>
+          <a:xfrm>
+            <a:off x="1704150" y="1376947"/>
+            <a:ext cx="2775026" cy="5213684"/>
+          </a:xfrm>
+          <a:prstGeom prst="rect">
+            <a:avLst/>
+          </a:prstGeom>
+        </p:spPr>
+      </p:pic>
+      <p:sp>
+        <p:nvSpPr>
+          <p:cNvPr id="7" name="Up Ribbon 6"/>
+          <p:cNvSpPr/>
+          <p:nvPr/>
+        </p:nvSpPr>
+        <p:spPr>
+          <a:xfrm rot="20755733">
+            <a:off x="721894" y="1711158"/>
+            <a:ext cx="2272632" cy="628316"/>
+          </a:xfrm>
+          <a:prstGeom prst="ribbon2">
+            <a:avLst/>
+          </a:prstGeom>
+        </p:spPr>
+        <p:style>
+          <a:lnRef idx="1">
+            <a:schemeClr val="accent1"/>
+          </a:lnRef>
+          <a:fillRef idx="3">
+            <a:schemeClr val="accent1"/>
+          </a:fillRef>
+          <a:effectRef idx="2">
+            <a:schemeClr val="accent1"/>
+          </a:effectRef>
+          <a:fontRef idx="minor">
+            <a:schemeClr val="lt1"/>
+          </a:fontRef>
+        </p:style>
+        <p:txBody>
+          <a:bodyPr rtlCol="0" anchor="ctr"/>
+          <a:lstStyle/>
+          <a:p>
+            <a:pPr algn="ctr"/>
+            <a:r>
+              <a:rPr lang="en-US" sz="1800" dirty="0" smtClean="0">
+                <a:solidFill>
+                  <a:srgbClr val="000000"/>
+                </a:solidFill>
+              </a:rPr>
+              <a:t>Titanium</a:t>
+            </a:r>
+            <a:endParaRPr lang="en-US" dirty="0">
+              <a:solidFill>
+                <a:srgbClr val="000000"/>
+              </a:solidFill>
+            </a:endParaRPr>
+          </a:p>
+        </p:txBody>
+      </p:sp>
+      <p:sp>
+        <p:nvSpPr>
+          <p:cNvPr id="8" name="Rectangle 7"/>
+          <p:cNvSpPr/>
+          <p:nvPr/>
+        </p:nvSpPr>
+        <p:spPr>
+          <a:xfrm rot="709048">
+            <a:off x="6390107" y="2005264"/>
+            <a:ext cx="1336842" cy="441157"/>
+          </a:xfrm>
+          <a:prstGeom prst="rect">
+            <a:avLst/>
+          </a:prstGeom>
+          <a:solidFill>
+            <a:schemeClr val="accent1">
+              <a:lumMod val="75000"/>
+            </a:schemeClr>
+          </a:solidFill>
+        </p:spPr>
+        <p:style>
+          <a:lnRef idx="1">
+            <a:schemeClr val="accent1"/>
+          </a:lnRef>
+          <a:fillRef idx="3">
+            <a:schemeClr val="accent1"/>
+          </a:fillRef>
+          <a:effectRef idx="2">
+            <a:schemeClr val="accent1"/>
+          </a:effectRef>
+          <a:fontRef idx="minor">
+            <a:schemeClr val="lt1"/>
+          </a:fontRef>
+        </p:style>
+        <p:txBody>
+          <a:bodyPr rtlCol="0" anchor="ctr"/>
+          <a:lstStyle/>
+          <a:p>
+            <a:pPr algn="ctr"/>
+            <a:r>
+              <a:rPr lang="en-US" dirty="0" smtClean="0">
+                <a:solidFill>
+                  <a:srgbClr val="000000"/>
+                </a:solidFill>
+              </a:rPr>
+              <a:t>Not…</a:t>
+            </a:r>
+            <a:endParaRPr lang="en-US" dirty="0">
+              <a:solidFill>
+                <a:srgbClr val="000000"/>
+              </a:solidFill>
+            </a:endParaRPr>
+          </a:p>
+        </p:txBody>
+      </p:sp>
+    </p:spTree>
+    <p:extLst>
+      <p:ext uri="{BB962C8B-B14F-4D97-AF65-F5344CB8AC3E}">
+        <p14:creationId xmlns:p14="http://schemas.microsoft.com/office/powerpoint/2010/main" val="682122474"/>
+      </p:ext>
+    </p:extLst>
+  </p:cSld>
+  <p:clrMapOvr>
+    <a:masterClrMapping/>
+  </p:clrMapOvr>
+  <p:timing>
+    <p:tnLst>
+      <p:par>
+        <p:cTn xmlns:p14="http://schemas.microsoft.com/office/powerpoint/2010/main" id="1" dur="indefinite" restart="never" nodeType="tmRoot"/>
+      </p:par>
+    </p:tnLst>
+  </p:timing>
+</p:sld>
+</file>
+
+<file path=ppt/slides/slide7.xml><?xml version="1.0" encoding="utf-8"?>
+<p:sld xmlns:a="http://schemas.openxmlformats.org/drawingml/2006/main" xmlns:r="http://schemas.openxmlformats.org/officeDocument/2006/relationships" xmlns:p="http://schemas.openxmlformats.org/presentationml/2006/main">
+  <p:cSld>
+    <p:spTree>
+      <p:nvGrpSpPr>
+        <p:cNvPr id="1" name=""/>
+        <p:cNvGrpSpPr/>
+        <p:nvPr/>
+      </p:nvGrpSpPr>
+      <p:grpSpPr>
+        <a:xfrm>
+          <a:off x="0" y="0"/>
+          <a:ext cx="0" cy="0"/>
+          <a:chOff x="0" y="0"/>
+          <a:chExt cx="0" cy="0"/>
+        </a:xfrm>
+      </p:grpSpPr>
+      <p:sp>
+        <p:nvSpPr>
+          <p:cNvPr id="2" name="Title 1"/>
+          <p:cNvSpPr>
+            <a:spLocks noGrp="1"/>
+          </p:cNvSpPr>
+          <p:nvPr>
+            <p:ph type="title"/>
+          </p:nvPr>
+        </p:nvSpPr>
+        <p:spPr/>
+        <p:txBody>
+          <a:bodyPr/>
+          <a:lstStyle/>
+          <a:p>
+            <a:r>
+              <a:rPr lang="en-US" dirty="0" smtClean="0"/>
+              <a:t>Titanium is easier</a:t>
+            </a:r>
+            <a:endParaRPr lang="en-US" dirty="0"/>
+          </a:p>
+        </p:txBody>
+      </p:sp>
+      <p:sp>
+        <p:nvSpPr>
+          <p:cNvPr id="3" name="Content Placeholder 2"/>
+          <p:cNvSpPr>
+            <a:spLocks noGrp="1"/>
+          </p:cNvSpPr>
+          <p:nvPr>
+            <p:ph idx="1"/>
+          </p:nvPr>
+        </p:nvSpPr>
+        <p:spPr/>
+        <p:txBody>
+          <a:bodyPr/>
+          <a:lstStyle/>
+          <a:p>
+            <a:r>
+              <a:rPr lang="en-US" sz="2000" dirty="0">
+                <a:solidFill>
+                  <a:srgbClr val="008000"/>
+                </a:solidFill>
+                <a:highlight>
+                  <a:srgbClr val="E8F2FE"/>
+                </a:highlight>
+                <a:latin typeface="Monaco"/>
+              </a:rPr>
+              <a:t>// Objective-C</a:t>
+            </a:r>
+          </a:p>
+          <a:p>
+            <a:r>
+              <a:rPr lang="en-US" sz="2000" dirty="0" err="1">
+                <a:highlight>
+                  <a:srgbClr val="FFFFFF"/>
+                </a:highlight>
+                <a:latin typeface="Monaco"/>
+              </a:rPr>
+              <a:t>UIAlertView</a:t>
+            </a:r>
+            <a:r>
+              <a:rPr lang="en-US" sz="2000" dirty="0">
+                <a:highlight>
+                  <a:srgbClr val="FFFFFF"/>
+                </a:highlight>
+                <a:latin typeface="Monaco"/>
+              </a:rPr>
+              <a:t> </a:t>
+            </a:r>
+            <a:r>
+              <a:rPr lang="en-US" sz="2000" dirty="0">
+                <a:solidFill>
+                  <a:srgbClr val="5C5C5C"/>
+                </a:solidFill>
+                <a:highlight>
+                  <a:srgbClr val="FFFFFF"/>
+                </a:highlight>
+                <a:latin typeface="Monaco"/>
+              </a:rPr>
+              <a:t>*</a:t>
+            </a:r>
+            <a:r>
+              <a:rPr lang="en-US" sz="2000" dirty="0">
+                <a:highlight>
+                  <a:srgbClr val="FFFFFF"/>
+                </a:highlight>
+                <a:latin typeface="Monaco"/>
+              </a:rPr>
+              <a:t>alert </a:t>
+            </a:r>
+            <a:r>
+              <a:rPr lang="en-US" sz="2000" dirty="0">
+                <a:solidFill>
+                  <a:srgbClr val="5C5C5C"/>
+                </a:solidFill>
+                <a:highlight>
+                  <a:srgbClr val="FFFFFF"/>
+                </a:highlight>
+                <a:latin typeface="Monaco"/>
+              </a:rPr>
+              <a:t>= </a:t>
+            </a:r>
+            <a:r>
+              <a:rPr lang="en-US" sz="2000" dirty="0">
+                <a:highlight>
+                  <a:srgbClr val="FFFFFF"/>
+                </a:highlight>
+                <a:latin typeface="Monaco"/>
+              </a:rPr>
+              <a:t>[[</a:t>
+            </a:r>
+            <a:r>
+              <a:rPr lang="en-US" sz="2000" dirty="0" err="1">
+                <a:highlight>
+                  <a:srgbClr val="FFFFFF"/>
+                </a:highlight>
+                <a:latin typeface="Monaco"/>
+              </a:rPr>
+              <a:t>UIAlertView</a:t>
+            </a:r>
+            <a:r>
+              <a:rPr lang="en-US" sz="2000" dirty="0">
+                <a:highlight>
+                  <a:srgbClr val="FFFFFF"/>
+                </a:highlight>
+                <a:latin typeface="Monaco"/>
+              </a:rPr>
+              <a:t> </a:t>
+            </a:r>
+            <a:r>
+              <a:rPr lang="en-US" sz="2000" dirty="0" err="1">
+                <a:highlight>
+                  <a:srgbClr val="FFFFFF"/>
+                </a:highlight>
+                <a:latin typeface="Monaco"/>
+              </a:rPr>
+              <a:t>alloc</a:t>
+            </a:r>
+            <a:r>
+              <a:rPr lang="en-US" sz="2000" dirty="0">
+                <a:highlight>
+                  <a:srgbClr val="FFFFFF"/>
+                </a:highlight>
+                <a:latin typeface="Monaco"/>
+              </a:rPr>
+              <a:t>]</a:t>
+            </a:r>
+          </a:p>
+          <a:p>
+            <a:r>
+              <a:rPr lang="en-US" sz="2000" dirty="0">
+                <a:highlight>
+                  <a:srgbClr val="FFFFFF"/>
+                </a:highlight>
+                <a:latin typeface="Monaco"/>
+              </a:rPr>
+              <a:t>	</a:t>
+            </a:r>
+            <a:r>
+              <a:rPr lang="en-US" sz="2000" dirty="0" err="1">
+                <a:highlight>
+                  <a:srgbClr val="FFFFFF"/>
+                </a:highlight>
+                <a:latin typeface="Monaco"/>
+              </a:rPr>
+              <a:t>initWithTitle</a:t>
+            </a:r>
+            <a:r>
+              <a:rPr lang="en-US" sz="2000" dirty="0">
+                <a:highlight>
+                  <a:srgbClr val="FFFFFF"/>
+                </a:highlight>
+                <a:latin typeface="Monaco"/>
+              </a:rPr>
+              <a:t>:@</a:t>
+            </a:r>
+            <a:r>
+              <a:rPr lang="en-US" sz="2000" dirty="0">
+                <a:solidFill>
+                  <a:srgbClr val="005C00"/>
+                </a:solidFill>
+                <a:highlight>
+                  <a:srgbClr val="FFFFFF"/>
+                </a:highlight>
+                <a:latin typeface="Monaco"/>
+              </a:rPr>
+              <a:t>"Alert"</a:t>
+            </a:r>
+            <a:r>
+              <a:rPr lang="en-US" sz="2000" dirty="0">
+                <a:highlight>
+                  <a:srgbClr val="FFFFFF"/>
+                </a:highlight>
+                <a:latin typeface="Monaco"/>
+              </a:rPr>
+              <a:t> </a:t>
+            </a:r>
+          </a:p>
+          <a:p>
+            <a:r>
+              <a:rPr lang="en-US" sz="2000" dirty="0">
+                <a:highlight>
+                  <a:srgbClr val="FFFFFF"/>
+                </a:highlight>
+                <a:latin typeface="Monaco"/>
+              </a:rPr>
+              <a:t>	message:@</a:t>
+            </a:r>
+            <a:r>
+              <a:rPr lang="en-US" sz="2000" dirty="0">
+                <a:solidFill>
+                  <a:srgbClr val="005C00"/>
+                </a:solidFill>
+                <a:highlight>
+                  <a:srgbClr val="FFFFFF"/>
+                </a:highlight>
+                <a:latin typeface="Monaco"/>
+              </a:rPr>
+              <a:t>"Hello World"</a:t>
+            </a:r>
+            <a:r>
+              <a:rPr lang="en-US" sz="2000" dirty="0">
+                <a:highlight>
+                  <a:srgbClr val="FFFFFF"/>
+                </a:highlight>
+                <a:latin typeface="Monaco"/>
+              </a:rPr>
+              <a:t> </a:t>
+            </a:r>
+          </a:p>
+          <a:p>
+            <a:r>
+              <a:rPr lang="en-US" sz="2000" dirty="0">
+                <a:highlight>
+                  <a:srgbClr val="FFFFFF"/>
+                </a:highlight>
+                <a:latin typeface="Monaco"/>
+              </a:rPr>
+              <a:t>	</a:t>
+            </a:r>
+            <a:r>
+              <a:rPr lang="en-US" sz="2000" dirty="0" err="1">
+                <a:highlight>
+                  <a:srgbClr val="FFFFFF"/>
+                </a:highlight>
+                <a:latin typeface="Monaco"/>
+              </a:rPr>
+              <a:t>delegate:nil</a:t>
+            </a:r>
+            <a:r>
+              <a:rPr lang="en-US" sz="2000" dirty="0">
+                <a:highlight>
+                  <a:srgbClr val="FFFFFF"/>
+                </a:highlight>
+                <a:latin typeface="Monaco"/>
+              </a:rPr>
+              <a:t> </a:t>
+            </a:r>
+          </a:p>
+          <a:p>
+            <a:r>
+              <a:rPr lang="en-US" sz="2000" dirty="0">
+                <a:highlight>
+                  <a:srgbClr val="FFFFFF"/>
+                </a:highlight>
+                <a:latin typeface="Monaco"/>
+              </a:rPr>
+              <a:t>	</a:t>
+            </a:r>
+            <a:r>
+              <a:rPr lang="en-US" sz="2000" dirty="0" err="1">
+                <a:highlight>
+                  <a:srgbClr val="FFFFFF"/>
+                </a:highlight>
+                <a:latin typeface="Monaco"/>
+              </a:rPr>
+              <a:t>cancelButtonTitle</a:t>
+            </a:r>
+            <a:r>
+              <a:rPr lang="en-US" sz="2000" dirty="0">
+                <a:highlight>
+                  <a:srgbClr val="FFFFFF"/>
+                </a:highlight>
+                <a:latin typeface="Monaco"/>
+              </a:rPr>
+              <a:t>:@</a:t>
+            </a:r>
+            <a:r>
+              <a:rPr lang="en-US" sz="2000" dirty="0">
+                <a:solidFill>
+                  <a:srgbClr val="005C00"/>
+                </a:solidFill>
+                <a:highlight>
+                  <a:srgbClr val="FFFFFF"/>
+                </a:highlight>
+                <a:latin typeface="Monaco"/>
+              </a:rPr>
+              <a:t>"OK"</a:t>
+            </a:r>
+          </a:p>
+          <a:p>
+            <a:r>
+              <a:rPr lang="en-US" sz="2000" dirty="0">
+                <a:highlight>
+                  <a:srgbClr val="FFFFFF"/>
+                </a:highlight>
+                <a:latin typeface="Monaco"/>
+              </a:rPr>
+              <a:t>	</a:t>
+            </a:r>
+            <a:r>
+              <a:rPr lang="en-US" sz="2000" dirty="0" err="1">
+                <a:highlight>
+                  <a:srgbClr val="FFFFFF"/>
+                </a:highlight>
+                <a:latin typeface="Monaco"/>
+              </a:rPr>
+              <a:t>otherButtonTitles:nil</a:t>
+            </a:r>
+            <a:r>
+              <a:rPr lang="en-US" sz="2000" dirty="0">
+                <a:highlight>
+                  <a:srgbClr val="FFFFFF"/>
+                </a:highlight>
+                <a:latin typeface="Monaco"/>
+              </a:rPr>
+              <a:t>]</a:t>
+            </a:r>
+            <a:r>
+              <a:rPr lang="en-US" sz="2000" dirty="0">
+                <a:solidFill>
+                  <a:srgbClr val="5C5C5C"/>
+                </a:solidFill>
+                <a:highlight>
+                  <a:srgbClr val="FFFFFF"/>
+                </a:highlight>
+                <a:latin typeface="Monaco"/>
+              </a:rPr>
+              <a:t>;</a:t>
+            </a:r>
+          </a:p>
+          <a:p>
+            <a:r>
+              <a:rPr lang="en-US" sz="2000" dirty="0">
+                <a:highlight>
+                  <a:srgbClr val="FFFFFF"/>
+                </a:highlight>
+                <a:latin typeface="Monaco"/>
+              </a:rPr>
+              <a:t>[alert show]</a:t>
+            </a:r>
+            <a:r>
+              <a:rPr lang="en-US" sz="2000" dirty="0">
+                <a:solidFill>
+                  <a:srgbClr val="5C5C5C"/>
+                </a:solidFill>
+                <a:highlight>
+                  <a:srgbClr val="FFFFFF"/>
+                </a:highlight>
+                <a:latin typeface="Monaco"/>
+              </a:rPr>
+              <a:t>;</a:t>
+            </a:r>
+          </a:p>
+          <a:p>
+            <a:r>
+              <a:rPr lang="en-US" sz="2000" dirty="0">
+                <a:highlight>
+                  <a:srgbClr val="FFFFFF"/>
+                </a:highlight>
+                <a:latin typeface="Monaco"/>
+              </a:rPr>
+              <a:t>[alert release]</a:t>
+            </a:r>
+            <a:r>
+              <a:rPr lang="en-US" sz="2000" dirty="0">
+                <a:solidFill>
+                  <a:srgbClr val="5C5C5C"/>
+                </a:solidFill>
+                <a:highlight>
+                  <a:srgbClr val="FFFFFF"/>
+                </a:highlight>
+                <a:latin typeface="Monaco"/>
+              </a:rPr>
+              <a:t>;</a:t>
+            </a:r>
+          </a:p>
+          <a:p>
+            <a:endParaRPr lang="en-US" sz="2000" dirty="0">
+              <a:latin typeface="Monaco"/>
+            </a:endParaRPr>
+          </a:p>
+        </p:txBody>
+      </p:sp>
+      <p:pic>
+        <p:nvPicPr>
+          <p:cNvPr id="4" name="Picture 3" descr="Screen shot 2011-10-27 at 11.59.02 AM.png"/>
+          <p:cNvPicPr>
+            <a:picLocks noChangeAspect="1"/>
+          </p:cNvPicPr>
+          <p:nvPr/>
+        </p:nvPicPr>
+        <p:blipFill>
+          <a:blip r:embed="rId3">
+            <a:extLst>
+              <a:ext uri="{28A0092B-C50C-407E-A947-70E740481C1C}">
+                <a14:useLocalDpi xmlns:a14="http://schemas.microsoft.com/office/drawing/2010/main" val="0"/>
+              </a:ext>
+            </a:extLst>
+          </a:blip>
+          <a:stretch>
+            <a:fillRect/>
+          </a:stretch>
+        </p:blipFill>
+        <p:spPr>
+          <a:xfrm>
+            <a:off x="5106068" y="3849437"/>
+            <a:ext cx="3797300" cy="2006600"/>
+          </a:xfrm>
+          <a:prstGeom prst="rect">
+            <a:avLst/>
+          </a:prstGeom>
+        </p:spPr>
+      </p:pic>
+    </p:spTree>
+    <p:extLst>
+      <p:ext uri="{BB962C8B-B14F-4D97-AF65-F5344CB8AC3E}">
+        <p14:creationId xmlns:p14="http://schemas.microsoft.com/office/powerpoint/2010/main" val="3078995624"/>
+      </p:ext>
+    </p:extLst>
+  </p:cSld>
+  <p:clrMapOvr>
+    <a:masterClrMapping/>
+  </p:clrMapOvr>
+  <p:timing>
+    <p:tnLst>
+      <p:par>
+        <p:cTn xmlns:p14="http://schemas.microsoft.com/office/powerpoint/2010/main" id="1" dur="indefinite" restart="never" nodeType="tmRoot"/>
+      </p:par>
+    </p:tnLst>
+  </p:timing>
+</p:sld>
+</file>
+
+<file path=ppt/slides/slide8.xml><?xml version="1.0" encoding="utf-8"?>
+<p:sld xmlns:a="http://schemas.openxmlformats.org/drawingml/2006/main" xmlns:r="http://schemas.openxmlformats.org/officeDocument/2006/relationships" xmlns:p="http://schemas.openxmlformats.org/presentationml/2006/main">
+  <p:cSld>
+    <p:spTree>
+      <p:nvGrpSpPr>
+        <p:cNvPr id="1" name=""/>
+        <p:cNvGrpSpPr/>
+        <p:nvPr/>
+      </p:nvGrpSpPr>
+      <p:grpSpPr>
+        <a:xfrm>
+          <a:off x="0" y="0"/>
+          <a:ext cx="0" cy="0"/>
+          <a:chOff x="0" y="0"/>
+          <a:chExt cx="0" cy="0"/>
+        </a:xfrm>
+      </p:grpSpPr>
+      <p:sp>
+        <p:nvSpPr>
+          <p:cNvPr id="2" name="Title 1"/>
+          <p:cNvSpPr>
+            <a:spLocks noGrp="1"/>
+          </p:cNvSpPr>
+          <p:nvPr>
+            <p:ph type="title"/>
+          </p:nvPr>
+        </p:nvSpPr>
+        <p:spPr/>
+        <p:txBody>
+          <a:bodyPr/>
+          <a:lstStyle/>
+          <a:p>
+            <a:r>
+              <a:rPr lang="en-US" dirty="0" smtClean="0"/>
+              <a:t>Titanium is easier</a:t>
+            </a:r>
+            <a:endParaRPr lang="en-US" dirty="0"/>
+          </a:p>
+        </p:txBody>
+      </p:sp>
+      <p:sp>
+        <p:nvSpPr>
+          <p:cNvPr id="3" name="Content Placeholder 2"/>
+          <p:cNvSpPr>
+            <a:spLocks noGrp="1"/>
+          </p:cNvSpPr>
+          <p:nvPr>
+            <p:ph idx="1"/>
+          </p:nvPr>
+        </p:nvSpPr>
+        <p:spPr/>
+        <p:txBody>
+          <a:bodyPr/>
+          <a:lstStyle/>
+          <a:p>
+            <a:r>
+              <a:rPr lang="en-US" sz="1600" dirty="0">
+                <a:solidFill>
+                  <a:srgbClr val="008000"/>
+                </a:solidFill>
+                <a:highlight>
+                  <a:srgbClr val="E8F2FE"/>
+                </a:highlight>
+                <a:latin typeface="Monaco"/>
+              </a:rPr>
+              <a:t>// Java/Android</a:t>
+            </a:r>
+          </a:p>
+          <a:p>
+            <a:r>
+              <a:rPr lang="en-US" sz="1600" dirty="0" err="1">
+                <a:highlight>
+                  <a:srgbClr val="FFFFFF"/>
+                </a:highlight>
+                <a:latin typeface="Monaco"/>
+              </a:rPr>
+              <a:t>AlertDialog.Builder</a:t>
+            </a:r>
+            <a:r>
+              <a:rPr lang="en-US" sz="1600" dirty="0">
+                <a:highlight>
+                  <a:srgbClr val="FFFFFF"/>
+                </a:highlight>
+                <a:latin typeface="Monaco"/>
+              </a:rPr>
+              <a:t> builder </a:t>
+            </a:r>
+            <a:r>
+              <a:rPr lang="en-US" sz="1600" dirty="0">
+                <a:solidFill>
+                  <a:srgbClr val="5C5C5C"/>
+                </a:solidFill>
+                <a:highlight>
+                  <a:srgbClr val="FFFFFF"/>
+                </a:highlight>
+                <a:latin typeface="Monaco"/>
+              </a:rPr>
+              <a:t>= new </a:t>
+            </a:r>
+            <a:r>
+              <a:rPr lang="en-US" sz="1600" dirty="0" err="1">
+                <a:highlight>
+                  <a:srgbClr val="FFFFFF"/>
+                </a:highlight>
+                <a:latin typeface="Monaco"/>
+              </a:rPr>
+              <a:t>AlertDialog.Builder</a:t>
+            </a:r>
+            <a:r>
+              <a:rPr lang="en-US" sz="1600" dirty="0">
+                <a:highlight>
+                  <a:srgbClr val="FFFFFF"/>
+                </a:highlight>
+                <a:latin typeface="Monaco"/>
+              </a:rPr>
+              <a:t>(this)</a:t>
+            </a:r>
+            <a:r>
+              <a:rPr lang="en-US" sz="1600" dirty="0">
+                <a:solidFill>
+                  <a:srgbClr val="5C5C5C"/>
+                </a:solidFill>
+                <a:highlight>
+                  <a:srgbClr val="FFFFFF"/>
+                </a:highlight>
+                <a:latin typeface="Monaco"/>
+              </a:rPr>
+              <a:t>;</a:t>
+            </a:r>
+          </a:p>
+          <a:p>
+            <a:r>
+              <a:rPr lang="en-US" sz="1600" dirty="0" err="1">
+                <a:highlight>
+                  <a:srgbClr val="FFFFFF"/>
+                </a:highlight>
+                <a:latin typeface="Monaco"/>
+              </a:rPr>
+              <a:t>builder.setMessage</a:t>
+            </a:r>
+            <a:r>
+              <a:rPr lang="en-US" sz="1600" dirty="0">
+                <a:highlight>
+                  <a:srgbClr val="FFFFFF"/>
+                </a:highlight>
+                <a:latin typeface="Monaco"/>
+              </a:rPr>
+              <a:t>(</a:t>
+            </a:r>
+            <a:r>
+              <a:rPr lang="en-US" sz="1600" dirty="0">
+                <a:solidFill>
+                  <a:srgbClr val="005C00"/>
+                </a:solidFill>
+                <a:highlight>
+                  <a:srgbClr val="FFFFFF"/>
+                </a:highlight>
+                <a:latin typeface="Monaco"/>
+              </a:rPr>
+              <a:t>"Hello World"</a:t>
+            </a:r>
+            <a:r>
+              <a:rPr lang="en-US" sz="1600" dirty="0">
+                <a:highlight>
+                  <a:srgbClr val="FFFFFF"/>
+                </a:highlight>
+                <a:latin typeface="Monaco"/>
+              </a:rPr>
+              <a:t>)</a:t>
+            </a:r>
+          </a:p>
+          <a:p>
+            <a:r>
+              <a:rPr lang="en-US" sz="1600" dirty="0">
+                <a:highlight>
+                  <a:srgbClr val="FFFFFF"/>
+                </a:highlight>
+                <a:latin typeface="Monaco"/>
+              </a:rPr>
+              <a:t>	.</a:t>
+            </a:r>
+            <a:r>
+              <a:rPr lang="en-US" sz="1600" dirty="0" err="1">
+                <a:highlight>
+                  <a:srgbClr val="FFFFFF"/>
+                </a:highlight>
+                <a:latin typeface="Monaco"/>
+              </a:rPr>
+              <a:t>setCancelable</a:t>
+            </a:r>
+            <a:r>
+              <a:rPr lang="en-US" sz="1600" dirty="0">
+                <a:highlight>
+                  <a:srgbClr val="FFFFFF"/>
+                </a:highlight>
+                <a:latin typeface="Monaco"/>
+              </a:rPr>
+              <a:t>(</a:t>
+            </a:r>
+            <a:r>
+              <a:rPr lang="en-US" sz="1600" dirty="0">
+                <a:solidFill>
+                  <a:srgbClr val="800040"/>
+                </a:solidFill>
+                <a:highlight>
+                  <a:srgbClr val="FFFFFF"/>
+                </a:highlight>
+                <a:latin typeface="Monaco"/>
+              </a:rPr>
+              <a:t>false</a:t>
+            </a:r>
+            <a:r>
+              <a:rPr lang="en-US" sz="1600" dirty="0">
+                <a:highlight>
+                  <a:srgbClr val="FFFFFF"/>
+                </a:highlight>
+                <a:latin typeface="Monaco"/>
+              </a:rPr>
+              <a:t>)</a:t>
+            </a:r>
+          </a:p>
+          <a:p>
+            <a:r>
+              <a:rPr lang="en-US" sz="1600" dirty="0">
+                <a:highlight>
+                  <a:srgbClr val="FFFFFF"/>
+                </a:highlight>
+                <a:latin typeface="Monaco"/>
+              </a:rPr>
+              <a:t>	.</a:t>
+            </a:r>
+            <a:r>
+              <a:rPr lang="en-US" sz="1600" dirty="0" err="1">
+                <a:highlight>
+                  <a:srgbClr val="FFFFFF"/>
+                </a:highlight>
+                <a:latin typeface="Monaco"/>
+              </a:rPr>
+              <a:t>setPositiveButton</a:t>
+            </a:r>
+            <a:r>
+              <a:rPr lang="en-US" sz="1600" dirty="0">
+                <a:highlight>
+                  <a:srgbClr val="FFFFFF"/>
+                </a:highlight>
+                <a:latin typeface="Monaco"/>
+              </a:rPr>
+              <a:t>(</a:t>
+            </a:r>
+            <a:r>
+              <a:rPr lang="en-US" sz="1600" dirty="0">
+                <a:solidFill>
+                  <a:srgbClr val="005C00"/>
+                </a:solidFill>
+                <a:highlight>
+                  <a:srgbClr val="FFFFFF"/>
+                </a:highlight>
+                <a:latin typeface="Monaco"/>
+              </a:rPr>
+              <a:t>"OK"</a:t>
+            </a:r>
+            <a:r>
+              <a:rPr lang="en-US" sz="1600" dirty="0">
+                <a:highlight>
+                  <a:srgbClr val="FFFFFF"/>
+                </a:highlight>
+                <a:latin typeface="Monaco"/>
+              </a:rPr>
+              <a:t>, </a:t>
+            </a:r>
+            <a:r>
+              <a:rPr lang="en-US" sz="1600" dirty="0">
+                <a:solidFill>
+                  <a:srgbClr val="5C5C5C"/>
+                </a:solidFill>
+                <a:highlight>
+                  <a:srgbClr val="FFFFFF"/>
+                </a:highlight>
+                <a:latin typeface="Monaco"/>
+              </a:rPr>
+              <a:t>new </a:t>
+            </a:r>
+            <a:r>
+              <a:rPr lang="en-US" sz="1600" dirty="0" err="1">
+                <a:highlight>
+                  <a:srgbClr val="FFFFFF"/>
+                </a:highlight>
+                <a:latin typeface="Monaco"/>
+              </a:rPr>
+              <a:t>DialogInterface.OnClickListener</a:t>
+            </a:r>
+            <a:r>
+              <a:rPr lang="en-US" sz="1600" dirty="0">
+                <a:highlight>
+                  <a:srgbClr val="FFFFFF"/>
+                </a:highlight>
+                <a:latin typeface="Monaco"/>
+              </a:rPr>
+              <a:t>() {</a:t>
+            </a:r>
+          </a:p>
+          <a:p>
+            <a:r>
+              <a:rPr lang="en-US" sz="1600" dirty="0">
+                <a:highlight>
+                  <a:srgbClr val="FFFFFF"/>
+                </a:highlight>
+                <a:latin typeface="Monaco"/>
+              </a:rPr>
+              <a:t>		public </a:t>
+            </a:r>
+            <a:r>
+              <a:rPr lang="en-US" sz="1600" b="1" dirty="0">
+                <a:solidFill>
+                  <a:srgbClr val="0000C0"/>
+                </a:solidFill>
+                <a:highlight>
+                  <a:srgbClr val="FFFFFF"/>
+                </a:highlight>
+                <a:latin typeface="Monaco"/>
+              </a:rPr>
+              <a:t>void </a:t>
+            </a:r>
+            <a:r>
+              <a:rPr lang="en-US" sz="1600" b="1" dirty="0" err="1">
+                <a:highlight>
+                  <a:srgbClr val="FFFFFF"/>
+                </a:highlight>
+                <a:latin typeface="Monaco"/>
+              </a:rPr>
+              <a:t>onClick</a:t>
+            </a:r>
+            <a:r>
+              <a:rPr lang="en-US" sz="1600" b="1" dirty="0">
+                <a:highlight>
+                  <a:srgbClr val="FFFFFF"/>
+                </a:highlight>
+                <a:latin typeface="Monaco"/>
+              </a:rPr>
+              <a:t>(</a:t>
+            </a:r>
+            <a:r>
+              <a:rPr lang="en-US" sz="1600" b="1" dirty="0" err="1">
+                <a:highlight>
+                  <a:srgbClr val="FFFFFF"/>
+                </a:highlight>
+                <a:latin typeface="Monaco"/>
+              </a:rPr>
+              <a:t>DialogInterface</a:t>
+            </a:r>
+            <a:r>
+              <a:rPr lang="en-US" sz="1600" b="1" dirty="0">
+                <a:highlight>
+                  <a:srgbClr val="FFFFFF"/>
+                </a:highlight>
+                <a:latin typeface="Monaco"/>
+              </a:rPr>
+              <a:t> dialog, </a:t>
+            </a:r>
+            <a:r>
+              <a:rPr lang="en-US" sz="1600" b="1" dirty="0" err="1">
+                <a:solidFill>
+                  <a:srgbClr val="0000C0"/>
+                </a:solidFill>
+                <a:highlight>
+                  <a:srgbClr val="FFFFFF"/>
+                </a:highlight>
+                <a:latin typeface="Monaco"/>
+              </a:rPr>
+              <a:t>int</a:t>
+            </a:r>
+            <a:r>
+              <a:rPr lang="en-US" sz="1600" b="1" dirty="0">
+                <a:solidFill>
+                  <a:srgbClr val="0000C0"/>
+                </a:solidFill>
+                <a:highlight>
+                  <a:srgbClr val="FFFFFF"/>
+                </a:highlight>
+                <a:latin typeface="Monaco"/>
+              </a:rPr>
+              <a:t> </a:t>
+            </a:r>
+            <a:r>
+              <a:rPr lang="en-US" sz="1600" b="1" dirty="0">
+                <a:highlight>
+                  <a:srgbClr val="FFFFFF"/>
+                </a:highlight>
+                <a:latin typeface="Monaco"/>
+              </a:rPr>
+              <a:t>id) {</a:t>
+            </a:r>
+          </a:p>
+          <a:p>
+            <a:r>
+              <a:rPr lang="en-US" sz="1600" dirty="0">
+                <a:highlight>
+                  <a:srgbClr val="FFFFFF"/>
+                </a:highlight>
+                <a:latin typeface="Monaco"/>
+              </a:rPr>
+              <a:t>		     </a:t>
+            </a:r>
+            <a:r>
+              <a:rPr lang="en-US" sz="1600" dirty="0" err="1">
+                <a:highlight>
+                  <a:srgbClr val="FFFFFF"/>
+                </a:highlight>
+                <a:latin typeface="Monaco"/>
+              </a:rPr>
+              <a:t>MyActivity.this.finish</a:t>
+            </a:r>
+            <a:r>
+              <a:rPr lang="en-US" sz="1600" dirty="0">
+                <a:highlight>
+                  <a:srgbClr val="FFFFFF"/>
+                </a:highlight>
+                <a:latin typeface="Monaco"/>
+              </a:rPr>
+              <a:t>()</a:t>
+            </a:r>
+            <a:r>
+              <a:rPr lang="en-US" sz="1600" dirty="0">
+                <a:solidFill>
+                  <a:srgbClr val="5C5C5C"/>
+                </a:solidFill>
+                <a:highlight>
+                  <a:srgbClr val="FFFFFF"/>
+                </a:highlight>
+                <a:latin typeface="Monaco"/>
+              </a:rPr>
+              <a:t>;</a:t>
+            </a:r>
+          </a:p>
+          <a:p>
+            <a:r>
+              <a:rPr lang="en-US" sz="1600" dirty="0">
+                <a:solidFill>
+                  <a:srgbClr val="5C5C5C"/>
+                </a:solidFill>
+                <a:highlight>
+                  <a:srgbClr val="FFFFFF"/>
+                </a:highlight>
+                <a:latin typeface="Monaco"/>
+              </a:rPr>
+              <a:t>		</a:t>
+            </a:r>
+            <a:r>
+              <a:rPr lang="en-US" sz="1600" dirty="0">
+                <a:highlight>
+                  <a:srgbClr val="FFFFFF"/>
+                </a:highlight>
+                <a:latin typeface="Monaco"/>
+              </a:rPr>
+              <a:t>}</a:t>
+            </a:r>
+          </a:p>
+          <a:p>
+            <a:r>
+              <a:rPr lang="en-US" sz="1600" dirty="0">
+                <a:highlight>
+                  <a:srgbClr val="FFFFFF"/>
+                </a:highlight>
+                <a:latin typeface="Monaco"/>
+              </a:rPr>
+              <a:t>	})</a:t>
+            </a:r>
+            <a:r>
+              <a:rPr lang="en-US" sz="1600" dirty="0">
+                <a:solidFill>
+                  <a:srgbClr val="5C5C5C"/>
+                </a:solidFill>
+                <a:highlight>
+                  <a:srgbClr val="FFFFFF"/>
+                </a:highlight>
+                <a:latin typeface="Monaco"/>
+              </a:rPr>
+              <a:t>;</a:t>
+            </a:r>
+          </a:p>
+          <a:p>
+            <a:r>
+              <a:rPr lang="en-US" sz="1600" dirty="0" err="1">
+                <a:highlight>
+                  <a:srgbClr val="FFFFFF"/>
+                </a:highlight>
+                <a:latin typeface="Monaco"/>
+              </a:rPr>
+              <a:t>AlertDialog</a:t>
+            </a:r>
+            <a:r>
+              <a:rPr lang="en-US" sz="1600" dirty="0">
+                <a:highlight>
+                  <a:srgbClr val="FFFFFF"/>
+                </a:highlight>
+                <a:latin typeface="Monaco"/>
+              </a:rPr>
+              <a:t> alert </a:t>
+            </a:r>
+            <a:r>
+              <a:rPr lang="en-US" sz="1600" dirty="0">
+                <a:solidFill>
+                  <a:srgbClr val="5C5C5C"/>
+                </a:solidFill>
+                <a:highlight>
+                  <a:srgbClr val="FFFFFF"/>
+                </a:highlight>
+                <a:latin typeface="Monaco"/>
+              </a:rPr>
+              <a:t>= </a:t>
+            </a:r>
+            <a:r>
+              <a:rPr lang="en-US" sz="1600" dirty="0" err="1">
+                <a:highlight>
+                  <a:srgbClr val="FFFFFF"/>
+                </a:highlight>
+                <a:latin typeface="Monaco"/>
+              </a:rPr>
+              <a:t>builder.create</a:t>
+            </a:r>
+            <a:r>
+              <a:rPr lang="en-US" sz="1600" dirty="0">
+                <a:highlight>
+                  <a:srgbClr val="FFFFFF"/>
+                </a:highlight>
+                <a:latin typeface="Monaco"/>
+              </a:rPr>
+              <a:t>()</a:t>
+            </a:r>
+            <a:r>
+              <a:rPr lang="en-US" sz="1600" dirty="0">
+                <a:solidFill>
+                  <a:srgbClr val="5C5C5C"/>
+                </a:solidFill>
+                <a:highlight>
+                  <a:srgbClr val="FFFFFF"/>
+                </a:highlight>
+                <a:latin typeface="Monaco"/>
+              </a:rPr>
+              <a:t>;</a:t>
+            </a:r>
+          </a:p>
+          <a:p>
+            <a:endParaRPr lang="en-US" sz="1800" dirty="0">
+              <a:latin typeface="Monaco"/>
+            </a:endParaRPr>
+          </a:p>
+        </p:txBody>
+      </p:sp>
+      <p:pic>
+        <p:nvPicPr>
+          <p:cNvPr id="4" name="Picture 3" descr="Screen shot 2011-10-27 at 12.03.52 PM.png"/>
+          <p:cNvPicPr>
+            <a:picLocks noChangeAspect="1"/>
+          </p:cNvPicPr>
+          <p:nvPr/>
+        </p:nvPicPr>
+        <p:blipFill>
+          <a:blip r:embed="rId2">
+            <a:extLst>
+              <a:ext uri="{28A0092B-C50C-407E-A947-70E740481C1C}">
+                <a14:useLocalDpi xmlns:a14="http://schemas.microsoft.com/office/drawing/2010/main" val="0"/>
+              </a:ext>
+            </a:extLst>
+          </a:blip>
+          <a:stretch>
+            <a:fillRect/>
+          </a:stretch>
+        </p:blipFill>
+        <p:spPr>
+          <a:xfrm>
+            <a:off x="5467684" y="3966775"/>
+            <a:ext cx="3181684" cy="2006674"/>
+          </a:xfrm>
+          <a:prstGeom prst="rect">
+            <a:avLst/>
+          </a:prstGeom>
+        </p:spPr>
+      </p:pic>
+    </p:spTree>
+    <p:extLst>
+      <p:ext uri="{BB962C8B-B14F-4D97-AF65-F5344CB8AC3E}">
+        <p14:creationId xmlns:p14="http://schemas.microsoft.com/office/powerpoint/2010/main" val="2027194740"/>
+      </p:ext>
+    </p:extLst>
+  </p:cSld>
+  <p:clrMapOvr>
+    <a:masterClrMapping/>
+  </p:clrMapOvr>
+  <p:timing>
+    <p:tnLst>
+      <p:par>
+        <p:cTn xmlns:p14="http://schemas.microsoft.com/office/powerpoint/2010/main" id="1" dur="indefinite" restart="never" nodeType="tmRoot"/>
+      </p:par>
+    </p:tnLst>
+  </p:timing>
+</p:sld>
+</file>
+
+<file path=ppt/slides/slide9.xml><?xml version="1.0" encoding="utf-8"?>
+<p:sld xmlns:a="http://schemas.openxmlformats.org/drawingml/2006/main" xmlns:r="http://schemas.openxmlformats.org/officeDocument/2006/relationships" xmlns:p="http://schemas.openxmlformats.org/presentationml/2006/main">
+  <p:cSld>
+    <p:spTree>
+      <p:nvGrpSpPr>
+        <p:cNvPr id="1" name=""/>
+        <p:cNvGrpSpPr/>
+        <p:nvPr/>
+      </p:nvGrpSpPr>
+      <p:grpSpPr>
+        <a:xfrm>
+          <a:off x="0" y="0"/>
+          <a:ext cx="0" cy="0"/>
+          <a:chOff x="0" y="0"/>
+          <a:chExt cx="0" cy="0"/>
+        </a:xfrm>
+      </p:grpSpPr>
+      <p:sp>
+        <p:nvSpPr>
+          <p:cNvPr id="2" name="Title 1"/>
+          <p:cNvSpPr>
+            <a:spLocks noGrp="1"/>
+          </p:cNvSpPr>
+          <p:nvPr>
+            <p:ph type="title"/>
+          </p:nvPr>
+        </p:nvSpPr>
+        <p:spPr/>
+        <p:txBody>
+          <a:bodyPr/>
+          <a:lstStyle/>
+          <a:p>
+            <a:r>
+              <a:rPr lang="en-US" dirty="0"/>
+              <a:t>Titanium is easier</a:t>
+            </a:r>
+          </a:p>
+        </p:txBody>
+      </p:sp>
+      <p:sp>
+        <p:nvSpPr>
+          <p:cNvPr id="3" name="Content Placeholder 2"/>
+          <p:cNvSpPr>
+            <a:spLocks noGrp="1"/>
+          </p:cNvSpPr>
+          <p:nvPr>
+            <p:ph idx="1"/>
+          </p:nvPr>
+        </p:nvSpPr>
+        <p:spPr/>
+        <p:txBody>
+          <a:bodyPr/>
+          <a:lstStyle/>
+          <a:p>
+            <a:pPr lvl="0"/>
+            <a:r>
+              <a:rPr lang="en-US" sz="1800" dirty="0">
+                <a:solidFill>
+                  <a:srgbClr val="008000"/>
+                </a:solidFill>
+                <a:highlight>
+                  <a:srgbClr val="E8F2FE"/>
+                </a:highlight>
+                <a:latin typeface="Monaco"/>
+              </a:rPr>
+              <a:t>// </a:t>
+            </a:r>
+            <a:r>
+              <a:rPr lang="en-US" sz="1800" dirty="0" smtClean="0">
+                <a:solidFill>
+                  <a:srgbClr val="008000"/>
+                </a:solidFill>
+                <a:highlight>
+                  <a:srgbClr val="E8F2FE"/>
+                </a:highlight>
+                <a:latin typeface="Monaco"/>
+              </a:rPr>
+              <a:t>Titanium</a:t>
+            </a:r>
+            <a:endParaRPr lang="en-US" sz="1800" dirty="0">
+              <a:solidFill>
+                <a:srgbClr val="008000"/>
+              </a:solidFill>
+              <a:highlight>
+                <a:srgbClr val="E8F2FE"/>
+              </a:highlight>
+              <a:latin typeface="Monaco"/>
+            </a:endParaRPr>
+          </a:p>
+          <a:p>
+            <a:pPr lvl="0"/>
+            <a:r>
+              <a:rPr lang="en-US" sz="1800" dirty="0" smtClean="0">
+                <a:highlight>
+                  <a:srgbClr val="FFFFFF"/>
+                </a:highlight>
+                <a:latin typeface="Monaco"/>
+              </a:rPr>
+              <a:t>alert(</a:t>
+            </a:r>
+            <a:r>
+              <a:rPr lang="en-US" sz="1800" dirty="0">
+                <a:solidFill>
+                  <a:srgbClr val="005C00"/>
+                </a:solidFill>
+                <a:highlight>
+                  <a:srgbClr val="FFFFFF"/>
+                </a:highlight>
+                <a:latin typeface="Monaco"/>
+              </a:rPr>
+              <a:t>"Hello World"</a:t>
+            </a:r>
+            <a:r>
+              <a:rPr lang="en-US" sz="1800" dirty="0" smtClean="0">
+                <a:highlight>
+                  <a:srgbClr val="FFFFFF"/>
+                </a:highlight>
+                <a:latin typeface="Monaco"/>
+              </a:rPr>
+              <a:t>)</a:t>
+            </a:r>
+            <a:r>
+              <a:rPr lang="en-US" sz="1800" dirty="0" smtClean="0">
+                <a:solidFill>
+                  <a:srgbClr val="5C5C5C"/>
+                </a:solidFill>
+                <a:highlight>
+                  <a:srgbClr val="FFFFFF"/>
+                </a:highlight>
+                <a:latin typeface="Monaco"/>
+              </a:rPr>
+              <a:t>;</a:t>
+            </a:r>
+            <a:endParaRPr lang="en-US" dirty="0"/>
+          </a:p>
+        </p:txBody>
+      </p:sp>
+      <p:pic>
+        <p:nvPicPr>
+          <p:cNvPr id="4" name="Picture 3" descr="Screen shot 2011-10-27 at 12.03.52 PM.png"/>
+          <p:cNvPicPr>
+            <a:picLocks noChangeAspect="1"/>
+          </p:cNvPicPr>
+          <p:nvPr/>
+        </p:nvPicPr>
+        <p:blipFill>
+          <a:blip r:embed="rId2">
+            <a:extLst>
+              <a:ext uri="{28A0092B-C50C-407E-A947-70E740481C1C}">
+                <a14:useLocalDpi xmlns:a14="http://schemas.microsoft.com/office/drawing/2010/main" val="0"/>
+              </a:ext>
+            </a:extLst>
+          </a:blip>
+          <a:stretch>
+            <a:fillRect/>
+          </a:stretch>
+        </p:blipFill>
+        <p:spPr>
+          <a:xfrm>
+            <a:off x="5467684" y="3966775"/>
+            <a:ext cx="3181684" cy="2006674"/>
+          </a:xfrm>
+          <a:prstGeom prst="rect">
+            <a:avLst/>
+          </a:prstGeom>
+        </p:spPr>
+      </p:pic>
+      <p:pic>
+        <p:nvPicPr>
+          <p:cNvPr id="5" name="Picture 4" descr="Screen shot 2011-10-27 at 11.59.02 AM.png"/>
+          <p:cNvPicPr>
+            <a:picLocks noChangeAspect="1"/>
+          </p:cNvPicPr>
+          <p:nvPr/>
+        </p:nvPicPr>
+        <p:blipFill>
+          <a:blip r:embed="rId3">
+            <a:extLst>
+              <a:ext uri="{28A0092B-C50C-407E-A947-70E740481C1C}">
+                <a14:useLocalDpi xmlns:a14="http://schemas.microsoft.com/office/drawing/2010/main" val="0"/>
+              </a:ext>
+            </a:extLst>
+          </a:blip>
+          <a:stretch>
+            <a:fillRect/>
+          </a:stretch>
+        </p:blipFill>
+        <p:spPr>
+          <a:xfrm>
+            <a:off x="5413542" y="1737228"/>
+            <a:ext cx="3302668" cy="1745222"/>
+          </a:xfrm>
+          <a:prstGeom prst="rect">
+            <a:avLst/>
+          </a:prstGeom>
+        </p:spPr>
+      </p:pic>
+      <p:sp>
+        <p:nvSpPr>
+          <p:cNvPr id="6" name="TextBox 5"/>
+          <p:cNvSpPr txBox="1"/>
+          <p:nvPr/>
+        </p:nvSpPr>
+        <p:spPr>
+          <a:xfrm>
+            <a:off x="628316" y="3957052"/>
+            <a:ext cx="3816883" cy="461665"/>
+          </a:xfrm>
+          <a:prstGeom prst="rect">
+            <a:avLst/>
+          </a:prstGeom>
+          <a:noFill/>
+        </p:spPr>
+        <p:txBody>
+          <a:bodyPr wrap="none" rtlCol="0">
+            <a:spAutoFit/>
+          </a:bodyPr>
+          <a:lstStyle/>
+          <a:p>
+            <a:r>
+              <a:rPr lang="en-US" i="1" dirty="0" smtClean="0"/>
+              <a:t>… and it’s cross platform!</a:t>
+            </a:r>
+            <a:endParaRPr lang="en-US" i="1" dirty="0"/>
+          </a:p>
+        </p:txBody>
+      </p:sp>
+    </p:spTree>
+    <p:extLst>
+      <p:ext uri="{BB962C8B-B14F-4D97-AF65-F5344CB8AC3E}">
+        <p14:creationId xmlns:p14="http://schemas.microsoft.com/office/powerpoint/2010/main" val="1810392340"/>
       </p:ext>
     </p:extLst>
   </p:cSld>
